--- a/Kaufland.pptx
+++ b/Kaufland.pptx
@@ -5,25 +5,37 @@
     <p:sldMasterId id="2147483648" r:id="rId1"/>
   </p:sldMasterIdLst>
   <p:notesMasterIdLst>
-    <p:notesMasterId r:id="rId18"/>
+    <p:notesMasterId r:id="rId30"/>
   </p:notesMasterIdLst>
   <p:sldIdLst>
     <p:sldId id="256" r:id="rId2"/>
     <p:sldId id="264" r:id="rId3"/>
-    <p:sldId id="265" r:id="rId4"/>
-    <p:sldId id="266" r:id="rId5"/>
-    <p:sldId id="267" r:id="rId6"/>
-    <p:sldId id="268" r:id="rId7"/>
-    <p:sldId id="269" r:id="rId8"/>
-    <p:sldId id="270" r:id="rId9"/>
-    <p:sldId id="271" r:id="rId10"/>
-    <p:sldId id="272" r:id="rId11"/>
-    <p:sldId id="273" r:id="rId12"/>
-    <p:sldId id="274" r:id="rId13"/>
-    <p:sldId id="275" r:id="rId14"/>
-    <p:sldId id="276" r:id="rId15"/>
-    <p:sldId id="277" r:id="rId16"/>
-    <p:sldId id="278" r:id="rId17"/>
+    <p:sldId id="279" r:id="rId4"/>
+    <p:sldId id="265" r:id="rId5"/>
+    <p:sldId id="281" r:id="rId6"/>
+    <p:sldId id="266" r:id="rId7"/>
+    <p:sldId id="287" r:id="rId8"/>
+    <p:sldId id="267" r:id="rId9"/>
+    <p:sldId id="268" r:id="rId10"/>
+    <p:sldId id="269" r:id="rId11"/>
+    <p:sldId id="280" r:id="rId12"/>
+    <p:sldId id="270" r:id="rId13"/>
+    <p:sldId id="271" r:id="rId14"/>
+    <p:sldId id="282" r:id="rId15"/>
+    <p:sldId id="272" r:id="rId16"/>
+    <p:sldId id="273" r:id="rId17"/>
+    <p:sldId id="283" r:id="rId18"/>
+    <p:sldId id="274" r:id="rId19"/>
+    <p:sldId id="284" r:id="rId20"/>
+    <p:sldId id="275" r:id="rId21"/>
+    <p:sldId id="285" r:id="rId22"/>
+    <p:sldId id="276" r:id="rId23"/>
+    <p:sldId id="286" r:id="rId24"/>
+    <p:sldId id="277" r:id="rId25"/>
+    <p:sldId id="288" r:id="rId26"/>
+    <p:sldId id="289" r:id="rId27"/>
+    <p:sldId id="290" r:id="rId28"/>
+    <p:sldId id="278" r:id="rId29"/>
   </p:sldIdLst>
   <p:sldSz cx="12192000" cy="6858000"/>
   <p:notesSz cx="6858000" cy="9144000"/>
@@ -212,7 +224,7 @@
           <a:p>
             <a:fld id="{EED5D69B-099D-EA42-A254-865B1C545E22}" type="datetimeFigureOut">
               <a:rPr lang="en-US" smtClean="0"/>
-              <a:t>8/14/22</a:t>
+              <a:t>8/15/22</a:t>
             </a:fld>
             <a:endParaRPr lang="en-US"/>
           </a:p>
@@ -480,6 +492,264 @@
 </p:notesMaster>
 </file>
 
+<file path=ppt/notesSlides/notesSlide1.xml><?xml version="1.0" encoding="utf-8"?>
+<p:notes xmlns:a="http://schemas.openxmlformats.org/drawingml/2006/main" xmlns:r="http://schemas.openxmlformats.org/officeDocument/2006/relationships" xmlns:p="http://schemas.openxmlformats.org/presentationml/2006/main">
+  <p:cSld>
+    <p:spTree>
+      <p:nvGrpSpPr>
+        <p:cNvPr id="1" name=""/>
+        <p:cNvGrpSpPr/>
+        <p:nvPr/>
+      </p:nvGrpSpPr>
+      <p:grpSpPr>
+        <a:xfrm>
+          <a:off x="0" y="0"/>
+          <a:ext cx="0" cy="0"/>
+          <a:chOff x="0" y="0"/>
+          <a:chExt cx="0" cy="0"/>
+        </a:xfrm>
+      </p:grpSpPr>
+      <p:sp>
+        <p:nvSpPr>
+          <p:cNvPr id="2" name="Slide Image Placeholder 1"/>
+          <p:cNvSpPr>
+            <a:spLocks noGrp="1" noRot="1" noChangeAspect="1"/>
+          </p:cNvSpPr>
+          <p:nvPr>
+            <p:ph type="sldImg"/>
+          </p:nvPr>
+        </p:nvSpPr>
+        <p:spPr/>
+      </p:sp>
+      <p:sp>
+        <p:nvSpPr>
+          <p:cNvPr id="3" name="Notes Placeholder 2"/>
+          <p:cNvSpPr>
+            <a:spLocks noGrp="1"/>
+          </p:cNvSpPr>
+          <p:nvPr>
+            <p:ph type="body" idx="1"/>
+          </p:nvPr>
+        </p:nvSpPr>
+        <p:spPr/>
+        <p:txBody>
+          <a:bodyPr/>
+          <a:lstStyle/>
+          <a:p>
+            <a:endParaRPr lang="en-US" dirty="0"/>
+          </a:p>
+        </p:txBody>
+      </p:sp>
+      <p:sp>
+        <p:nvSpPr>
+          <p:cNvPr id="4" name="Slide Number Placeholder 3"/>
+          <p:cNvSpPr>
+            <a:spLocks noGrp="1"/>
+          </p:cNvSpPr>
+          <p:nvPr>
+            <p:ph type="sldNum" sz="quarter" idx="5"/>
+          </p:nvPr>
+        </p:nvSpPr>
+        <p:spPr/>
+        <p:txBody>
+          <a:bodyPr/>
+          <a:lstStyle/>
+          <a:p>
+            <a:fld id="{1F19E910-E34D-124C-A491-0CEE5C685FC9}" type="slidenum">
+              <a:rPr lang="en-US" smtClean="0"/>
+              <a:t>21</a:t>
+            </a:fld>
+            <a:endParaRPr lang="en-US"/>
+          </a:p>
+        </p:txBody>
+      </p:sp>
+    </p:spTree>
+    <p:extLst>
+      <p:ext uri="{BB962C8B-B14F-4D97-AF65-F5344CB8AC3E}">
+        <p14:creationId xmlns:p14="http://schemas.microsoft.com/office/powerpoint/2010/main" val="3576226012"/>
+      </p:ext>
+    </p:extLst>
+  </p:cSld>
+  <p:clrMapOvr>
+    <a:masterClrMapping/>
+  </p:clrMapOvr>
+</p:notes>
+</file>
+
+<file path=ppt/notesSlides/notesSlide2.xml><?xml version="1.0" encoding="utf-8"?>
+<p:notes xmlns:a="http://schemas.openxmlformats.org/drawingml/2006/main" xmlns:r="http://schemas.openxmlformats.org/officeDocument/2006/relationships" xmlns:p="http://schemas.openxmlformats.org/presentationml/2006/main">
+  <p:cSld>
+    <p:spTree>
+      <p:nvGrpSpPr>
+        <p:cNvPr id="1" name=""/>
+        <p:cNvGrpSpPr/>
+        <p:nvPr/>
+      </p:nvGrpSpPr>
+      <p:grpSpPr>
+        <a:xfrm>
+          <a:off x="0" y="0"/>
+          <a:ext cx="0" cy="0"/>
+          <a:chOff x="0" y="0"/>
+          <a:chExt cx="0" cy="0"/>
+        </a:xfrm>
+      </p:grpSpPr>
+      <p:sp>
+        <p:nvSpPr>
+          <p:cNvPr id="2" name="Slide Image Placeholder 1"/>
+          <p:cNvSpPr>
+            <a:spLocks noGrp="1" noRot="1" noChangeAspect="1"/>
+          </p:cNvSpPr>
+          <p:nvPr>
+            <p:ph type="sldImg"/>
+          </p:nvPr>
+        </p:nvSpPr>
+        <p:spPr/>
+      </p:sp>
+      <p:sp>
+        <p:nvSpPr>
+          <p:cNvPr id="3" name="Notes Placeholder 2"/>
+          <p:cNvSpPr>
+            <a:spLocks noGrp="1"/>
+          </p:cNvSpPr>
+          <p:nvPr>
+            <p:ph type="body" idx="1"/>
+          </p:nvPr>
+        </p:nvSpPr>
+        <p:spPr/>
+        <p:txBody>
+          <a:bodyPr/>
+          <a:lstStyle/>
+          <a:p>
+            <a:endParaRPr lang="en-US" dirty="0"/>
+          </a:p>
+        </p:txBody>
+      </p:sp>
+      <p:sp>
+        <p:nvSpPr>
+          <p:cNvPr id="4" name="Slide Number Placeholder 3"/>
+          <p:cNvSpPr>
+            <a:spLocks noGrp="1"/>
+          </p:cNvSpPr>
+          <p:nvPr>
+            <p:ph type="sldNum" sz="quarter" idx="5"/>
+          </p:nvPr>
+        </p:nvSpPr>
+        <p:spPr/>
+        <p:txBody>
+          <a:bodyPr/>
+          <a:lstStyle/>
+          <a:p>
+            <a:fld id="{1F19E910-E34D-124C-A491-0CEE5C685FC9}" type="slidenum">
+              <a:rPr lang="en-US" smtClean="0"/>
+              <a:t>22</a:t>
+            </a:fld>
+            <a:endParaRPr lang="en-US"/>
+          </a:p>
+        </p:txBody>
+      </p:sp>
+    </p:spTree>
+    <p:extLst>
+      <p:ext uri="{BB962C8B-B14F-4D97-AF65-F5344CB8AC3E}">
+        <p14:creationId xmlns:p14="http://schemas.microsoft.com/office/powerpoint/2010/main" val="3737766557"/>
+      </p:ext>
+    </p:extLst>
+  </p:cSld>
+  <p:clrMapOvr>
+    <a:masterClrMapping/>
+  </p:clrMapOvr>
+</p:notes>
+</file>
+
+<file path=ppt/notesSlides/notesSlide3.xml><?xml version="1.0" encoding="utf-8"?>
+<p:notes xmlns:a="http://schemas.openxmlformats.org/drawingml/2006/main" xmlns:r="http://schemas.openxmlformats.org/officeDocument/2006/relationships" xmlns:p="http://schemas.openxmlformats.org/presentationml/2006/main">
+  <p:cSld>
+    <p:spTree>
+      <p:nvGrpSpPr>
+        <p:cNvPr id="1" name=""/>
+        <p:cNvGrpSpPr/>
+        <p:nvPr/>
+      </p:nvGrpSpPr>
+      <p:grpSpPr>
+        <a:xfrm>
+          <a:off x="0" y="0"/>
+          <a:ext cx="0" cy="0"/>
+          <a:chOff x="0" y="0"/>
+          <a:chExt cx="0" cy="0"/>
+        </a:xfrm>
+      </p:grpSpPr>
+      <p:sp>
+        <p:nvSpPr>
+          <p:cNvPr id="2" name="Slide Image Placeholder 1"/>
+          <p:cNvSpPr>
+            <a:spLocks noGrp="1" noRot="1" noChangeAspect="1"/>
+          </p:cNvSpPr>
+          <p:nvPr>
+            <p:ph type="sldImg"/>
+          </p:nvPr>
+        </p:nvSpPr>
+        <p:spPr/>
+      </p:sp>
+      <p:sp>
+        <p:nvSpPr>
+          <p:cNvPr id="3" name="Notes Placeholder 2"/>
+          <p:cNvSpPr>
+            <a:spLocks noGrp="1"/>
+          </p:cNvSpPr>
+          <p:nvPr>
+            <p:ph type="body" idx="1"/>
+          </p:nvPr>
+        </p:nvSpPr>
+        <p:spPr/>
+        <p:txBody>
+          <a:bodyPr/>
+          <a:lstStyle/>
+          <a:p>
+            <a:r>
+              <a:rPr lang="en-US" dirty="0"/>
+              <a:t>1 keep them churning</a:t>
+            </a:r>
+          </a:p>
+          <a:p>
+            <a:endParaRPr lang="en-US" dirty="0"/>
+          </a:p>
+        </p:txBody>
+      </p:sp>
+      <p:sp>
+        <p:nvSpPr>
+          <p:cNvPr id="4" name="Slide Number Placeholder 3"/>
+          <p:cNvSpPr>
+            <a:spLocks noGrp="1"/>
+          </p:cNvSpPr>
+          <p:nvPr>
+            <p:ph type="sldNum" sz="quarter" idx="5"/>
+          </p:nvPr>
+        </p:nvSpPr>
+        <p:spPr/>
+        <p:txBody>
+          <a:bodyPr/>
+          <a:lstStyle/>
+          <a:p>
+            <a:fld id="{1F19E910-E34D-124C-A491-0CEE5C685FC9}" type="slidenum">
+              <a:rPr lang="en-US" smtClean="0"/>
+              <a:t>25</a:t>
+            </a:fld>
+            <a:endParaRPr lang="en-US"/>
+          </a:p>
+        </p:txBody>
+      </p:sp>
+    </p:spTree>
+    <p:extLst>
+      <p:ext uri="{BB962C8B-B14F-4D97-AF65-F5344CB8AC3E}">
+        <p14:creationId xmlns:p14="http://schemas.microsoft.com/office/powerpoint/2010/main" val="459603750"/>
+      </p:ext>
+    </p:extLst>
+  </p:cSld>
+  <p:clrMapOvr>
+    <a:masterClrMapping/>
+  </p:clrMapOvr>
+</p:notes>
+</file>
+
 <file path=ppt/slideLayouts/slideLayout1.xml><?xml version="1.0" encoding="utf-8"?>
 <p:sldLayout xmlns:a="http://schemas.openxmlformats.org/drawingml/2006/main" xmlns:r="http://schemas.openxmlformats.org/officeDocument/2006/relationships" xmlns:p="http://schemas.openxmlformats.org/presentationml/2006/main" showMasterSp="0" type="title" preserve="1">
   <p:cSld name="Title Slide">
@@ -649,7 +919,7 @@
           <a:p>
             <a:fld id="{F3436363-7904-944A-BB75-614B6D11A661}" type="datetime1">
               <a:rPr lang="en-IN" smtClean="0"/>
-              <a:t>14/08/22</a:t>
+              <a:t>15/08/22</a:t>
             </a:fld>
             <a:endParaRPr lang="en-US" dirty="0"/>
           </a:p>
@@ -979,7 +1249,7 @@
           <a:p>
             <a:fld id="{7B25B60E-8243-7846-B7C9-EC7ED2F71571}" type="datetime1">
               <a:rPr lang="en-IN" smtClean="0"/>
-              <a:t>14/08/22</a:t>
+              <a:t>15/08/22</a:t>
             </a:fld>
             <a:endParaRPr lang="en-US" dirty="0"/>
           </a:p>
@@ -1158,7 +1428,7 @@
           <a:p>
             <a:fld id="{9BB06181-B8FB-9141-ADE0-C59A0C08AFEB}" type="datetime1">
               <a:rPr lang="en-IN" smtClean="0"/>
-              <a:t>14/08/22</a:t>
+              <a:t>15/08/22</a:t>
             </a:fld>
             <a:endParaRPr lang="en-US" dirty="0"/>
           </a:p>
@@ -1327,7 +1597,7 @@
           <a:p>
             <a:fld id="{B82AF10B-ACCE-4C47-AD8C-2BC359A76D21}" type="datetime1">
               <a:rPr lang="en-IN" smtClean="0"/>
-              <a:t>14/08/22</a:t>
+              <a:t>15/08/22</a:t>
             </a:fld>
             <a:endParaRPr lang="en-US" dirty="0"/>
           </a:p>
@@ -1603,7 +1873,7 @@
           <a:p>
             <a:fld id="{FB66114D-DD97-954F-9126-AA36DE07B165}" type="datetime1">
               <a:rPr lang="en-IN" smtClean="0"/>
-              <a:t>14/08/22</a:t>
+              <a:t>15/08/22</a:t>
             </a:fld>
             <a:endParaRPr lang="en-US" dirty="0"/>
           </a:p>
@@ -1997,7 +2267,7 @@
           <a:p>
             <a:fld id="{C1861797-6647-7D44-8240-0D17469ED248}" type="datetime1">
               <a:rPr lang="en-IN" smtClean="0"/>
-              <a:t>14/08/22</a:t>
+              <a:t>15/08/22</a:t>
             </a:fld>
             <a:endParaRPr lang="en-US" dirty="0"/>
           </a:p>
@@ -2473,7 +2743,7 @@
           <a:p>
             <a:fld id="{3F55D047-866F-3942-9908-706F519B595B}" type="datetime1">
               <a:rPr lang="en-IN" smtClean="0"/>
-              <a:t>14/08/22</a:t>
+              <a:t>15/08/22</a:t>
             </a:fld>
             <a:endParaRPr lang="en-US" dirty="0"/>
           </a:p>
@@ -2590,7 +2860,7 @@
           <a:p>
             <a:fld id="{AE7E5252-77E7-1F4E-B714-92852E020485}" type="datetime1">
               <a:rPr lang="en-IN" smtClean="0"/>
-              <a:t>14/08/22</a:t>
+              <a:t>15/08/22</a:t>
             </a:fld>
             <a:endParaRPr lang="en-US" dirty="0"/>
           </a:p>
@@ -2684,7 +2954,7 @@
           <a:p>
             <a:fld id="{741149E3-FC2E-DD40-A085-D0C72BAE5E60}" type="datetime1">
               <a:rPr lang="en-IN" smtClean="0"/>
-              <a:t>14/08/22</a:t>
+              <a:t>15/08/22</a:t>
             </a:fld>
             <a:endParaRPr lang="en-US" dirty="0"/>
           </a:p>
@@ -3029,7 +3299,7 @@
           <a:p>
             <a:fld id="{975D5E3E-861A-B744-A5E7-F77C1E8BDFEF}" type="datetime1">
               <a:rPr lang="en-IN" smtClean="0"/>
-              <a:t>14/08/22</a:t>
+              <a:t>15/08/22</a:t>
             </a:fld>
             <a:endParaRPr lang="en-US" dirty="0"/>
           </a:p>
@@ -3417,7 +3687,7 @@
           <a:p>
             <a:fld id="{C2409464-6348-2B48-80B0-D239FB7EC0C4}" type="datetime1">
               <a:rPr lang="en-IN" smtClean="0"/>
-              <a:t>14/08/22</a:t>
+              <a:t>15/08/22</a:t>
             </a:fld>
             <a:endParaRPr lang="en-US" dirty="0"/>
           </a:p>
@@ -3695,7 +3965,7 @@
           <a:p>
             <a:fld id="{DF98A6C4-ACB6-934C-AB66-0EFE86C950D8}" type="datetime1">
               <a:rPr lang="en-IN" smtClean="0"/>
-              <a:t>14/08/22</a:t>
+              <a:t>15/08/22</a:t>
             </a:fld>
             <a:endParaRPr lang="en-US" dirty="0"/>
           </a:p>
@@ -4397,53 +4667,17 @@
           <a:p>
             <a:r>
               <a:rPr lang="en-US" dirty="0"/>
-              <a:t>Model 2</a:t>
-            </a:r>
-          </a:p>
-        </p:txBody>
-      </p:sp>
-      <p:sp>
-        <p:nvSpPr>
-          <p:cNvPr id="7" name="TextBox 6">
-            <a:extLst>
-              <a:ext uri="{FF2B5EF4-FFF2-40B4-BE49-F238E27FC236}">
-                <a16:creationId xmlns:a16="http://schemas.microsoft.com/office/drawing/2014/main" id="{42113D9C-02AF-F699-34BF-75E5850D22B7}"/>
-              </a:ext>
-            </a:extLst>
-          </p:cNvPr>
-          <p:cNvSpPr txBox="1"/>
-          <p:nvPr/>
-        </p:nvSpPr>
-        <p:spPr>
-          <a:xfrm>
-            <a:off x="1150883" y="1103189"/>
-            <a:ext cx="10332664" cy="646331"/>
-          </a:xfrm>
-          <a:prstGeom prst="rect">
-            <a:avLst/>
-          </a:prstGeom>
-          <a:noFill/>
-        </p:spPr>
-        <p:txBody>
-          <a:bodyPr wrap="square" rtlCol="0">
-            <a:spAutoFit/>
-          </a:bodyPr>
-          <a:lstStyle/>
-          <a:p>
-            <a:r>
-              <a:rPr lang="en-IN" dirty="0"/>
-              <a:t>Next 90 day probability, here instead of predicting the amount spend we would rather see if they are going to spend or not</a:t>
-            </a:r>
-            <a:endParaRPr lang="en-US" dirty="0"/>
+              <a:t>Feature Engineering</a:t>
+            </a:r>
           </a:p>
         </p:txBody>
       </p:sp>
       <p:pic>
         <p:nvPicPr>
-          <p:cNvPr id="9" name="Picture 8">
-            <a:extLst>
-              <a:ext uri="{FF2B5EF4-FFF2-40B4-BE49-F238E27FC236}">
-                <a16:creationId xmlns:a16="http://schemas.microsoft.com/office/drawing/2014/main" id="{7F5D3404-424A-D329-DE5B-37AEEC5B507E}"/>
+          <p:cNvPr id="2" name="Picture 1">
+            <a:extLst>
+              <a:ext uri="{FF2B5EF4-FFF2-40B4-BE49-F238E27FC236}">
+                <a16:creationId xmlns:a16="http://schemas.microsoft.com/office/drawing/2014/main" id="{466B1BEC-E7B5-9D6D-F2DA-96727B8CCBE5}"/>
               </a:ext>
             </a:extLst>
           </p:cNvPr>
@@ -4460,68 +4694,8 @@
         </p:blipFill>
         <p:spPr>
           <a:xfrm>
-            <a:off x="1300715" y="1946191"/>
-            <a:ext cx="5016500" cy="431800"/>
-          </a:xfrm>
-          <a:prstGeom prst="rect">
-            <a:avLst/>
-          </a:prstGeom>
-        </p:spPr>
-      </p:pic>
-      <p:pic>
-        <p:nvPicPr>
-          <p:cNvPr id="10" name="Picture 9">
-            <a:extLst>
-              <a:ext uri="{FF2B5EF4-FFF2-40B4-BE49-F238E27FC236}">
-                <a16:creationId xmlns:a16="http://schemas.microsoft.com/office/drawing/2014/main" id="{2A29C709-D0C5-B99F-B863-9A64CC882F0A}"/>
-              </a:ext>
-            </a:extLst>
-          </p:cNvPr>
-          <p:cNvPicPr>
-            <a:picLocks noChangeAspect="1"/>
-          </p:cNvPicPr>
-          <p:nvPr/>
-        </p:nvPicPr>
-        <p:blipFill>
-          <a:blip r:embed="rId3"/>
-          <a:stretch>
-            <a:fillRect/>
-          </a:stretch>
-        </p:blipFill>
-        <p:spPr>
-          <a:xfrm>
-            <a:off x="1300715" y="2377991"/>
-            <a:ext cx="5016500" cy="1181100"/>
-          </a:xfrm>
-          <a:prstGeom prst="rect">
-            <a:avLst/>
-          </a:prstGeom>
-        </p:spPr>
-      </p:pic>
-      <p:pic>
-        <p:nvPicPr>
-          <p:cNvPr id="11" name="Picture 10">
-            <a:extLst>
-              <a:ext uri="{FF2B5EF4-FFF2-40B4-BE49-F238E27FC236}">
-                <a16:creationId xmlns:a16="http://schemas.microsoft.com/office/drawing/2014/main" id="{890726F8-091C-041D-9ED7-89FB5A91D929}"/>
-              </a:ext>
-            </a:extLst>
-          </p:cNvPr>
-          <p:cNvPicPr>
-            <a:picLocks noChangeAspect="1"/>
-          </p:cNvPicPr>
-          <p:nvPr/>
-        </p:nvPicPr>
-        <p:blipFill>
-          <a:blip r:embed="rId4"/>
-          <a:stretch>
-            <a:fillRect/>
-          </a:stretch>
-        </p:blipFill>
-        <p:spPr>
-          <a:xfrm>
-            <a:off x="1300715" y="3559091"/>
-            <a:ext cx="5016500" cy="2362200"/>
+            <a:off x="1741445" y="1258056"/>
+            <a:ext cx="9055100" cy="5156200"/>
           </a:xfrm>
           <a:prstGeom prst="rect">
             <a:avLst/>
@@ -4531,7 +4705,7 @@
     </p:spTree>
     <p:extLst>
       <p:ext uri="{BB962C8B-B14F-4D97-AF65-F5344CB8AC3E}">
-        <p14:creationId xmlns:p14="http://schemas.microsoft.com/office/powerpoint/2010/main" val="1578353394"/>
+        <p14:creationId xmlns:p14="http://schemas.microsoft.com/office/powerpoint/2010/main" val="1312414158"/>
       </p:ext>
     </p:extLst>
   </p:cSld>
@@ -4563,7 +4737,7 @@
           <p:cNvPr id="4" name="Footer Placeholder 3">
             <a:extLst>
               <a:ext uri="{FF2B5EF4-FFF2-40B4-BE49-F238E27FC236}">
-                <a16:creationId xmlns:a16="http://schemas.microsoft.com/office/drawing/2014/main" id="{2D6CFB7F-25BC-24B6-1D3D-84624DB20CA0}"/>
+                <a16:creationId xmlns:a16="http://schemas.microsoft.com/office/drawing/2014/main" id="{FE549F7F-4A84-B1BC-50A0-F8581615A53C}"/>
               </a:ext>
             </a:extLst>
           </p:cNvPr>
@@ -4592,7 +4766,7 @@
           <p:cNvPr id="5" name="Slide Number Placeholder 4">
             <a:extLst>
               <a:ext uri="{FF2B5EF4-FFF2-40B4-BE49-F238E27FC236}">
-                <a16:creationId xmlns:a16="http://schemas.microsoft.com/office/drawing/2014/main" id="{F00FAD1C-F3AB-8976-44A7-ADAE40D98E57}"/>
+                <a16:creationId xmlns:a16="http://schemas.microsoft.com/office/drawing/2014/main" id="{C818AFA4-2974-C8A6-B5E3-94407C9CFDD5}"/>
               </a:ext>
             </a:extLst>
           </p:cNvPr>
@@ -4621,7 +4795,7 @@
           <p:cNvPr id="6" name="Title 1">
             <a:extLst>
               <a:ext uri="{FF2B5EF4-FFF2-40B4-BE49-F238E27FC236}">
-                <a16:creationId xmlns:a16="http://schemas.microsoft.com/office/drawing/2014/main" id="{B9347263-545C-D118-E3B2-E0F15872D676}"/>
+                <a16:creationId xmlns:a16="http://schemas.microsoft.com/office/drawing/2014/main" id="{170452C6-2818-8198-1412-9BBBD0F78FFE}"/>
               </a:ext>
             </a:extLst>
           </p:cNvPr>
@@ -4649,105 +4823,188 @@
           <a:p>
             <a:r>
               <a:rPr lang="en-US" dirty="0"/>
-              <a:t>Model 2</a:t>
-            </a:r>
-          </a:p>
-        </p:txBody>
-      </p:sp>
-      <p:pic>
-        <p:nvPicPr>
-          <p:cNvPr id="2" name="Picture 1">
-            <a:extLst>
-              <a:ext uri="{FF2B5EF4-FFF2-40B4-BE49-F238E27FC236}">
-                <a16:creationId xmlns:a16="http://schemas.microsoft.com/office/drawing/2014/main" id="{E2517DA8-EDAC-DE84-6C52-6345494A655B}"/>
-              </a:ext>
-            </a:extLst>
-          </p:cNvPr>
-          <p:cNvPicPr>
-            <a:picLocks noChangeAspect="1"/>
-          </p:cNvPicPr>
+              <a:t>Content</a:t>
+            </a:r>
+          </a:p>
+        </p:txBody>
+      </p:sp>
+      <p:sp>
+        <p:nvSpPr>
+          <p:cNvPr id="7" name="TextBox 6">
+            <a:extLst>
+              <a:ext uri="{FF2B5EF4-FFF2-40B4-BE49-F238E27FC236}">
+                <a16:creationId xmlns:a16="http://schemas.microsoft.com/office/drawing/2014/main" id="{A2B0666F-F451-9D5B-5B37-8AA56EBE88A2}"/>
+              </a:ext>
+            </a:extLst>
+          </p:cNvPr>
+          <p:cNvSpPr txBox="1"/>
           <p:nvPr/>
-        </p:nvPicPr>
-        <p:blipFill>
-          <a:blip r:embed="rId2"/>
-          <a:stretch>
-            <a:fillRect/>
-          </a:stretch>
-        </p:blipFill>
-        <p:spPr>
-          <a:xfrm>
-            <a:off x="1213503" y="1174436"/>
-            <a:ext cx="7569200" cy="1422400"/>
+        </p:nvSpPr>
+        <p:spPr>
+          <a:xfrm>
+            <a:off x="1631092" y="1787611"/>
+            <a:ext cx="7841644" cy="3970318"/>
           </a:xfrm>
           <a:prstGeom prst="rect">
             <a:avLst/>
           </a:prstGeom>
-        </p:spPr>
-      </p:pic>
-      <p:pic>
-        <p:nvPicPr>
-          <p:cNvPr id="3" name="Picture 2">
-            <a:extLst>
-              <a:ext uri="{FF2B5EF4-FFF2-40B4-BE49-F238E27FC236}">
-                <a16:creationId xmlns:a16="http://schemas.microsoft.com/office/drawing/2014/main" id="{B138CEB5-237E-DB89-699C-871BFC1BA78D}"/>
-              </a:ext>
-            </a:extLst>
-          </p:cNvPr>
-          <p:cNvPicPr>
-            <a:picLocks noChangeAspect="1"/>
-          </p:cNvPicPr>
+          <a:noFill/>
+        </p:spPr>
+        <p:txBody>
+          <a:bodyPr wrap="square" rtlCol="0">
+            <a:spAutoFit/>
+          </a:bodyPr>
+          <a:lstStyle/>
+          <a:p>
+            <a:pPr marL="342900" indent="-342900">
+              <a:buAutoNum type="arabicPeriod"/>
+            </a:pPr>
+            <a:r>
+              <a:rPr lang="en-US" dirty="0"/>
+              <a:t>Creating a dataset</a:t>
+            </a:r>
+          </a:p>
+          <a:p>
+            <a:pPr marL="342900" indent="-342900">
+              <a:buAutoNum type="arabicPeriod"/>
+            </a:pPr>
+            <a:r>
+              <a:rPr lang="en-US" dirty="0"/>
+              <a:t>Machine Learning</a:t>
+            </a:r>
+          </a:p>
+          <a:p>
+            <a:r>
+              <a:rPr lang="en-US" dirty="0"/>
+              <a:t>	2.1 Training and testing dataset</a:t>
+            </a:r>
+          </a:p>
+          <a:p>
+            <a:r>
+              <a:rPr lang="en-US" dirty="0"/>
+              <a:t>	2.2 Feature Engineering</a:t>
+            </a:r>
+          </a:p>
+          <a:p>
+            <a:r>
+              <a:rPr lang="en-US" dirty="0">
+                <a:solidFill>
+                  <a:schemeClr val="accent6">
+                    <a:lumMod val="50000"/>
+                  </a:schemeClr>
+                </a:solidFill>
+              </a:rPr>
+              <a:t>	2.3 Model1 (Regression)</a:t>
+            </a:r>
+          </a:p>
+          <a:p>
+            <a:r>
+              <a:rPr lang="en-US" dirty="0"/>
+              <a:t>	2.4 Model2 (Classification)</a:t>
+            </a:r>
+          </a:p>
+          <a:p>
+            <a:r>
+              <a:rPr lang="en-US" dirty="0"/>
+              <a:t>	2.5 Feature Importance</a:t>
+            </a:r>
+          </a:p>
+          <a:p>
+            <a:pPr marL="342900" indent="-342900">
+              <a:buAutoNum type="arabicPeriod" startAt="3"/>
+            </a:pPr>
+            <a:r>
+              <a:rPr lang="en-US" dirty="0"/>
+              <a:t>Model/dataset Conclusion </a:t>
+            </a:r>
+          </a:p>
+          <a:p>
+            <a:pPr lvl="1"/>
+            <a:r>
+              <a:rPr lang="en-US" dirty="0"/>
+              <a:t>3.1 Target customers 1</a:t>
+            </a:r>
+          </a:p>
+          <a:p>
+            <a:pPr lvl="1"/>
+            <a:r>
+              <a:rPr lang="en-US" dirty="0"/>
+              <a:t>3.2 Target customers 2</a:t>
+            </a:r>
+          </a:p>
+          <a:p>
+            <a:pPr lvl="1"/>
+            <a:r>
+              <a:rPr lang="en-US" dirty="0"/>
+              <a:t>3.3 Target customers 3</a:t>
+            </a:r>
+          </a:p>
+          <a:p>
+            <a:pPr lvl="1"/>
+            <a:endParaRPr lang="en-US" dirty="0"/>
+          </a:p>
+          <a:p>
+            <a:endParaRPr lang="en-US" dirty="0"/>
+          </a:p>
+          <a:p>
+            <a:endParaRPr lang="en-US" dirty="0"/>
+          </a:p>
+        </p:txBody>
+      </p:sp>
+      <p:sp>
+        <p:nvSpPr>
+          <p:cNvPr id="2" name="Frame 1">
+            <a:extLst>
+              <a:ext uri="{FF2B5EF4-FFF2-40B4-BE49-F238E27FC236}">
+                <a16:creationId xmlns:a16="http://schemas.microsoft.com/office/drawing/2014/main" id="{8911C859-B21E-E944-840C-70AC88E70BBE}"/>
+              </a:ext>
+            </a:extLst>
+          </p:cNvPr>
+          <p:cNvSpPr/>
           <p:nvPr/>
-        </p:nvPicPr>
-        <p:blipFill>
-          <a:blip r:embed="rId3"/>
-          <a:stretch>
-            <a:fillRect/>
-          </a:stretch>
-        </p:blipFill>
-        <p:spPr>
-          <a:xfrm>
-            <a:off x="1213503" y="2587752"/>
-            <a:ext cx="7569200" cy="1092200"/>
-          </a:xfrm>
-          <a:prstGeom prst="rect">
+        </p:nvSpPr>
+        <p:spPr>
+          <a:xfrm>
+            <a:off x="2125362" y="2916195"/>
+            <a:ext cx="2619633" cy="329513"/>
+          </a:xfrm>
+          <a:prstGeom prst="frame">
             <a:avLst/>
           </a:prstGeom>
         </p:spPr>
-      </p:pic>
-      <p:pic>
-        <p:nvPicPr>
-          <p:cNvPr id="8" name="Picture 7">
-            <a:extLst>
-              <a:ext uri="{FF2B5EF4-FFF2-40B4-BE49-F238E27FC236}">
-                <a16:creationId xmlns:a16="http://schemas.microsoft.com/office/drawing/2014/main" id="{141A9FB9-8B58-759F-8480-B622B4EF371C}"/>
-              </a:ext>
-            </a:extLst>
-          </p:cNvPr>
-          <p:cNvPicPr>
-            <a:picLocks noChangeAspect="1"/>
-          </p:cNvPicPr>
-          <p:nvPr/>
-        </p:nvPicPr>
-        <p:blipFill>
-          <a:blip r:embed="rId4"/>
-          <a:stretch>
-            <a:fillRect/>
-          </a:stretch>
-        </p:blipFill>
-        <p:spPr>
-          <a:xfrm>
-            <a:off x="1213503" y="3679952"/>
-            <a:ext cx="7584027" cy="2647820"/>
-          </a:xfrm>
-          <a:prstGeom prst="rect">
-            <a:avLst/>
-          </a:prstGeom>
-        </p:spPr>
-      </p:pic>
+        <p:style>
+          <a:lnRef idx="2">
+            <a:schemeClr val="accent1">
+              <a:shade val="50000"/>
+            </a:schemeClr>
+          </a:lnRef>
+          <a:fillRef idx="1">
+            <a:schemeClr val="accent1"/>
+          </a:fillRef>
+          <a:effectRef idx="0">
+            <a:schemeClr val="accent1"/>
+          </a:effectRef>
+          <a:fontRef idx="minor">
+            <a:schemeClr val="lt1"/>
+          </a:fontRef>
+        </p:style>
+        <p:txBody>
+          <a:bodyPr rtlCol="0" anchor="ctr"/>
+          <a:lstStyle/>
+          <a:p>
+            <a:pPr algn="ctr"/>
+            <a:endParaRPr lang="en-US">
+              <a:solidFill>
+                <a:schemeClr val="tx1"/>
+              </a:solidFill>
+            </a:endParaRPr>
+          </a:p>
+        </p:txBody>
+      </p:sp>
     </p:spTree>
     <p:extLst>
       <p:ext uri="{BB962C8B-B14F-4D97-AF65-F5344CB8AC3E}">
-        <p14:creationId xmlns:p14="http://schemas.microsoft.com/office/powerpoint/2010/main" val="56322436"/>
+        <p14:creationId xmlns:p14="http://schemas.microsoft.com/office/powerpoint/2010/main" val="1202355347"/>
       </p:ext>
     </p:extLst>
   </p:cSld>
@@ -4865,17 +5122,53 @@
           <a:p>
             <a:r>
               <a:rPr lang="en-US" dirty="0"/>
-              <a:t>Feature Importance</a:t>
-            </a:r>
+              <a:t>Model 1</a:t>
+            </a:r>
+          </a:p>
+        </p:txBody>
+      </p:sp>
+      <p:sp>
+        <p:nvSpPr>
+          <p:cNvPr id="7" name="TextBox 6">
+            <a:extLst>
+              <a:ext uri="{FF2B5EF4-FFF2-40B4-BE49-F238E27FC236}">
+                <a16:creationId xmlns:a16="http://schemas.microsoft.com/office/drawing/2014/main" id="{42113D9C-02AF-F699-34BF-75E5850D22B7}"/>
+              </a:ext>
+            </a:extLst>
+          </p:cNvPr>
+          <p:cNvSpPr txBox="1"/>
+          <p:nvPr/>
+        </p:nvSpPr>
+        <p:spPr>
+          <a:xfrm>
+            <a:off x="1150882" y="1235675"/>
+            <a:ext cx="6141938" cy="369332"/>
+          </a:xfrm>
+          <a:prstGeom prst="rect">
+            <a:avLst/>
+          </a:prstGeom>
+          <a:noFill/>
+        </p:spPr>
+        <p:txBody>
+          <a:bodyPr wrap="none" rtlCol="0">
+            <a:spAutoFit/>
+          </a:bodyPr>
+          <a:lstStyle/>
+          <a:p>
+            <a:r>
+              <a:rPr lang="en-IN" dirty="0"/>
+              <a:t> Predict how much customer will spend in next N days (N=90)</a:t>
+            </a:r>
+            <a:endParaRPr lang="en-US" dirty="0"/>
           </a:p>
         </p:txBody>
       </p:sp>
       <p:pic>
         <p:nvPicPr>
-          <p:cNvPr id="7" name="Picture 6">
-            <a:extLst>
-              <a:ext uri="{FF2B5EF4-FFF2-40B4-BE49-F238E27FC236}">
-                <a16:creationId xmlns:a16="http://schemas.microsoft.com/office/drawing/2014/main" id="{D95B141A-7AF0-1144-AB8B-8FF911BD8066}"/>
+          <p:cNvPr id="8" name="Picture 7">
+            <a:extLst>
+              <a:ext uri="{FF2B5EF4-FFF2-40B4-BE49-F238E27FC236}">
+                <a16:creationId xmlns:a16="http://schemas.microsoft.com/office/drawing/2014/main" id="{587E2A1A-E603-4025-AF1F-518DE808DA38}"/>
               </a:ext>
             </a:extLst>
           </p:cNvPr>
@@ -4892,8 +5185,8 @@
         </p:blipFill>
         <p:spPr>
           <a:xfrm>
-            <a:off x="1062681" y="2060677"/>
-            <a:ext cx="5292446" cy="3693451"/>
+            <a:off x="1299691" y="1605007"/>
+            <a:ext cx="5993129" cy="404614"/>
           </a:xfrm>
           <a:prstGeom prst="rect">
             <a:avLst/>
@@ -4902,10 +5195,10 @@
       </p:pic>
       <p:pic>
         <p:nvPicPr>
-          <p:cNvPr id="9" name="Picture 8">
-            <a:extLst>
-              <a:ext uri="{FF2B5EF4-FFF2-40B4-BE49-F238E27FC236}">
-                <a16:creationId xmlns:a16="http://schemas.microsoft.com/office/drawing/2014/main" id="{72074FFF-96C5-E535-5AB0-A46D82547D54}"/>
+          <p:cNvPr id="13" name="Picture 12">
+            <a:extLst>
+              <a:ext uri="{FF2B5EF4-FFF2-40B4-BE49-F238E27FC236}">
+                <a16:creationId xmlns:a16="http://schemas.microsoft.com/office/drawing/2014/main" id="{89716E9E-EA8C-891C-6E75-43AA7A573BAF}"/>
               </a:ext>
             </a:extLst>
           </p:cNvPr>
@@ -4922,88 +5215,78 @@
         </p:blipFill>
         <p:spPr>
           <a:xfrm>
-            <a:off x="6641409" y="2060677"/>
-            <a:ext cx="5292446" cy="3713759"/>
+            <a:off x="1299690" y="1974339"/>
+            <a:ext cx="5993129" cy="884192"/>
           </a:xfrm>
           <a:prstGeom prst="rect">
             <a:avLst/>
           </a:prstGeom>
         </p:spPr>
       </p:pic>
-      <p:sp>
-        <p:nvSpPr>
-          <p:cNvPr id="10" name="TextBox 9">
-            <a:extLst>
-              <a:ext uri="{FF2B5EF4-FFF2-40B4-BE49-F238E27FC236}">
-                <a16:creationId xmlns:a16="http://schemas.microsoft.com/office/drawing/2014/main" id="{32261506-B9FC-D0F1-7AF0-4D6315E65034}"/>
-              </a:ext>
-            </a:extLst>
-          </p:cNvPr>
-          <p:cNvSpPr txBox="1"/>
+      <p:pic>
+        <p:nvPicPr>
+          <p:cNvPr id="14" name="Picture 13">
+            <a:extLst>
+              <a:ext uri="{FF2B5EF4-FFF2-40B4-BE49-F238E27FC236}">
+                <a16:creationId xmlns:a16="http://schemas.microsoft.com/office/drawing/2014/main" id="{EB632818-D5C4-7D89-51DA-82911255BC29}"/>
+              </a:ext>
+            </a:extLst>
+          </p:cNvPr>
+          <p:cNvPicPr>
+            <a:picLocks noChangeAspect="1"/>
+          </p:cNvPicPr>
           <p:nvPr/>
-        </p:nvSpPr>
-        <p:spPr>
-          <a:xfrm>
-            <a:off x="2809103" y="1680519"/>
-            <a:ext cx="1233030" cy="369332"/>
+        </p:nvPicPr>
+        <p:blipFill>
+          <a:blip r:embed="rId4"/>
+          <a:stretch>
+            <a:fillRect/>
+          </a:stretch>
+        </p:blipFill>
+        <p:spPr>
+          <a:xfrm>
+            <a:off x="1299689" y="2835378"/>
+            <a:ext cx="5993128" cy="1092200"/>
           </a:xfrm>
           <a:prstGeom prst="rect">
             <a:avLst/>
           </a:prstGeom>
-          <a:noFill/>
-        </p:spPr>
-        <p:txBody>
-          <a:bodyPr wrap="none" rtlCol="0">
-            <a:spAutoFit/>
-          </a:bodyPr>
-          <a:lstStyle/>
-          <a:p>
-            <a:r>
-              <a:rPr lang="en-US" dirty="0"/>
-              <a:t>Model – 1 </a:t>
-            </a:r>
-          </a:p>
-        </p:txBody>
-      </p:sp>
-      <p:sp>
-        <p:nvSpPr>
-          <p:cNvPr id="11" name="TextBox 10">
-            <a:extLst>
-              <a:ext uri="{FF2B5EF4-FFF2-40B4-BE49-F238E27FC236}">
-                <a16:creationId xmlns:a16="http://schemas.microsoft.com/office/drawing/2014/main" id="{A8C8330C-0E73-CBAF-6743-C5DB4DCB89FF}"/>
-              </a:ext>
-            </a:extLst>
-          </p:cNvPr>
-          <p:cNvSpPr txBox="1"/>
+        </p:spPr>
+      </p:pic>
+      <p:pic>
+        <p:nvPicPr>
+          <p:cNvPr id="15" name="Picture 14">
+            <a:extLst>
+              <a:ext uri="{FF2B5EF4-FFF2-40B4-BE49-F238E27FC236}">
+                <a16:creationId xmlns:a16="http://schemas.microsoft.com/office/drawing/2014/main" id="{925D8166-3163-A203-753A-F645D9194807}"/>
+              </a:ext>
+            </a:extLst>
+          </p:cNvPr>
+          <p:cNvPicPr>
+            <a:picLocks noChangeAspect="1"/>
+          </p:cNvPicPr>
           <p:nvPr/>
-        </p:nvSpPr>
-        <p:spPr>
-          <a:xfrm>
-            <a:off x="8671117" y="1680519"/>
-            <a:ext cx="1233030" cy="369332"/>
+        </p:nvPicPr>
+        <p:blipFill>
+          <a:blip r:embed="rId5"/>
+          <a:stretch>
+            <a:fillRect/>
+          </a:stretch>
+        </p:blipFill>
+        <p:spPr>
+          <a:xfrm>
+            <a:off x="1289713" y="3926178"/>
+            <a:ext cx="6003104" cy="2387600"/>
           </a:xfrm>
           <a:prstGeom prst="rect">
             <a:avLst/>
           </a:prstGeom>
-          <a:noFill/>
-        </p:spPr>
-        <p:txBody>
-          <a:bodyPr wrap="none" rtlCol="0">
-            <a:spAutoFit/>
-          </a:bodyPr>
-          <a:lstStyle/>
-          <a:p>
-            <a:r>
-              <a:rPr lang="en-US" dirty="0"/>
-              <a:t>Model – 2 </a:t>
-            </a:r>
-          </a:p>
-        </p:txBody>
-      </p:sp>
+        </p:spPr>
+      </p:pic>
     </p:spTree>
     <p:extLst>
       <p:ext uri="{BB962C8B-B14F-4D97-AF65-F5344CB8AC3E}">
-        <p14:creationId xmlns:p14="http://schemas.microsoft.com/office/powerpoint/2010/main" val="2483750720"/>
+        <p14:creationId xmlns:p14="http://schemas.microsoft.com/office/powerpoint/2010/main" val="3894712919"/>
       </p:ext>
     </p:extLst>
   </p:cSld>
@@ -5121,17 +5404,17 @@
           <a:p>
             <a:r>
               <a:rPr lang="en-US" dirty="0"/>
-              <a:t>Model/Dataset Conclusion</a:t>
-            </a:r>
-          </a:p>
-        </p:txBody>
-      </p:sp>
-      <p:sp>
-        <p:nvSpPr>
-          <p:cNvPr id="2" name="TextBox 1">
-            <a:extLst>
-              <a:ext uri="{FF2B5EF4-FFF2-40B4-BE49-F238E27FC236}">
-                <a16:creationId xmlns:a16="http://schemas.microsoft.com/office/drawing/2014/main" id="{86842D5E-8E6F-5F58-545B-59B227A89EBF}"/>
+              <a:t>Model 1</a:t>
+            </a:r>
+          </a:p>
+        </p:txBody>
+      </p:sp>
+      <p:sp>
+        <p:nvSpPr>
+          <p:cNvPr id="7" name="TextBox 6">
+            <a:extLst>
+              <a:ext uri="{FF2B5EF4-FFF2-40B4-BE49-F238E27FC236}">
+                <a16:creationId xmlns:a16="http://schemas.microsoft.com/office/drawing/2014/main" id="{42113D9C-02AF-F699-34BF-75E5850D22B7}"/>
               </a:ext>
             </a:extLst>
           </p:cNvPr>
@@ -5140,8 +5423,8 @@
         </p:nvSpPr>
         <p:spPr>
           <a:xfrm>
-            <a:off x="1861751" y="1351005"/>
-            <a:ext cx="8699157" cy="646331"/>
+            <a:off x="1150882" y="1235675"/>
+            <a:ext cx="6141938" cy="369332"/>
           </a:xfrm>
           <a:prstGeom prst="rect">
             <a:avLst/>
@@ -5149,22 +5432,14 @@
           <a:noFill/>
         </p:spPr>
         <p:txBody>
-          <a:bodyPr wrap="square" rtlCol="0">
+          <a:bodyPr wrap="none" rtlCol="0">
             <a:spAutoFit/>
           </a:bodyPr>
           <a:lstStyle/>
           <a:p>
             <a:r>
-              <a:rPr lang="en-US" b="1" dirty="0"/>
-              <a:t>Target Customer 1</a:t>
-            </a:r>
-            <a:r>
-              <a:rPr lang="en-US" dirty="0"/>
-              <a:t>:</a:t>
-            </a:r>
-            <a:r>
               <a:rPr lang="en-IN" dirty="0"/>
-              <a:t> Which customers have the highest spend probability in the next 90-days? target for new products similar to what they have purchased in the past.</a:t>
+              <a:t> Predict how much customer will spend in next N days (N=90)</a:t>
             </a:r>
             <a:endParaRPr lang="en-US" dirty="0"/>
           </a:p>
@@ -5172,10 +5447,10 @@
       </p:sp>
       <p:pic>
         <p:nvPicPr>
-          <p:cNvPr id="3" name="Picture 2">
-            <a:extLst>
-              <a:ext uri="{FF2B5EF4-FFF2-40B4-BE49-F238E27FC236}">
-                <a16:creationId xmlns:a16="http://schemas.microsoft.com/office/drawing/2014/main" id="{9852D8BC-4C4B-7F97-735E-326847BFE562}"/>
+          <p:cNvPr id="2" name="Picture 1">
+            <a:extLst>
+              <a:ext uri="{FF2B5EF4-FFF2-40B4-BE49-F238E27FC236}">
+                <a16:creationId xmlns:a16="http://schemas.microsoft.com/office/drawing/2014/main" id="{5142F2C6-D621-A513-D2B9-100DC2954281}"/>
               </a:ext>
             </a:extLst>
           </p:cNvPr>
@@ -5192,8 +5467,68 @@
         </p:blipFill>
         <p:spPr>
           <a:xfrm>
-            <a:off x="1672282" y="2037209"/>
-            <a:ext cx="9569606" cy="3809843"/>
+            <a:off x="1321486" y="1669192"/>
+            <a:ext cx="5763055" cy="1431222"/>
+          </a:xfrm>
+          <a:prstGeom prst="rect">
+            <a:avLst/>
+          </a:prstGeom>
+        </p:spPr>
+      </p:pic>
+      <p:pic>
+        <p:nvPicPr>
+          <p:cNvPr id="3" name="Picture 2">
+            <a:extLst>
+              <a:ext uri="{FF2B5EF4-FFF2-40B4-BE49-F238E27FC236}">
+                <a16:creationId xmlns:a16="http://schemas.microsoft.com/office/drawing/2014/main" id="{DAA5B2FF-1D49-0EED-F915-7EA991241CCE}"/>
+              </a:ext>
+            </a:extLst>
+          </p:cNvPr>
+          <p:cNvPicPr>
+            <a:picLocks noChangeAspect="1"/>
+          </p:cNvPicPr>
+          <p:nvPr/>
+        </p:nvPicPr>
+        <p:blipFill>
+          <a:blip r:embed="rId3"/>
+          <a:stretch>
+            <a:fillRect/>
+          </a:stretch>
+        </p:blipFill>
+        <p:spPr>
+          <a:xfrm>
+            <a:off x="1321485" y="3100414"/>
+            <a:ext cx="5763055" cy="838263"/>
+          </a:xfrm>
+          <a:prstGeom prst="rect">
+            <a:avLst/>
+          </a:prstGeom>
+        </p:spPr>
+      </p:pic>
+      <p:pic>
+        <p:nvPicPr>
+          <p:cNvPr id="9" name="Picture 8">
+            <a:extLst>
+              <a:ext uri="{FF2B5EF4-FFF2-40B4-BE49-F238E27FC236}">
+                <a16:creationId xmlns:a16="http://schemas.microsoft.com/office/drawing/2014/main" id="{10A9108B-FEB3-1807-9E91-AF8AD6FC9185}"/>
+              </a:ext>
+            </a:extLst>
+          </p:cNvPr>
+          <p:cNvPicPr>
+            <a:picLocks noChangeAspect="1"/>
+          </p:cNvPicPr>
+          <p:nvPr/>
+        </p:nvPicPr>
+        <p:blipFill>
+          <a:blip r:embed="rId4"/>
+          <a:stretch>
+            <a:fillRect/>
+          </a:stretch>
+        </p:blipFill>
+        <p:spPr>
+          <a:xfrm>
+            <a:off x="1321484" y="3938677"/>
+            <a:ext cx="5763055" cy="973912"/>
           </a:xfrm>
           <a:prstGeom prst="rect">
             <a:avLst/>
@@ -5203,7 +5538,7 @@
     </p:spTree>
     <p:extLst>
       <p:ext uri="{BB962C8B-B14F-4D97-AF65-F5344CB8AC3E}">
-        <p14:creationId xmlns:p14="http://schemas.microsoft.com/office/powerpoint/2010/main" val="634160959"/>
+        <p14:creationId xmlns:p14="http://schemas.microsoft.com/office/powerpoint/2010/main" val="76803428"/>
       </p:ext>
     </p:extLst>
   </p:cSld>
@@ -5235,7 +5570,7 @@
           <p:cNvPr id="4" name="Footer Placeholder 3">
             <a:extLst>
               <a:ext uri="{FF2B5EF4-FFF2-40B4-BE49-F238E27FC236}">
-                <a16:creationId xmlns:a16="http://schemas.microsoft.com/office/drawing/2014/main" id="{2D6CFB7F-25BC-24B6-1D3D-84624DB20CA0}"/>
+                <a16:creationId xmlns:a16="http://schemas.microsoft.com/office/drawing/2014/main" id="{FE549F7F-4A84-B1BC-50A0-F8581615A53C}"/>
               </a:ext>
             </a:extLst>
           </p:cNvPr>
@@ -5264,7 +5599,7 @@
           <p:cNvPr id="5" name="Slide Number Placeholder 4">
             <a:extLst>
               <a:ext uri="{FF2B5EF4-FFF2-40B4-BE49-F238E27FC236}">
-                <a16:creationId xmlns:a16="http://schemas.microsoft.com/office/drawing/2014/main" id="{F00FAD1C-F3AB-8976-44A7-ADAE40D98E57}"/>
+                <a16:creationId xmlns:a16="http://schemas.microsoft.com/office/drawing/2014/main" id="{C818AFA4-2974-C8A6-B5E3-94407C9CFDD5}"/>
               </a:ext>
             </a:extLst>
           </p:cNvPr>
@@ -5293,7 +5628,7 @@
           <p:cNvPr id="6" name="Title 1">
             <a:extLst>
               <a:ext uri="{FF2B5EF4-FFF2-40B4-BE49-F238E27FC236}">
-                <a16:creationId xmlns:a16="http://schemas.microsoft.com/office/drawing/2014/main" id="{B9347263-545C-D118-E3B2-E0F15872D676}"/>
+                <a16:creationId xmlns:a16="http://schemas.microsoft.com/office/drawing/2014/main" id="{170452C6-2818-8198-1412-9BBBD0F78FFE}"/>
               </a:ext>
             </a:extLst>
           </p:cNvPr>
@@ -5321,17 +5656,17 @@
           <a:p>
             <a:r>
               <a:rPr lang="en-US" dirty="0"/>
-              <a:t>Model/Dataset Conclusion</a:t>
-            </a:r>
-          </a:p>
-        </p:txBody>
-      </p:sp>
-      <p:sp>
-        <p:nvSpPr>
-          <p:cNvPr id="2" name="TextBox 1">
-            <a:extLst>
-              <a:ext uri="{FF2B5EF4-FFF2-40B4-BE49-F238E27FC236}">
-                <a16:creationId xmlns:a16="http://schemas.microsoft.com/office/drawing/2014/main" id="{86842D5E-8E6F-5F58-545B-59B227A89EBF}"/>
+              <a:t>Content</a:t>
+            </a:r>
+          </a:p>
+        </p:txBody>
+      </p:sp>
+      <p:sp>
+        <p:nvSpPr>
+          <p:cNvPr id="7" name="TextBox 6">
+            <a:extLst>
+              <a:ext uri="{FF2B5EF4-FFF2-40B4-BE49-F238E27FC236}">
+                <a16:creationId xmlns:a16="http://schemas.microsoft.com/office/drawing/2014/main" id="{A2B0666F-F451-9D5B-5B37-8AA56EBE88A2}"/>
               </a:ext>
             </a:extLst>
           </p:cNvPr>
@@ -5340,8 +5675,8 @@
         </p:nvSpPr>
         <p:spPr>
           <a:xfrm>
-            <a:off x="1746421" y="1051187"/>
-            <a:ext cx="8699157" cy="923330"/>
+            <a:off x="1631092" y="1787611"/>
+            <a:ext cx="7841644" cy="3970318"/>
           </a:xfrm>
           <a:prstGeom prst="rect">
             <a:avLst/>
@@ -5354,56 +5689,155 @@
           </a:bodyPr>
           <a:lstStyle/>
           <a:p>
-            <a:r>
-              <a:rPr lang="en-US" b="1" dirty="0"/>
-              <a:t>Target Customer 2</a:t>
-            </a:r>
-            <a:r>
-              <a:rPr lang="en-US" dirty="0"/>
-              <a:t>: </a:t>
-            </a:r>
-            <a:r>
-              <a:rPr lang="en-IN" dirty="0"/>
-              <a:t>Which customers have recently purchased but are unlikely to buy? - Incentivize actions to increase probability - provide discounts, encourage referring a friend, nurture by letting them know what’s coming</a:t>
-            </a:r>
-            <a:endParaRPr lang="en-US" dirty="0"/>
-          </a:p>
-        </p:txBody>
-      </p:sp>
-      <p:pic>
-        <p:nvPicPr>
-          <p:cNvPr id="7" name="Picture 6">
-            <a:extLst>
-              <a:ext uri="{FF2B5EF4-FFF2-40B4-BE49-F238E27FC236}">
-                <a16:creationId xmlns:a16="http://schemas.microsoft.com/office/drawing/2014/main" id="{5E584567-ECA5-F327-23EE-0317EB3C329E}"/>
-              </a:ext>
-            </a:extLst>
-          </p:cNvPr>
-          <p:cNvPicPr>
-            <a:picLocks noChangeAspect="1"/>
-          </p:cNvPicPr>
+            <a:pPr marL="342900" indent="-342900">
+              <a:buAutoNum type="arabicPeriod"/>
+            </a:pPr>
+            <a:r>
+              <a:rPr lang="en-US" dirty="0"/>
+              <a:t>Creating a dataset</a:t>
+            </a:r>
+          </a:p>
+          <a:p>
+            <a:pPr marL="342900" indent="-342900">
+              <a:buAutoNum type="arabicPeriod"/>
+            </a:pPr>
+            <a:r>
+              <a:rPr lang="en-US" dirty="0"/>
+              <a:t>Machine Learning</a:t>
+            </a:r>
+          </a:p>
+          <a:p>
+            <a:r>
+              <a:rPr lang="en-US" dirty="0"/>
+              <a:t>	2.1 Training and testing dataset</a:t>
+            </a:r>
+          </a:p>
+          <a:p>
+            <a:r>
+              <a:rPr lang="en-US" dirty="0"/>
+              <a:t>	2.2 Feature Engineering</a:t>
+            </a:r>
+          </a:p>
+          <a:p>
+            <a:r>
+              <a:rPr lang="en-US" dirty="0"/>
+              <a:t>	2.3 Model1 (Regression)</a:t>
+            </a:r>
+          </a:p>
+          <a:p>
+            <a:r>
+              <a:rPr lang="en-US" dirty="0">
+                <a:solidFill>
+                  <a:schemeClr val="accent6">
+                    <a:lumMod val="50000"/>
+                  </a:schemeClr>
+                </a:solidFill>
+              </a:rPr>
+              <a:t>	2.4 Model2 (Classification)</a:t>
+            </a:r>
+          </a:p>
+          <a:p>
+            <a:r>
+              <a:rPr lang="en-US" dirty="0"/>
+              <a:t>	2.5 Feature Importance</a:t>
+            </a:r>
+          </a:p>
+          <a:p>
+            <a:pPr marL="342900" indent="-342900">
+              <a:buAutoNum type="arabicPeriod" startAt="3"/>
+            </a:pPr>
+            <a:r>
+              <a:rPr lang="en-US" dirty="0"/>
+              <a:t>Model/dataset Conclusion </a:t>
+            </a:r>
+          </a:p>
+          <a:p>
+            <a:pPr lvl="1"/>
+            <a:r>
+              <a:rPr lang="en-US" dirty="0"/>
+              <a:t>3.1 Target customers 1</a:t>
+            </a:r>
+          </a:p>
+          <a:p>
+            <a:pPr lvl="1"/>
+            <a:r>
+              <a:rPr lang="en-US" dirty="0"/>
+              <a:t>3.2 Target customers 2</a:t>
+            </a:r>
+          </a:p>
+          <a:p>
+            <a:pPr lvl="1"/>
+            <a:r>
+              <a:rPr lang="en-US" dirty="0"/>
+              <a:t>3.3 Target customers 3</a:t>
+            </a:r>
+          </a:p>
+          <a:p>
+            <a:pPr lvl="1"/>
+            <a:endParaRPr lang="en-US" dirty="0"/>
+          </a:p>
+          <a:p>
+            <a:endParaRPr lang="en-US" dirty="0"/>
+          </a:p>
+          <a:p>
+            <a:endParaRPr lang="en-US" dirty="0"/>
+          </a:p>
+        </p:txBody>
+      </p:sp>
+      <p:sp>
+        <p:nvSpPr>
+          <p:cNvPr id="2" name="Frame 1">
+            <a:extLst>
+              <a:ext uri="{FF2B5EF4-FFF2-40B4-BE49-F238E27FC236}">
+                <a16:creationId xmlns:a16="http://schemas.microsoft.com/office/drawing/2014/main" id="{A7F71FF7-E091-D062-9962-08D55823B3D5}"/>
+              </a:ext>
+            </a:extLst>
+          </p:cNvPr>
+          <p:cNvSpPr/>
           <p:nvPr/>
-        </p:nvPicPr>
-        <p:blipFill>
-          <a:blip r:embed="rId2"/>
-          <a:stretch>
-            <a:fillRect/>
-          </a:stretch>
-        </p:blipFill>
-        <p:spPr>
-          <a:xfrm>
-            <a:off x="1532905" y="2119186"/>
-            <a:ext cx="10216635" cy="4017535"/>
-          </a:xfrm>
-          <a:prstGeom prst="rect">
+        </p:nvSpPr>
+        <p:spPr>
+          <a:xfrm>
+            <a:off x="2092411" y="3179805"/>
+            <a:ext cx="2734962" cy="354227"/>
+          </a:xfrm>
+          <a:prstGeom prst="frame">
             <a:avLst/>
           </a:prstGeom>
         </p:spPr>
-      </p:pic>
+        <p:style>
+          <a:lnRef idx="2">
+            <a:schemeClr val="accent1">
+              <a:shade val="50000"/>
+            </a:schemeClr>
+          </a:lnRef>
+          <a:fillRef idx="1">
+            <a:schemeClr val="accent1"/>
+          </a:fillRef>
+          <a:effectRef idx="0">
+            <a:schemeClr val="accent1"/>
+          </a:effectRef>
+          <a:fontRef idx="minor">
+            <a:schemeClr val="lt1"/>
+          </a:fontRef>
+        </p:style>
+        <p:txBody>
+          <a:bodyPr rtlCol="0" anchor="ctr"/>
+          <a:lstStyle/>
+          <a:p>
+            <a:pPr algn="ctr"/>
+            <a:endParaRPr lang="en-US">
+              <a:solidFill>
+                <a:schemeClr val="tx1"/>
+              </a:solidFill>
+            </a:endParaRPr>
+          </a:p>
+        </p:txBody>
+      </p:sp>
     </p:spTree>
     <p:extLst>
       <p:ext uri="{BB962C8B-B14F-4D97-AF65-F5344CB8AC3E}">
-        <p14:creationId xmlns:p14="http://schemas.microsoft.com/office/powerpoint/2010/main" val="3666592174"/>
+        <p14:creationId xmlns:p14="http://schemas.microsoft.com/office/powerpoint/2010/main" val="3152143934"/>
       </p:ext>
     </p:extLst>
   </p:cSld>
@@ -5521,17 +5955,17 @@
           <a:p>
             <a:r>
               <a:rPr lang="en-US" dirty="0"/>
-              <a:t>Model/Dataset Conclusion</a:t>
-            </a:r>
-          </a:p>
-        </p:txBody>
-      </p:sp>
-      <p:sp>
-        <p:nvSpPr>
-          <p:cNvPr id="2" name="TextBox 1">
-            <a:extLst>
-              <a:ext uri="{FF2B5EF4-FFF2-40B4-BE49-F238E27FC236}">
-                <a16:creationId xmlns:a16="http://schemas.microsoft.com/office/drawing/2014/main" id="{86842D5E-8E6F-5F58-545B-59B227A89EBF}"/>
+              <a:t>Model 2</a:t>
+            </a:r>
+          </a:p>
+        </p:txBody>
+      </p:sp>
+      <p:sp>
+        <p:nvSpPr>
+          <p:cNvPr id="7" name="TextBox 6">
+            <a:extLst>
+              <a:ext uri="{FF2B5EF4-FFF2-40B4-BE49-F238E27FC236}">
+                <a16:creationId xmlns:a16="http://schemas.microsoft.com/office/drawing/2014/main" id="{42113D9C-02AF-F699-34BF-75E5850D22B7}"/>
               </a:ext>
             </a:extLst>
           </p:cNvPr>
@@ -5540,8 +5974,8 @@
         </p:nvSpPr>
         <p:spPr>
           <a:xfrm>
-            <a:off x="1684400" y="1010948"/>
-            <a:ext cx="8699157" cy="1200329"/>
+            <a:off x="1150883" y="1103189"/>
+            <a:ext cx="10332664" cy="646331"/>
           </a:xfrm>
           <a:prstGeom prst="rect">
             <a:avLst/>
@@ -5555,41 +5989,19 @@
           <a:lstStyle/>
           <a:p>
             <a:r>
-              <a:rPr lang="en-US" b="1" dirty="0"/>
-              <a:t>Target Customer 3</a:t>
-            </a:r>
-            <a:r>
-              <a:rPr lang="en-US" dirty="0"/>
-              <a:t>:</a:t>
-            </a:r>
-            <a:r>
               <a:rPr lang="en-IN" dirty="0"/>
-              <a:t>"Missed Opportunities" -big spenders that could be unlocked ---------</a:t>
-            </a:r>
-          </a:p>
-          <a:p>
-            <a:r>
-              <a:rPr lang="en-IN" dirty="0"/>
-              <a:t>- Send bundle offers encouraging volume purchases</a:t>
-            </a:r>
-          </a:p>
-          <a:p>
-            <a:r>
-              <a:rPr lang="en-IN" dirty="0"/>
-              <a:t>- Focus on missed opportunities</a:t>
-            </a:r>
-          </a:p>
-          <a:p>
+              <a:t>Next 90 day probability, here instead of predicting the amount spend we would rather see if they are going to spend or not</a:t>
+            </a:r>
             <a:endParaRPr lang="en-US" dirty="0"/>
           </a:p>
         </p:txBody>
       </p:sp>
       <p:pic>
         <p:nvPicPr>
-          <p:cNvPr id="7" name="Picture 6">
-            <a:extLst>
-              <a:ext uri="{FF2B5EF4-FFF2-40B4-BE49-F238E27FC236}">
-                <a16:creationId xmlns:a16="http://schemas.microsoft.com/office/drawing/2014/main" id="{FAC6DA06-4C17-C0A9-281C-74A4C488366A}"/>
+          <p:cNvPr id="9" name="Picture 8">
+            <a:extLst>
+              <a:ext uri="{FF2B5EF4-FFF2-40B4-BE49-F238E27FC236}">
+                <a16:creationId xmlns:a16="http://schemas.microsoft.com/office/drawing/2014/main" id="{7F5D3404-424A-D329-DE5B-37AEEC5B507E}"/>
               </a:ext>
             </a:extLst>
           </p:cNvPr>
@@ -5606,8 +6018,68 @@
         </p:blipFill>
         <p:spPr>
           <a:xfrm>
-            <a:off x="1491049" y="2103781"/>
-            <a:ext cx="10025964" cy="3974541"/>
+            <a:off x="1300715" y="1946191"/>
+            <a:ext cx="5016500" cy="431800"/>
+          </a:xfrm>
+          <a:prstGeom prst="rect">
+            <a:avLst/>
+          </a:prstGeom>
+        </p:spPr>
+      </p:pic>
+      <p:pic>
+        <p:nvPicPr>
+          <p:cNvPr id="10" name="Picture 9">
+            <a:extLst>
+              <a:ext uri="{FF2B5EF4-FFF2-40B4-BE49-F238E27FC236}">
+                <a16:creationId xmlns:a16="http://schemas.microsoft.com/office/drawing/2014/main" id="{2A29C709-D0C5-B99F-B863-9A64CC882F0A}"/>
+              </a:ext>
+            </a:extLst>
+          </p:cNvPr>
+          <p:cNvPicPr>
+            <a:picLocks noChangeAspect="1"/>
+          </p:cNvPicPr>
+          <p:nvPr/>
+        </p:nvPicPr>
+        <p:blipFill>
+          <a:blip r:embed="rId3"/>
+          <a:stretch>
+            <a:fillRect/>
+          </a:stretch>
+        </p:blipFill>
+        <p:spPr>
+          <a:xfrm>
+            <a:off x="1300715" y="2377991"/>
+            <a:ext cx="5016500" cy="1181100"/>
+          </a:xfrm>
+          <a:prstGeom prst="rect">
+            <a:avLst/>
+          </a:prstGeom>
+        </p:spPr>
+      </p:pic>
+      <p:pic>
+        <p:nvPicPr>
+          <p:cNvPr id="11" name="Picture 10">
+            <a:extLst>
+              <a:ext uri="{FF2B5EF4-FFF2-40B4-BE49-F238E27FC236}">
+                <a16:creationId xmlns:a16="http://schemas.microsoft.com/office/drawing/2014/main" id="{890726F8-091C-041D-9ED7-89FB5A91D929}"/>
+              </a:ext>
+            </a:extLst>
+          </p:cNvPr>
+          <p:cNvPicPr>
+            <a:picLocks noChangeAspect="1"/>
+          </p:cNvPicPr>
+          <p:nvPr/>
+        </p:nvPicPr>
+        <p:blipFill>
+          <a:blip r:embed="rId4"/>
+          <a:stretch>
+            <a:fillRect/>
+          </a:stretch>
+        </p:blipFill>
+        <p:spPr>
+          <a:xfrm>
+            <a:off x="1300715" y="3559091"/>
+            <a:ext cx="5016500" cy="2362200"/>
           </a:xfrm>
           <a:prstGeom prst="rect">
             <a:avLst/>
@@ -5617,7 +6089,7 @@
     </p:spTree>
     <p:extLst>
       <p:ext uri="{BB962C8B-B14F-4D97-AF65-F5344CB8AC3E}">
-        <p14:creationId xmlns:p14="http://schemas.microsoft.com/office/powerpoint/2010/main" val="3074067975"/>
+        <p14:creationId xmlns:p14="http://schemas.microsoft.com/office/powerpoint/2010/main" val="1578353394"/>
       </p:ext>
     </p:extLst>
   </p:cSld>
@@ -5649,7 +6121,7 @@
           <p:cNvPr id="4" name="Footer Placeholder 3">
             <a:extLst>
               <a:ext uri="{FF2B5EF4-FFF2-40B4-BE49-F238E27FC236}">
-                <a16:creationId xmlns:a16="http://schemas.microsoft.com/office/drawing/2014/main" id="{9D121505-968F-6CA6-FB8A-71703661C677}"/>
+                <a16:creationId xmlns:a16="http://schemas.microsoft.com/office/drawing/2014/main" id="{2D6CFB7F-25BC-24B6-1D3D-84624DB20CA0}"/>
               </a:ext>
             </a:extLst>
           </p:cNvPr>
@@ -5678,7 +6150,7 @@
           <p:cNvPr id="5" name="Slide Number Placeholder 4">
             <a:extLst>
               <a:ext uri="{FF2B5EF4-FFF2-40B4-BE49-F238E27FC236}">
-                <a16:creationId xmlns:a16="http://schemas.microsoft.com/office/drawing/2014/main" id="{6688D165-DE73-919E-9ADE-965ECB896DA4}"/>
+                <a16:creationId xmlns:a16="http://schemas.microsoft.com/office/drawing/2014/main" id="{F00FAD1C-F3AB-8976-44A7-ADAE40D98E57}"/>
               </a:ext>
             </a:extLst>
           </p:cNvPr>
@@ -5704,10 +6176,264 @@
       </p:sp>
       <p:sp>
         <p:nvSpPr>
-          <p:cNvPr id="6" name="TextBox 5">
-            <a:extLst>
-              <a:ext uri="{FF2B5EF4-FFF2-40B4-BE49-F238E27FC236}">
-                <a16:creationId xmlns:a16="http://schemas.microsoft.com/office/drawing/2014/main" id="{B4C2657F-F2B6-BA72-A7F7-E3F94C49E023}"/>
+          <p:cNvPr id="6" name="Title 1">
+            <a:extLst>
+              <a:ext uri="{FF2B5EF4-FFF2-40B4-BE49-F238E27FC236}">
+                <a16:creationId xmlns:a16="http://schemas.microsoft.com/office/drawing/2014/main" id="{B9347263-545C-D118-E3B2-E0F15872D676}"/>
+              </a:ext>
+            </a:extLst>
+          </p:cNvPr>
+          <p:cNvSpPr>
+            <a:spLocks noGrp="1"/>
+          </p:cNvSpPr>
+          <p:nvPr>
+            <p:ph type="title"/>
+          </p:nvPr>
+        </p:nvSpPr>
+        <p:spPr>
+          <a:xfrm>
+            <a:off x="1150882" y="181304"/>
+            <a:ext cx="10980683" cy="725214"/>
+          </a:xfrm>
+          <a:ln w="57150">
+            <a:solidFill>
+              <a:schemeClr val="tx1"/>
+            </a:solidFill>
+          </a:ln>
+        </p:spPr>
+        <p:txBody>
+          <a:bodyPr/>
+          <a:lstStyle/>
+          <a:p>
+            <a:r>
+              <a:rPr lang="en-US" dirty="0"/>
+              <a:t>Model 2</a:t>
+            </a:r>
+          </a:p>
+        </p:txBody>
+      </p:sp>
+      <p:pic>
+        <p:nvPicPr>
+          <p:cNvPr id="2" name="Picture 1">
+            <a:extLst>
+              <a:ext uri="{FF2B5EF4-FFF2-40B4-BE49-F238E27FC236}">
+                <a16:creationId xmlns:a16="http://schemas.microsoft.com/office/drawing/2014/main" id="{E2517DA8-EDAC-DE84-6C52-6345494A655B}"/>
+              </a:ext>
+            </a:extLst>
+          </p:cNvPr>
+          <p:cNvPicPr>
+            <a:picLocks noChangeAspect="1"/>
+          </p:cNvPicPr>
+          <p:nvPr/>
+        </p:nvPicPr>
+        <p:blipFill>
+          <a:blip r:embed="rId2"/>
+          <a:stretch>
+            <a:fillRect/>
+          </a:stretch>
+        </p:blipFill>
+        <p:spPr>
+          <a:xfrm>
+            <a:off x="1213503" y="1174436"/>
+            <a:ext cx="7569200" cy="1422400"/>
+          </a:xfrm>
+          <a:prstGeom prst="rect">
+            <a:avLst/>
+          </a:prstGeom>
+        </p:spPr>
+      </p:pic>
+      <p:pic>
+        <p:nvPicPr>
+          <p:cNvPr id="3" name="Picture 2">
+            <a:extLst>
+              <a:ext uri="{FF2B5EF4-FFF2-40B4-BE49-F238E27FC236}">
+                <a16:creationId xmlns:a16="http://schemas.microsoft.com/office/drawing/2014/main" id="{B138CEB5-237E-DB89-699C-871BFC1BA78D}"/>
+              </a:ext>
+            </a:extLst>
+          </p:cNvPr>
+          <p:cNvPicPr>
+            <a:picLocks noChangeAspect="1"/>
+          </p:cNvPicPr>
+          <p:nvPr/>
+        </p:nvPicPr>
+        <p:blipFill>
+          <a:blip r:embed="rId3"/>
+          <a:stretch>
+            <a:fillRect/>
+          </a:stretch>
+        </p:blipFill>
+        <p:spPr>
+          <a:xfrm>
+            <a:off x="1213503" y="2587752"/>
+            <a:ext cx="7569200" cy="1092200"/>
+          </a:xfrm>
+          <a:prstGeom prst="rect">
+            <a:avLst/>
+          </a:prstGeom>
+        </p:spPr>
+      </p:pic>
+      <p:pic>
+        <p:nvPicPr>
+          <p:cNvPr id="8" name="Picture 7">
+            <a:extLst>
+              <a:ext uri="{FF2B5EF4-FFF2-40B4-BE49-F238E27FC236}">
+                <a16:creationId xmlns:a16="http://schemas.microsoft.com/office/drawing/2014/main" id="{141A9FB9-8B58-759F-8480-B622B4EF371C}"/>
+              </a:ext>
+            </a:extLst>
+          </p:cNvPr>
+          <p:cNvPicPr>
+            <a:picLocks noChangeAspect="1"/>
+          </p:cNvPicPr>
+          <p:nvPr/>
+        </p:nvPicPr>
+        <p:blipFill>
+          <a:blip r:embed="rId4"/>
+          <a:stretch>
+            <a:fillRect/>
+          </a:stretch>
+        </p:blipFill>
+        <p:spPr>
+          <a:xfrm>
+            <a:off x="1213503" y="3679952"/>
+            <a:ext cx="7584027" cy="2647820"/>
+          </a:xfrm>
+          <a:prstGeom prst="rect">
+            <a:avLst/>
+          </a:prstGeom>
+        </p:spPr>
+      </p:pic>
+    </p:spTree>
+    <p:extLst>
+      <p:ext uri="{BB962C8B-B14F-4D97-AF65-F5344CB8AC3E}">
+        <p14:creationId xmlns:p14="http://schemas.microsoft.com/office/powerpoint/2010/main" val="56322436"/>
+      </p:ext>
+    </p:extLst>
+  </p:cSld>
+  <p:clrMapOvr>
+    <a:masterClrMapping/>
+  </p:clrMapOvr>
+</p:sld>
+</file>
+
+<file path=ppt/slides/slide17.xml><?xml version="1.0" encoding="utf-8"?>
+<p:sld xmlns:a="http://schemas.openxmlformats.org/drawingml/2006/main" xmlns:r="http://schemas.openxmlformats.org/officeDocument/2006/relationships" xmlns:p="http://schemas.openxmlformats.org/presentationml/2006/main">
+  <p:cSld>
+    <p:spTree>
+      <p:nvGrpSpPr>
+        <p:cNvPr id="1" name=""/>
+        <p:cNvGrpSpPr/>
+        <p:nvPr/>
+      </p:nvGrpSpPr>
+      <p:grpSpPr>
+        <a:xfrm>
+          <a:off x="0" y="0"/>
+          <a:ext cx="0" cy="0"/>
+          <a:chOff x="0" y="0"/>
+          <a:chExt cx="0" cy="0"/>
+        </a:xfrm>
+      </p:grpSpPr>
+      <p:sp>
+        <p:nvSpPr>
+          <p:cNvPr id="4" name="Footer Placeholder 3">
+            <a:extLst>
+              <a:ext uri="{FF2B5EF4-FFF2-40B4-BE49-F238E27FC236}">
+                <a16:creationId xmlns:a16="http://schemas.microsoft.com/office/drawing/2014/main" id="{FE549F7F-4A84-B1BC-50A0-F8581615A53C}"/>
+              </a:ext>
+            </a:extLst>
+          </p:cNvPr>
+          <p:cNvSpPr>
+            <a:spLocks noGrp="1"/>
+          </p:cNvSpPr>
+          <p:nvPr>
+            <p:ph type="ftr" sz="quarter" idx="11"/>
+          </p:nvPr>
+        </p:nvSpPr>
+        <p:spPr/>
+        <p:txBody>
+          <a:bodyPr/>
+          <a:lstStyle/>
+          <a:p>
+            <a:r>
+              <a:rPr lang="en-US"/>
+              <a:t>Servesh Khandwe | Local Grocery</a:t>
+            </a:r>
+            <a:endParaRPr lang="en-US" dirty="0"/>
+          </a:p>
+        </p:txBody>
+      </p:sp>
+      <p:sp>
+        <p:nvSpPr>
+          <p:cNvPr id="5" name="Slide Number Placeholder 4">
+            <a:extLst>
+              <a:ext uri="{FF2B5EF4-FFF2-40B4-BE49-F238E27FC236}">
+                <a16:creationId xmlns:a16="http://schemas.microsoft.com/office/drawing/2014/main" id="{C818AFA4-2974-C8A6-B5E3-94407C9CFDD5}"/>
+              </a:ext>
+            </a:extLst>
+          </p:cNvPr>
+          <p:cNvSpPr>
+            <a:spLocks noGrp="1"/>
+          </p:cNvSpPr>
+          <p:nvPr>
+            <p:ph type="sldNum" sz="quarter" idx="12"/>
+          </p:nvPr>
+        </p:nvSpPr>
+        <p:spPr/>
+        <p:txBody>
+          <a:bodyPr/>
+          <a:lstStyle/>
+          <a:p>
+            <a:fld id="{69E57DC2-970A-4B3E-BB1C-7A09969E49DF}" type="slidenum">
+              <a:rPr lang="en-US" smtClean="0"/>
+              <a:t>17</a:t>
+            </a:fld>
+            <a:endParaRPr lang="en-US" dirty="0"/>
+          </a:p>
+        </p:txBody>
+      </p:sp>
+      <p:sp>
+        <p:nvSpPr>
+          <p:cNvPr id="6" name="Title 1">
+            <a:extLst>
+              <a:ext uri="{FF2B5EF4-FFF2-40B4-BE49-F238E27FC236}">
+                <a16:creationId xmlns:a16="http://schemas.microsoft.com/office/drawing/2014/main" id="{170452C6-2818-8198-1412-9BBBD0F78FFE}"/>
+              </a:ext>
+            </a:extLst>
+          </p:cNvPr>
+          <p:cNvSpPr>
+            <a:spLocks noGrp="1"/>
+          </p:cNvSpPr>
+          <p:nvPr>
+            <p:ph type="title"/>
+          </p:nvPr>
+        </p:nvSpPr>
+        <p:spPr>
+          <a:xfrm>
+            <a:off x="1150882" y="181304"/>
+            <a:ext cx="10980683" cy="725214"/>
+          </a:xfrm>
+          <a:ln w="57150">
+            <a:solidFill>
+              <a:schemeClr val="tx1"/>
+            </a:solidFill>
+          </a:ln>
+        </p:spPr>
+        <p:txBody>
+          <a:bodyPr/>
+          <a:lstStyle/>
+          <a:p>
+            <a:r>
+              <a:rPr lang="en-US" dirty="0"/>
+              <a:t>Content</a:t>
+            </a:r>
+          </a:p>
+        </p:txBody>
+      </p:sp>
+      <p:sp>
+        <p:nvSpPr>
+          <p:cNvPr id="7" name="TextBox 6">
+            <a:extLst>
+              <a:ext uri="{FF2B5EF4-FFF2-40B4-BE49-F238E27FC236}">
+                <a16:creationId xmlns:a16="http://schemas.microsoft.com/office/drawing/2014/main" id="{A2B0666F-F451-9D5B-5B37-8AA56EBE88A2}"/>
               </a:ext>
             </a:extLst>
           </p:cNvPr>
@@ -5716,8 +6442,8 @@
         </p:nvSpPr>
         <p:spPr>
           <a:xfrm>
-            <a:off x="5201917" y="1952368"/>
-            <a:ext cx="2291333" cy="923330"/>
+            <a:off x="1631092" y="1787611"/>
+            <a:ext cx="7841644" cy="3970318"/>
           </a:xfrm>
           <a:prstGeom prst="rect">
             <a:avLst/>
@@ -5725,27 +6451,348 @@
           <a:noFill/>
         </p:spPr>
         <p:txBody>
-          <a:bodyPr wrap="none" rtlCol="0">
+          <a:bodyPr wrap="square" rtlCol="0">
             <a:spAutoFit/>
           </a:bodyPr>
           <a:lstStyle/>
           <a:p>
-            <a:r>
-              <a:rPr lang="en-US" sz="3600" dirty="0"/>
-              <a:t>Thank you </a:t>
-            </a:r>
-          </a:p>
-          <a:p>
-            <a:endParaRPr lang="en-US" dirty="0"/>
-          </a:p>
-        </p:txBody>
-      </p:sp>
-      <p:sp>
-        <p:nvSpPr>
-          <p:cNvPr id="7" name="TextBox 6">
-            <a:extLst>
-              <a:ext uri="{FF2B5EF4-FFF2-40B4-BE49-F238E27FC236}">
-                <a16:creationId xmlns:a16="http://schemas.microsoft.com/office/drawing/2014/main" id="{5F1407E2-011D-18CC-4FE4-FC00C2A43615}"/>
+            <a:pPr marL="342900" indent="-342900">
+              <a:buAutoNum type="arabicPeriod"/>
+            </a:pPr>
+            <a:r>
+              <a:rPr lang="en-US" dirty="0"/>
+              <a:t>Creating a dataset</a:t>
+            </a:r>
+          </a:p>
+          <a:p>
+            <a:pPr marL="342900" indent="-342900">
+              <a:buAutoNum type="arabicPeriod"/>
+            </a:pPr>
+            <a:r>
+              <a:rPr lang="en-US" dirty="0"/>
+              <a:t>Machine Learning</a:t>
+            </a:r>
+          </a:p>
+          <a:p>
+            <a:r>
+              <a:rPr lang="en-US" dirty="0"/>
+              <a:t>	2.1 Training and testing dataset</a:t>
+            </a:r>
+          </a:p>
+          <a:p>
+            <a:r>
+              <a:rPr lang="en-US" dirty="0"/>
+              <a:t>	2.2 Feature Engineering</a:t>
+            </a:r>
+          </a:p>
+          <a:p>
+            <a:r>
+              <a:rPr lang="en-US" dirty="0"/>
+              <a:t>	2.3 Model1 (Regression)</a:t>
+            </a:r>
+          </a:p>
+          <a:p>
+            <a:r>
+              <a:rPr lang="en-US" dirty="0"/>
+              <a:t>	2.4 Model2 (Classification)</a:t>
+            </a:r>
+          </a:p>
+          <a:p>
+            <a:r>
+              <a:rPr lang="en-US" dirty="0">
+                <a:solidFill>
+                  <a:schemeClr val="accent6">
+                    <a:lumMod val="50000"/>
+                  </a:schemeClr>
+                </a:solidFill>
+              </a:rPr>
+              <a:t>	2.5 Feature Importance</a:t>
+            </a:r>
+          </a:p>
+          <a:p>
+            <a:pPr marL="342900" indent="-342900">
+              <a:buAutoNum type="arabicPeriod" startAt="3"/>
+            </a:pPr>
+            <a:r>
+              <a:rPr lang="en-US" dirty="0"/>
+              <a:t>Model/dataset Conclusion </a:t>
+            </a:r>
+          </a:p>
+          <a:p>
+            <a:pPr lvl="1"/>
+            <a:r>
+              <a:rPr lang="en-US" dirty="0"/>
+              <a:t>3.1 Target customers 1</a:t>
+            </a:r>
+          </a:p>
+          <a:p>
+            <a:pPr lvl="1"/>
+            <a:r>
+              <a:rPr lang="en-US" dirty="0"/>
+              <a:t>3.2 Target customers 2</a:t>
+            </a:r>
+          </a:p>
+          <a:p>
+            <a:pPr lvl="1"/>
+            <a:r>
+              <a:rPr lang="en-US" dirty="0"/>
+              <a:t>3.3 Target customers 3</a:t>
+            </a:r>
+          </a:p>
+          <a:p>
+            <a:pPr lvl="1"/>
+            <a:endParaRPr lang="en-US" dirty="0"/>
+          </a:p>
+          <a:p>
+            <a:endParaRPr lang="en-US" dirty="0"/>
+          </a:p>
+          <a:p>
+            <a:endParaRPr lang="en-US" dirty="0"/>
+          </a:p>
+        </p:txBody>
+      </p:sp>
+      <p:sp>
+        <p:nvSpPr>
+          <p:cNvPr id="2" name="Frame 1">
+            <a:extLst>
+              <a:ext uri="{FF2B5EF4-FFF2-40B4-BE49-F238E27FC236}">
+                <a16:creationId xmlns:a16="http://schemas.microsoft.com/office/drawing/2014/main" id="{88854426-FD6E-DE09-4B25-016BC928BB5E}"/>
+              </a:ext>
+            </a:extLst>
+          </p:cNvPr>
+          <p:cNvSpPr/>
+          <p:nvPr/>
+        </p:nvSpPr>
+        <p:spPr>
+          <a:xfrm>
+            <a:off x="2108886" y="3429000"/>
+            <a:ext cx="2454876" cy="368643"/>
+          </a:xfrm>
+          <a:prstGeom prst="frame">
+            <a:avLst/>
+          </a:prstGeom>
+        </p:spPr>
+        <p:style>
+          <a:lnRef idx="2">
+            <a:schemeClr val="accent1">
+              <a:shade val="50000"/>
+            </a:schemeClr>
+          </a:lnRef>
+          <a:fillRef idx="1">
+            <a:schemeClr val="accent1"/>
+          </a:fillRef>
+          <a:effectRef idx="0">
+            <a:schemeClr val="accent1"/>
+          </a:effectRef>
+          <a:fontRef idx="minor">
+            <a:schemeClr val="lt1"/>
+          </a:fontRef>
+        </p:style>
+        <p:txBody>
+          <a:bodyPr rtlCol="0" anchor="ctr"/>
+          <a:lstStyle/>
+          <a:p>
+            <a:pPr algn="ctr"/>
+            <a:endParaRPr lang="en-US">
+              <a:solidFill>
+                <a:schemeClr val="tx1"/>
+              </a:solidFill>
+            </a:endParaRPr>
+          </a:p>
+        </p:txBody>
+      </p:sp>
+    </p:spTree>
+    <p:extLst>
+      <p:ext uri="{BB962C8B-B14F-4D97-AF65-F5344CB8AC3E}">
+        <p14:creationId xmlns:p14="http://schemas.microsoft.com/office/powerpoint/2010/main" val="209398099"/>
+      </p:ext>
+    </p:extLst>
+  </p:cSld>
+  <p:clrMapOvr>
+    <a:masterClrMapping/>
+  </p:clrMapOvr>
+</p:sld>
+</file>
+
+<file path=ppt/slides/slide18.xml><?xml version="1.0" encoding="utf-8"?>
+<p:sld xmlns:a="http://schemas.openxmlformats.org/drawingml/2006/main" xmlns:r="http://schemas.openxmlformats.org/officeDocument/2006/relationships" xmlns:p="http://schemas.openxmlformats.org/presentationml/2006/main">
+  <p:cSld>
+    <p:spTree>
+      <p:nvGrpSpPr>
+        <p:cNvPr id="1" name=""/>
+        <p:cNvGrpSpPr/>
+        <p:nvPr/>
+      </p:nvGrpSpPr>
+      <p:grpSpPr>
+        <a:xfrm>
+          <a:off x="0" y="0"/>
+          <a:ext cx="0" cy="0"/>
+          <a:chOff x="0" y="0"/>
+          <a:chExt cx="0" cy="0"/>
+        </a:xfrm>
+      </p:grpSpPr>
+      <p:sp>
+        <p:nvSpPr>
+          <p:cNvPr id="4" name="Footer Placeholder 3">
+            <a:extLst>
+              <a:ext uri="{FF2B5EF4-FFF2-40B4-BE49-F238E27FC236}">
+                <a16:creationId xmlns:a16="http://schemas.microsoft.com/office/drawing/2014/main" id="{2D6CFB7F-25BC-24B6-1D3D-84624DB20CA0}"/>
+              </a:ext>
+            </a:extLst>
+          </p:cNvPr>
+          <p:cNvSpPr>
+            <a:spLocks noGrp="1"/>
+          </p:cNvSpPr>
+          <p:nvPr>
+            <p:ph type="ftr" sz="quarter" idx="11"/>
+          </p:nvPr>
+        </p:nvSpPr>
+        <p:spPr/>
+        <p:txBody>
+          <a:bodyPr/>
+          <a:lstStyle/>
+          <a:p>
+            <a:r>
+              <a:rPr lang="en-US"/>
+              <a:t>Servesh Khandwe | Local Grocery</a:t>
+            </a:r>
+            <a:endParaRPr lang="en-US" dirty="0"/>
+          </a:p>
+        </p:txBody>
+      </p:sp>
+      <p:sp>
+        <p:nvSpPr>
+          <p:cNvPr id="5" name="Slide Number Placeholder 4">
+            <a:extLst>
+              <a:ext uri="{FF2B5EF4-FFF2-40B4-BE49-F238E27FC236}">
+                <a16:creationId xmlns:a16="http://schemas.microsoft.com/office/drawing/2014/main" id="{F00FAD1C-F3AB-8976-44A7-ADAE40D98E57}"/>
+              </a:ext>
+            </a:extLst>
+          </p:cNvPr>
+          <p:cNvSpPr>
+            <a:spLocks noGrp="1"/>
+          </p:cNvSpPr>
+          <p:nvPr>
+            <p:ph type="sldNum" sz="quarter" idx="12"/>
+          </p:nvPr>
+        </p:nvSpPr>
+        <p:spPr/>
+        <p:txBody>
+          <a:bodyPr/>
+          <a:lstStyle/>
+          <a:p>
+            <a:fld id="{69E57DC2-970A-4B3E-BB1C-7A09969E49DF}" type="slidenum">
+              <a:rPr lang="en-US" smtClean="0"/>
+              <a:t>18</a:t>
+            </a:fld>
+            <a:endParaRPr lang="en-US" dirty="0"/>
+          </a:p>
+        </p:txBody>
+      </p:sp>
+      <p:sp>
+        <p:nvSpPr>
+          <p:cNvPr id="6" name="Title 1">
+            <a:extLst>
+              <a:ext uri="{FF2B5EF4-FFF2-40B4-BE49-F238E27FC236}">
+                <a16:creationId xmlns:a16="http://schemas.microsoft.com/office/drawing/2014/main" id="{B9347263-545C-D118-E3B2-E0F15872D676}"/>
+              </a:ext>
+            </a:extLst>
+          </p:cNvPr>
+          <p:cNvSpPr>
+            <a:spLocks noGrp="1"/>
+          </p:cNvSpPr>
+          <p:nvPr>
+            <p:ph type="title"/>
+          </p:nvPr>
+        </p:nvSpPr>
+        <p:spPr>
+          <a:xfrm>
+            <a:off x="1150882" y="181304"/>
+            <a:ext cx="10980683" cy="725214"/>
+          </a:xfrm>
+          <a:ln w="57150">
+            <a:solidFill>
+              <a:schemeClr val="tx1"/>
+            </a:solidFill>
+          </a:ln>
+        </p:spPr>
+        <p:txBody>
+          <a:bodyPr/>
+          <a:lstStyle/>
+          <a:p>
+            <a:r>
+              <a:rPr lang="en-US" dirty="0"/>
+              <a:t>Feature Importance</a:t>
+            </a:r>
+          </a:p>
+        </p:txBody>
+      </p:sp>
+      <p:pic>
+        <p:nvPicPr>
+          <p:cNvPr id="7" name="Picture 6">
+            <a:extLst>
+              <a:ext uri="{FF2B5EF4-FFF2-40B4-BE49-F238E27FC236}">
+                <a16:creationId xmlns:a16="http://schemas.microsoft.com/office/drawing/2014/main" id="{D95B141A-7AF0-1144-AB8B-8FF911BD8066}"/>
+              </a:ext>
+            </a:extLst>
+          </p:cNvPr>
+          <p:cNvPicPr>
+            <a:picLocks noChangeAspect="1"/>
+          </p:cNvPicPr>
+          <p:nvPr/>
+        </p:nvPicPr>
+        <p:blipFill>
+          <a:blip r:embed="rId2"/>
+          <a:stretch>
+            <a:fillRect/>
+          </a:stretch>
+        </p:blipFill>
+        <p:spPr>
+          <a:xfrm>
+            <a:off x="1062681" y="2060677"/>
+            <a:ext cx="5292446" cy="3693451"/>
+          </a:xfrm>
+          <a:prstGeom prst="rect">
+            <a:avLst/>
+          </a:prstGeom>
+        </p:spPr>
+      </p:pic>
+      <p:pic>
+        <p:nvPicPr>
+          <p:cNvPr id="9" name="Picture 8">
+            <a:extLst>
+              <a:ext uri="{FF2B5EF4-FFF2-40B4-BE49-F238E27FC236}">
+                <a16:creationId xmlns:a16="http://schemas.microsoft.com/office/drawing/2014/main" id="{72074FFF-96C5-E535-5AB0-A46D82547D54}"/>
+              </a:ext>
+            </a:extLst>
+          </p:cNvPr>
+          <p:cNvPicPr>
+            <a:picLocks noChangeAspect="1"/>
+          </p:cNvPicPr>
+          <p:nvPr/>
+        </p:nvPicPr>
+        <p:blipFill>
+          <a:blip r:embed="rId3"/>
+          <a:stretch>
+            <a:fillRect/>
+          </a:stretch>
+        </p:blipFill>
+        <p:spPr>
+          <a:xfrm>
+            <a:off x="6641409" y="2060677"/>
+            <a:ext cx="5292446" cy="3713759"/>
+          </a:xfrm>
+          <a:prstGeom prst="rect">
+            <a:avLst/>
+          </a:prstGeom>
+        </p:spPr>
+      </p:pic>
+      <p:sp>
+        <p:nvSpPr>
+          <p:cNvPr id="10" name="TextBox 9">
+            <a:extLst>
+              <a:ext uri="{FF2B5EF4-FFF2-40B4-BE49-F238E27FC236}">
+                <a16:creationId xmlns:a16="http://schemas.microsoft.com/office/drawing/2014/main" id="{32261506-B9FC-D0F1-7AF0-4D6315E65034}"/>
               </a:ext>
             </a:extLst>
           </p:cNvPr>
@@ -5754,8 +6801,8 @@
         </p:nvSpPr>
         <p:spPr>
           <a:xfrm>
-            <a:off x="5630443" y="2506366"/>
-            <a:ext cx="1276311" cy="369332"/>
+            <a:off x="2809103" y="1680519"/>
+            <a:ext cx="1233030" cy="369332"/>
           </a:xfrm>
           <a:prstGeom prst="rect">
             <a:avLst/>
@@ -5770,7 +6817,42 @@
           <a:p>
             <a:r>
               <a:rPr lang="en-US" dirty="0"/>
-              <a:t>Questions?</a:t>
+              <a:t>Model – 1 </a:t>
+            </a:r>
+          </a:p>
+        </p:txBody>
+      </p:sp>
+      <p:sp>
+        <p:nvSpPr>
+          <p:cNvPr id="11" name="TextBox 10">
+            <a:extLst>
+              <a:ext uri="{FF2B5EF4-FFF2-40B4-BE49-F238E27FC236}">
+                <a16:creationId xmlns:a16="http://schemas.microsoft.com/office/drawing/2014/main" id="{A8C8330C-0E73-CBAF-6743-C5DB4DCB89FF}"/>
+              </a:ext>
+            </a:extLst>
+          </p:cNvPr>
+          <p:cNvSpPr txBox="1"/>
+          <p:nvPr/>
+        </p:nvSpPr>
+        <p:spPr>
+          <a:xfrm>
+            <a:off x="8671117" y="1680519"/>
+            <a:ext cx="1233030" cy="369332"/>
+          </a:xfrm>
+          <a:prstGeom prst="rect">
+            <a:avLst/>
+          </a:prstGeom>
+          <a:noFill/>
+        </p:spPr>
+        <p:txBody>
+          <a:bodyPr wrap="none" rtlCol="0">
+            <a:spAutoFit/>
+          </a:bodyPr>
+          <a:lstStyle/>
+          <a:p>
+            <a:r>
+              <a:rPr lang="en-US" dirty="0"/>
+              <a:t>Model – 2 </a:t>
             </a:r>
           </a:p>
         </p:txBody>
@@ -5778,7 +6860,306 @@
     </p:spTree>
     <p:extLst>
       <p:ext uri="{BB962C8B-B14F-4D97-AF65-F5344CB8AC3E}">
-        <p14:creationId xmlns:p14="http://schemas.microsoft.com/office/powerpoint/2010/main" val="945027622"/>
+        <p14:creationId xmlns:p14="http://schemas.microsoft.com/office/powerpoint/2010/main" val="2483750720"/>
+      </p:ext>
+    </p:extLst>
+  </p:cSld>
+  <p:clrMapOvr>
+    <a:masterClrMapping/>
+  </p:clrMapOvr>
+</p:sld>
+</file>
+
+<file path=ppt/slides/slide19.xml><?xml version="1.0" encoding="utf-8"?>
+<p:sld xmlns:a="http://schemas.openxmlformats.org/drawingml/2006/main" xmlns:r="http://schemas.openxmlformats.org/officeDocument/2006/relationships" xmlns:p="http://schemas.openxmlformats.org/presentationml/2006/main">
+  <p:cSld>
+    <p:spTree>
+      <p:nvGrpSpPr>
+        <p:cNvPr id="1" name=""/>
+        <p:cNvGrpSpPr/>
+        <p:nvPr/>
+      </p:nvGrpSpPr>
+      <p:grpSpPr>
+        <a:xfrm>
+          <a:off x="0" y="0"/>
+          <a:ext cx="0" cy="0"/>
+          <a:chOff x="0" y="0"/>
+          <a:chExt cx="0" cy="0"/>
+        </a:xfrm>
+      </p:grpSpPr>
+      <p:sp>
+        <p:nvSpPr>
+          <p:cNvPr id="4" name="Footer Placeholder 3">
+            <a:extLst>
+              <a:ext uri="{FF2B5EF4-FFF2-40B4-BE49-F238E27FC236}">
+                <a16:creationId xmlns:a16="http://schemas.microsoft.com/office/drawing/2014/main" id="{FE549F7F-4A84-B1BC-50A0-F8581615A53C}"/>
+              </a:ext>
+            </a:extLst>
+          </p:cNvPr>
+          <p:cNvSpPr>
+            <a:spLocks noGrp="1"/>
+          </p:cNvSpPr>
+          <p:nvPr>
+            <p:ph type="ftr" sz="quarter" idx="11"/>
+          </p:nvPr>
+        </p:nvSpPr>
+        <p:spPr/>
+        <p:txBody>
+          <a:bodyPr/>
+          <a:lstStyle/>
+          <a:p>
+            <a:r>
+              <a:rPr lang="en-US"/>
+              <a:t>Servesh Khandwe | Local Grocery</a:t>
+            </a:r>
+            <a:endParaRPr lang="en-US" dirty="0"/>
+          </a:p>
+        </p:txBody>
+      </p:sp>
+      <p:sp>
+        <p:nvSpPr>
+          <p:cNvPr id="5" name="Slide Number Placeholder 4">
+            <a:extLst>
+              <a:ext uri="{FF2B5EF4-FFF2-40B4-BE49-F238E27FC236}">
+                <a16:creationId xmlns:a16="http://schemas.microsoft.com/office/drawing/2014/main" id="{C818AFA4-2974-C8A6-B5E3-94407C9CFDD5}"/>
+              </a:ext>
+            </a:extLst>
+          </p:cNvPr>
+          <p:cNvSpPr>
+            <a:spLocks noGrp="1"/>
+          </p:cNvSpPr>
+          <p:nvPr>
+            <p:ph type="sldNum" sz="quarter" idx="12"/>
+          </p:nvPr>
+        </p:nvSpPr>
+        <p:spPr/>
+        <p:txBody>
+          <a:bodyPr/>
+          <a:lstStyle/>
+          <a:p>
+            <a:fld id="{69E57DC2-970A-4B3E-BB1C-7A09969E49DF}" type="slidenum">
+              <a:rPr lang="en-US" smtClean="0"/>
+              <a:t>19</a:t>
+            </a:fld>
+            <a:endParaRPr lang="en-US" dirty="0"/>
+          </a:p>
+        </p:txBody>
+      </p:sp>
+      <p:sp>
+        <p:nvSpPr>
+          <p:cNvPr id="6" name="Title 1">
+            <a:extLst>
+              <a:ext uri="{FF2B5EF4-FFF2-40B4-BE49-F238E27FC236}">
+                <a16:creationId xmlns:a16="http://schemas.microsoft.com/office/drawing/2014/main" id="{170452C6-2818-8198-1412-9BBBD0F78FFE}"/>
+              </a:ext>
+            </a:extLst>
+          </p:cNvPr>
+          <p:cNvSpPr>
+            <a:spLocks noGrp="1"/>
+          </p:cNvSpPr>
+          <p:nvPr>
+            <p:ph type="title"/>
+          </p:nvPr>
+        </p:nvSpPr>
+        <p:spPr>
+          <a:xfrm>
+            <a:off x="1150882" y="181304"/>
+            <a:ext cx="10980683" cy="725214"/>
+          </a:xfrm>
+          <a:ln w="57150">
+            <a:solidFill>
+              <a:schemeClr val="tx1"/>
+            </a:solidFill>
+          </a:ln>
+        </p:spPr>
+        <p:txBody>
+          <a:bodyPr/>
+          <a:lstStyle/>
+          <a:p>
+            <a:r>
+              <a:rPr lang="en-US" dirty="0"/>
+              <a:t>Content</a:t>
+            </a:r>
+          </a:p>
+        </p:txBody>
+      </p:sp>
+      <p:sp>
+        <p:nvSpPr>
+          <p:cNvPr id="7" name="TextBox 6">
+            <a:extLst>
+              <a:ext uri="{FF2B5EF4-FFF2-40B4-BE49-F238E27FC236}">
+                <a16:creationId xmlns:a16="http://schemas.microsoft.com/office/drawing/2014/main" id="{A2B0666F-F451-9D5B-5B37-8AA56EBE88A2}"/>
+              </a:ext>
+            </a:extLst>
+          </p:cNvPr>
+          <p:cNvSpPr txBox="1"/>
+          <p:nvPr/>
+        </p:nvSpPr>
+        <p:spPr>
+          <a:xfrm>
+            <a:off x="1631092" y="1787611"/>
+            <a:ext cx="7841644" cy="3970318"/>
+          </a:xfrm>
+          <a:prstGeom prst="rect">
+            <a:avLst/>
+          </a:prstGeom>
+          <a:noFill/>
+        </p:spPr>
+        <p:txBody>
+          <a:bodyPr wrap="square" rtlCol="0">
+            <a:spAutoFit/>
+          </a:bodyPr>
+          <a:lstStyle/>
+          <a:p>
+            <a:pPr marL="342900" indent="-342900">
+              <a:buAutoNum type="arabicPeriod"/>
+            </a:pPr>
+            <a:r>
+              <a:rPr lang="en-US" dirty="0"/>
+              <a:t>Creating a dataset</a:t>
+            </a:r>
+          </a:p>
+          <a:p>
+            <a:pPr marL="342900" indent="-342900">
+              <a:buAutoNum type="arabicPeriod"/>
+            </a:pPr>
+            <a:r>
+              <a:rPr lang="en-US" dirty="0"/>
+              <a:t>Machine Learning</a:t>
+            </a:r>
+          </a:p>
+          <a:p>
+            <a:r>
+              <a:rPr lang="en-US" dirty="0"/>
+              <a:t>	2.1 Training and testing dataset</a:t>
+            </a:r>
+          </a:p>
+          <a:p>
+            <a:r>
+              <a:rPr lang="en-US" dirty="0"/>
+              <a:t>	2.2 Feature Engineering</a:t>
+            </a:r>
+          </a:p>
+          <a:p>
+            <a:r>
+              <a:rPr lang="en-US" dirty="0"/>
+              <a:t>	2.3 Model1 (Regression)</a:t>
+            </a:r>
+          </a:p>
+          <a:p>
+            <a:r>
+              <a:rPr lang="en-US" dirty="0"/>
+              <a:t>	2.4 Model2 (Classification)</a:t>
+            </a:r>
+          </a:p>
+          <a:p>
+            <a:r>
+              <a:rPr lang="en-US" dirty="0"/>
+              <a:t>	2.5 Feature Importance</a:t>
+            </a:r>
+          </a:p>
+          <a:p>
+            <a:pPr marL="342900" indent="-342900">
+              <a:buAutoNum type="arabicPeriod" startAt="3"/>
+            </a:pPr>
+            <a:r>
+              <a:rPr lang="en-US" dirty="0"/>
+              <a:t>Model/dataset Conclusion </a:t>
+            </a:r>
+          </a:p>
+          <a:p>
+            <a:pPr lvl="1"/>
+            <a:r>
+              <a:rPr lang="en-US" dirty="0">
+                <a:solidFill>
+                  <a:schemeClr val="accent6">
+                    <a:lumMod val="50000"/>
+                  </a:schemeClr>
+                </a:solidFill>
+              </a:rPr>
+              <a:t>3.1 Target customers 1</a:t>
+            </a:r>
+          </a:p>
+          <a:p>
+            <a:pPr lvl="1"/>
+            <a:r>
+              <a:rPr lang="en-US" dirty="0"/>
+              <a:t>3.2 Target customers 2</a:t>
+            </a:r>
+          </a:p>
+          <a:p>
+            <a:pPr lvl="1"/>
+            <a:r>
+              <a:rPr lang="en-US" dirty="0"/>
+              <a:t>3.3 Target customers 3</a:t>
+            </a:r>
+          </a:p>
+          <a:p>
+            <a:pPr lvl="1"/>
+            <a:endParaRPr lang="en-US" dirty="0"/>
+          </a:p>
+          <a:p>
+            <a:endParaRPr lang="en-US" dirty="0"/>
+          </a:p>
+          <a:p>
+            <a:endParaRPr lang="en-US" dirty="0"/>
+          </a:p>
+        </p:txBody>
+      </p:sp>
+      <p:sp>
+        <p:nvSpPr>
+          <p:cNvPr id="2" name="Frame 1">
+            <a:extLst>
+              <a:ext uri="{FF2B5EF4-FFF2-40B4-BE49-F238E27FC236}">
+                <a16:creationId xmlns:a16="http://schemas.microsoft.com/office/drawing/2014/main" id="{7E31B4B0-DAD8-7D90-B8D6-2C6EE4F59AC6}"/>
+              </a:ext>
+            </a:extLst>
+          </p:cNvPr>
+          <p:cNvSpPr/>
+          <p:nvPr/>
+        </p:nvSpPr>
+        <p:spPr>
+          <a:xfrm>
+            <a:off x="2059459" y="4003589"/>
+            <a:ext cx="2446638" cy="354227"/>
+          </a:xfrm>
+          <a:prstGeom prst="frame">
+            <a:avLst/>
+          </a:prstGeom>
+        </p:spPr>
+        <p:style>
+          <a:lnRef idx="2">
+            <a:schemeClr val="accent1">
+              <a:shade val="50000"/>
+            </a:schemeClr>
+          </a:lnRef>
+          <a:fillRef idx="1">
+            <a:schemeClr val="accent1"/>
+          </a:fillRef>
+          <a:effectRef idx="0">
+            <a:schemeClr val="accent1"/>
+          </a:effectRef>
+          <a:fontRef idx="minor">
+            <a:schemeClr val="lt1"/>
+          </a:fontRef>
+        </p:style>
+        <p:txBody>
+          <a:bodyPr rtlCol="0" anchor="ctr"/>
+          <a:lstStyle/>
+          <a:p>
+            <a:pPr algn="ctr"/>
+            <a:endParaRPr lang="en-US">
+              <a:solidFill>
+                <a:schemeClr val="tx1"/>
+              </a:solidFill>
+            </a:endParaRPr>
+          </a:p>
+        </p:txBody>
+      </p:sp>
+    </p:spTree>
+    <p:extLst>
+      <p:ext uri="{BB962C8B-B14F-4D97-AF65-F5344CB8AC3E}">
+        <p14:creationId xmlns:p14="http://schemas.microsoft.com/office/powerpoint/2010/main" val="91895720"/>
       </p:ext>
     </p:extLst>
   </p:cSld>
@@ -6031,6 +7412,1890 @@
 </p:sld>
 </file>
 
+<file path=ppt/slides/slide20.xml><?xml version="1.0" encoding="utf-8"?>
+<p:sld xmlns:a="http://schemas.openxmlformats.org/drawingml/2006/main" xmlns:r="http://schemas.openxmlformats.org/officeDocument/2006/relationships" xmlns:p="http://schemas.openxmlformats.org/presentationml/2006/main">
+  <p:cSld>
+    <p:spTree>
+      <p:nvGrpSpPr>
+        <p:cNvPr id="1" name=""/>
+        <p:cNvGrpSpPr/>
+        <p:nvPr/>
+      </p:nvGrpSpPr>
+      <p:grpSpPr>
+        <a:xfrm>
+          <a:off x="0" y="0"/>
+          <a:ext cx="0" cy="0"/>
+          <a:chOff x="0" y="0"/>
+          <a:chExt cx="0" cy="0"/>
+        </a:xfrm>
+      </p:grpSpPr>
+      <p:sp>
+        <p:nvSpPr>
+          <p:cNvPr id="4" name="Footer Placeholder 3">
+            <a:extLst>
+              <a:ext uri="{FF2B5EF4-FFF2-40B4-BE49-F238E27FC236}">
+                <a16:creationId xmlns:a16="http://schemas.microsoft.com/office/drawing/2014/main" id="{2D6CFB7F-25BC-24B6-1D3D-84624DB20CA0}"/>
+              </a:ext>
+            </a:extLst>
+          </p:cNvPr>
+          <p:cNvSpPr>
+            <a:spLocks noGrp="1"/>
+          </p:cNvSpPr>
+          <p:nvPr>
+            <p:ph type="ftr" sz="quarter" idx="11"/>
+          </p:nvPr>
+        </p:nvSpPr>
+        <p:spPr/>
+        <p:txBody>
+          <a:bodyPr/>
+          <a:lstStyle/>
+          <a:p>
+            <a:r>
+              <a:rPr lang="en-US"/>
+              <a:t>Servesh Khandwe | Local Grocery</a:t>
+            </a:r>
+            <a:endParaRPr lang="en-US" dirty="0"/>
+          </a:p>
+        </p:txBody>
+      </p:sp>
+      <p:sp>
+        <p:nvSpPr>
+          <p:cNvPr id="5" name="Slide Number Placeholder 4">
+            <a:extLst>
+              <a:ext uri="{FF2B5EF4-FFF2-40B4-BE49-F238E27FC236}">
+                <a16:creationId xmlns:a16="http://schemas.microsoft.com/office/drawing/2014/main" id="{F00FAD1C-F3AB-8976-44A7-ADAE40D98E57}"/>
+              </a:ext>
+            </a:extLst>
+          </p:cNvPr>
+          <p:cNvSpPr>
+            <a:spLocks noGrp="1"/>
+          </p:cNvSpPr>
+          <p:nvPr>
+            <p:ph type="sldNum" sz="quarter" idx="12"/>
+          </p:nvPr>
+        </p:nvSpPr>
+        <p:spPr/>
+        <p:txBody>
+          <a:bodyPr/>
+          <a:lstStyle/>
+          <a:p>
+            <a:fld id="{69E57DC2-970A-4B3E-BB1C-7A09969E49DF}" type="slidenum">
+              <a:rPr lang="en-US" smtClean="0"/>
+              <a:t>20</a:t>
+            </a:fld>
+            <a:endParaRPr lang="en-US" dirty="0"/>
+          </a:p>
+        </p:txBody>
+      </p:sp>
+      <p:sp>
+        <p:nvSpPr>
+          <p:cNvPr id="6" name="Title 1">
+            <a:extLst>
+              <a:ext uri="{FF2B5EF4-FFF2-40B4-BE49-F238E27FC236}">
+                <a16:creationId xmlns:a16="http://schemas.microsoft.com/office/drawing/2014/main" id="{B9347263-545C-D118-E3B2-E0F15872D676}"/>
+              </a:ext>
+            </a:extLst>
+          </p:cNvPr>
+          <p:cNvSpPr>
+            <a:spLocks noGrp="1"/>
+          </p:cNvSpPr>
+          <p:nvPr>
+            <p:ph type="title"/>
+          </p:nvPr>
+        </p:nvSpPr>
+        <p:spPr>
+          <a:xfrm>
+            <a:off x="1150882" y="181304"/>
+            <a:ext cx="10980683" cy="725214"/>
+          </a:xfrm>
+          <a:ln w="57150">
+            <a:solidFill>
+              <a:schemeClr val="tx1"/>
+            </a:solidFill>
+          </a:ln>
+        </p:spPr>
+        <p:txBody>
+          <a:bodyPr/>
+          <a:lstStyle/>
+          <a:p>
+            <a:r>
+              <a:rPr lang="en-US" dirty="0"/>
+              <a:t>Model/Dataset Conclusion</a:t>
+            </a:r>
+          </a:p>
+        </p:txBody>
+      </p:sp>
+      <p:sp>
+        <p:nvSpPr>
+          <p:cNvPr id="2" name="TextBox 1">
+            <a:extLst>
+              <a:ext uri="{FF2B5EF4-FFF2-40B4-BE49-F238E27FC236}">
+                <a16:creationId xmlns:a16="http://schemas.microsoft.com/office/drawing/2014/main" id="{86842D5E-8E6F-5F58-545B-59B227A89EBF}"/>
+              </a:ext>
+            </a:extLst>
+          </p:cNvPr>
+          <p:cNvSpPr txBox="1"/>
+          <p:nvPr/>
+        </p:nvSpPr>
+        <p:spPr>
+          <a:xfrm>
+            <a:off x="1861751" y="1351005"/>
+            <a:ext cx="8699157" cy="646331"/>
+          </a:xfrm>
+          <a:prstGeom prst="rect">
+            <a:avLst/>
+          </a:prstGeom>
+          <a:noFill/>
+        </p:spPr>
+        <p:txBody>
+          <a:bodyPr wrap="square" rtlCol="0">
+            <a:spAutoFit/>
+          </a:bodyPr>
+          <a:lstStyle/>
+          <a:p>
+            <a:r>
+              <a:rPr lang="en-US" b="1" dirty="0"/>
+              <a:t>Target Customer 1</a:t>
+            </a:r>
+            <a:r>
+              <a:rPr lang="en-US" dirty="0"/>
+              <a:t>:</a:t>
+            </a:r>
+            <a:r>
+              <a:rPr lang="en-IN" dirty="0"/>
+              <a:t> Which customers have the highest spend probability in the next 90-days? target for new products similar to what they have purchased in the past.</a:t>
+            </a:r>
+            <a:endParaRPr lang="en-US" dirty="0"/>
+          </a:p>
+        </p:txBody>
+      </p:sp>
+      <p:pic>
+        <p:nvPicPr>
+          <p:cNvPr id="3" name="Picture 2">
+            <a:extLst>
+              <a:ext uri="{FF2B5EF4-FFF2-40B4-BE49-F238E27FC236}">
+                <a16:creationId xmlns:a16="http://schemas.microsoft.com/office/drawing/2014/main" id="{9852D8BC-4C4B-7F97-735E-326847BFE562}"/>
+              </a:ext>
+            </a:extLst>
+          </p:cNvPr>
+          <p:cNvPicPr>
+            <a:picLocks noChangeAspect="1"/>
+          </p:cNvPicPr>
+          <p:nvPr/>
+        </p:nvPicPr>
+        <p:blipFill>
+          <a:blip r:embed="rId2"/>
+          <a:stretch>
+            <a:fillRect/>
+          </a:stretch>
+        </p:blipFill>
+        <p:spPr>
+          <a:xfrm>
+            <a:off x="1672282" y="2037209"/>
+            <a:ext cx="9569606" cy="3809843"/>
+          </a:xfrm>
+          <a:prstGeom prst="rect">
+            <a:avLst/>
+          </a:prstGeom>
+        </p:spPr>
+      </p:pic>
+    </p:spTree>
+    <p:extLst>
+      <p:ext uri="{BB962C8B-B14F-4D97-AF65-F5344CB8AC3E}">
+        <p14:creationId xmlns:p14="http://schemas.microsoft.com/office/powerpoint/2010/main" val="634160959"/>
+      </p:ext>
+    </p:extLst>
+  </p:cSld>
+  <p:clrMapOvr>
+    <a:masterClrMapping/>
+  </p:clrMapOvr>
+</p:sld>
+</file>
+
+<file path=ppt/slides/slide21.xml><?xml version="1.0" encoding="utf-8"?>
+<p:sld xmlns:a="http://schemas.openxmlformats.org/drawingml/2006/main" xmlns:r="http://schemas.openxmlformats.org/officeDocument/2006/relationships" xmlns:p="http://schemas.openxmlformats.org/presentationml/2006/main">
+  <p:cSld>
+    <p:spTree>
+      <p:nvGrpSpPr>
+        <p:cNvPr id="1" name=""/>
+        <p:cNvGrpSpPr/>
+        <p:nvPr/>
+      </p:nvGrpSpPr>
+      <p:grpSpPr>
+        <a:xfrm>
+          <a:off x="0" y="0"/>
+          <a:ext cx="0" cy="0"/>
+          <a:chOff x="0" y="0"/>
+          <a:chExt cx="0" cy="0"/>
+        </a:xfrm>
+      </p:grpSpPr>
+      <p:sp>
+        <p:nvSpPr>
+          <p:cNvPr id="4" name="Footer Placeholder 3">
+            <a:extLst>
+              <a:ext uri="{FF2B5EF4-FFF2-40B4-BE49-F238E27FC236}">
+                <a16:creationId xmlns:a16="http://schemas.microsoft.com/office/drawing/2014/main" id="{FE549F7F-4A84-B1BC-50A0-F8581615A53C}"/>
+              </a:ext>
+            </a:extLst>
+          </p:cNvPr>
+          <p:cNvSpPr>
+            <a:spLocks noGrp="1"/>
+          </p:cNvSpPr>
+          <p:nvPr>
+            <p:ph type="ftr" sz="quarter" idx="11"/>
+          </p:nvPr>
+        </p:nvSpPr>
+        <p:spPr/>
+        <p:txBody>
+          <a:bodyPr/>
+          <a:lstStyle/>
+          <a:p>
+            <a:r>
+              <a:rPr lang="en-US"/>
+              <a:t>Servesh Khandwe | Local Grocery</a:t>
+            </a:r>
+            <a:endParaRPr lang="en-US" dirty="0"/>
+          </a:p>
+        </p:txBody>
+      </p:sp>
+      <p:sp>
+        <p:nvSpPr>
+          <p:cNvPr id="5" name="Slide Number Placeholder 4">
+            <a:extLst>
+              <a:ext uri="{FF2B5EF4-FFF2-40B4-BE49-F238E27FC236}">
+                <a16:creationId xmlns:a16="http://schemas.microsoft.com/office/drawing/2014/main" id="{C818AFA4-2974-C8A6-B5E3-94407C9CFDD5}"/>
+              </a:ext>
+            </a:extLst>
+          </p:cNvPr>
+          <p:cNvSpPr>
+            <a:spLocks noGrp="1"/>
+          </p:cNvSpPr>
+          <p:nvPr>
+            <p:ph type="sldNum" sz="quarter" idx="12"/>
+          </p:nvPr>
+        </p:nvSpPr>
+        <p:spPr/>
+        <p:txBody>
+          <a:bodyPr/>
+          <a:lstStyle/>
+          <a:p>
+            <a:fld id="{69E57DC2-970A-4B3E-BB1C-7A09969E49DF}" type="slidenum">
+              <a:rPr lang="en-US" smtClean="0"/>
+              <a:t>21</a:t>
+            </a:fld>
+            <a:endParaRPr lang="en-US" dirty="0"/>
+          </a:p>
+        </p:txBody>
+      </p:sp>
+      <p:sp>
+        <p:nvSpPr>
+          <p:cNvPr id="6" name="Title 1">
+            <a:extLst>
+              <a:ext uri="{FF2B5EF4-FFF2-40B4-BE49-F238E27FC236}">
+                <a16:creationId xmlns:a16="http://schemas.microsoft.com/office/drawing/2014/main" id="{170452C6-2818-8198-1412-9BBBD0F78FFE}"/>
+              </a:ext>
+            </a:extLst>
+          </p:cNvPr>
+          <p:cNvSpPr>
+            <a:spLocks noGrp="1"/>
+          </p:cNvSpPr>
+          <p:nvPr>
+            <p:ph type="title"/>
+          </p:nvPr>
+        </p:nvSpPr>
+        <p:spPr>
+          <a:xfrm>
+            <a:off x="1150882" y="181304"/>
+            <a:ext cx="10980683" cy="725214"/>
+          </a:xfrm>
+          <a:ln w="57150">
+            <a:solidFill>
+              <a:schemeClr val="tx1"/>
+            </a:solidFill>
+          </a:ln>
+        </p:spPr>
+        <p:txBody>
+          <a:bodyPr/>
+          <a:lstStyle/>
+          <a:p>
+            <a:r>
+              <a:rPr lang="en-US" dirty="0"/>
+              <a:t>Content</a:t>
+            </a:r>
+          </a:p>
+        </p:txBody>
+      </p:sp>
+      <p:sp>
+        <p:nvSpPr>
+          <p:cNvPr id="7" name="TextBox 6">
+            <a:extLst>
+              <a:ext uri="{FF2B5EF4-FFF2-40B4-BE49-F238E27FC236}">
+                <a16:creationId xmlns:a16="http://schemas.microsoft.com/office/drawing/2014/main" id="{A2B0666F-F451-9D5B-5B37-8AA56EBE88A2}"/>
+              </a:ext>
+            </a:extLst>
+          </p:cNvPr>
+          <p:cNvSpPr txBox="1"/>
+          <p:nvPr/>
+        </p:nvSpPr>
+        <p:spPr>
+          <a:xfrm>
+            <a:off x="1631092" y="1787611"/>
+            <a:ext cx="7841644" cy="3970318"/>
+          </a:xfrm>
+          <a:prstGeom prst="rect">
+            <a:avLst/>
+          </a:prstGeom>
+          <a:noFill/>
+        </p:spPr>
+        <p:txBody>
+          <a:bodyPr wrap="square" rtlCol="0">
+            <a:spAutoFit/>
+          </a:bodyPr>
+          <a:lstStyle/>
+          <a:p>
+            <a:pPr marL="342900" indent="-342900">
+              <a:buAutoNum type="arabicPeriod"/>
+            </a:pPr>
+            <a:r>
+              <a:rPr lang="en-US" dirty="0"/>
+              <a:t>Creating a dataset</a:t>
+            </a:r>
+          </a:p>
+          <a:p>
+            <a:pPr marL="342900" indent="-342900">
+              <a:buAutoNum type="arabicPeriod"/>
+            </a:pPr>
+            <a:r>
+              <a:rPr lang="en-US" dirty="0"/>
+              <a:t>Machine Learning</a:t>
+            </a:r>
+          </a:p>
+          <a:p>
+            <a:r>
+              <a:rPr lang="en-US" dirty="0"/>
+              <a:t>	2.1 Training and testing dataset</a:t>
+            </a:r>
+          </a:p>
+          <a:p>
+            <a:r>
+              <a:rPr lang="en-US" dirty="0"/>
+              <a:t>	2.2 Feature Engineering</a:t>
+            </a:r>
+          </a:p>
+          <a:p>
+            <a:r>
+              <a:rPr lang="en-US" dirty="0"/>
+              <a:t>	2.3 Model1 (Regression)</a:t>
+            </a:r>
+          </a:p>
+          <a:p>
+            <a:r>
+              <a:rPr lang="en-US" dirty="0"/>
+              <a:t>	2.4 Model2 (Classification)</a:t>
+            </a:r>
+          </a:p>
+          <a:p>
+            <a:r>
+              <a:rPr lang="en-US" dirty="0"/>
+              <a:t>	2.5 Feature Importance</a:t>
+            </a:r>
+          </a:p>
+          <a:p>
+            <a:pPr marL="342900" indent="-342900">
+              <a:buAutoNum type="arabicPeriod" startAt="3"/>
+            </a:pPr>
+            <a:r>
+              <a:rPr lang="en-US" dirty="0"/>
+              <a:t>Model/dataset Conclusion </a:t>
+            </a:r>
+          </a:p>
+          <a:p>
+            <a:pPr lvl="1"/>
+            <a:r>
+              <a:rPr lang="en-US" dirty="0"/>
+              <a:t>3.1 Target customers 1</a:t>
+            </a:r>
+          </a:p>
+          <a:p>
+            <a:pPr lvl="1"/>
+            <a:r>
+              <a:rPr lang="en-US" dirty="0">
+                <a:solidFill>
+                  <a:schemeClr val="accent6">
+                    <a:lumMod val="50000"/>
+                  </a:schemeClr>
+                </a:solidFill>
+              </a:rPr>
+              <a:t>3.2 Target customers 2</a:t>
+            </a:r>
+          </a:p>
+          <a:p>
+            <a:pPr lvl="1"/>
+            <a:r>
+              <a:rPr lang="en-US" dirty="0"/>
+              <a:t>3.3 Target customers 3</a:t>
+            </a:r>
+          </a:p>
+          <a:p>
+            <a:pPr lvl="1"/>
+            <a:endParaRPr lang="en-US" dirty="0"/>
+          </a:p>
+          <a:p>
+            <a:endParaRPr lang="en-US" dirty="0"/>
+          </a:p>
+          <a:p>
+            <a:endParaRPr lang="en-US" dirty="0"/>
+          </a:p>
+        </p:txBody>
+      </p:sp>
+      <p:sp>
+        <p:nvSpPr>
+          <p:cNvPr id="2" name="Frame 1">
+            <a:extLst>
+              <a:ext uri="{FF2B5EF4-FFF2-40B4-BE49-F238E27FC236}">
+                <a16:creationId xmlns:a16="http://schemas.microsoft.com/office/drawing/2014/main" id="{49025C73-DDD8-1FEA-8716-4CCC438706F3}"/>
+              </a:ext>
+            </a:extLst>
+          </p:cNvPr>
+          <p:cNvSpPr/>
+          <p:nvPr/>
+        </p:nvSpPr>
+        <p:spPr>
+          <a:xfrm>
+            <a:off x="2075935" y="4275438"/>
+            <a:ext cx="2512541" cy="345989"/>
+          </a:xfrm>
+          <a:prstGeom prst="frame">
+            <a:avLst/>
+          </a:prstGeom>
+        </p:spPr>
+        <p:style>
+          <a:lnRef idx="2">
+            <a:schemeClr val="accent1">
+              <a:shade val="50000"/>
+            </a:schemeClr>
+          </a:lnRef>
+          <a:fillRef idx="1">
+            <a:schemeClr val="accent1"/>
+          </a:fillRef>
+          <a:effectRef idx="0">
+            <a:schemeClr val="accent1"/>
+          </a:effectRef>
+          <a:fontRef idx="minor">
+            <a:schemeClr val="lt1"/>
+          </a:fontRef>
+        </p:style>
+        <p:txBody>
+          <a:bodyPr rtlCol="0" anchor="ctr"/>
+          <a:lstStyle/>
+          <a:p>
+            <a:pPr algn="ctr"/>
+            <a:endParaRPr lang="en-US">
+              <a:solidFill>
+                <a:schemeClr val="tx1"/>
+              </a:solidFill>
+            </a:endParaRPr>
+          </a:p>
+        </p:txBody>
+      </p:sp>
+    </p:spTree>
+    <p:extLst>
+      <p:ext uri="{BB962C8B-B14F-4D97-AF65-F5344CB8AC3E}">
+        <p14:creationId xmlns:p14="http://schemas.microsoft.com/office/powerpoint/2010/main" val="3051006946"/>
+      </p:ext>
+    </p:extLst>
+  </p:cSld>
+  <p:clrMapOvr>
+    <a:masterClrMapping/>
+  </p:clrMapOvr>
+</p:sld>
+</file>
+
+<file path=ppt/slides/slide22.xml><?xml version="1.0" encoding="utf-8"?>
+<p:sld xmlns:a="http://schemas.openxmlformats.org/drawingml/2006/main" xmlns:r="http://schemas.openxmlformats.org/officeDocument/2006/relationships" xmlns:p="http://schemas.openxmlformats.org/presentationml/2006/main">
+  <p:cSld>
+    <p:spTree>
+      <p:nvGrpSpPr>
+        <p:cNvPr id="1" name=""/>
+        <p:cNvGrpSpPr/>
+        <p:nvPr/>
+      </p:nvGrpSpPr>
+      <p:grpSpPr>
+        <a:xfrm>
+          <a:off x="0" y="0"/>
+          <a:ext cx="0" cy="0"/>
+          <a:chOff x="0" y="0"/>
+          <a:chExt cx="0" cy="0"/>
+        </a:xfrm>
+      </p:grpSpPr>
+      <p:sp>
+        <p:nvSpPr>
+          <p:cNvPr id="4" name="Footer Placeholder 3">
+            <a:extLst>
+              <a:ext uri="{FF2B5EF4-FFF2-40B4-BE49-F238E27FC236}">
+                <a16:creationId xmlns:a16="http://schemas.microsoft.com/office/drawing/2014/main" id="{2D6CFB7F-25BC-24B6-1D3D-84624DB20CA0}"/>
+              </a:ext>
+            </a:extLst>
+          </p:cNvPr>
+          <p:cNvSpPr>
+            <a:spLocks noGrp="1"/>
+          </p:cNvSpPr>
+          <p:nvPr>
+            <p:ph type="ftr" sz="quarter" idx="11"/>
+          </p:nvPr>
+        </p:nvSpPr>
+        <p:spPr/>
+        <p:txBody>
+          <a:bodyPr/>
+          <a:lstStyle/>
+          <a:p>
+            <a:r>
+              <a:rPr lang="en-US"/>
+              <a:t>Servesh Khandwe | Local Grocery</a:t>
+            </a:r>
+            <a:endParaRPr lang="en-US" dirty="0"/>
+          </a:p>
+        </p:txBody>
+      </p:sp>
+      <p:sp>
+        <p:nvSpPr>
+          <p:cNvPr id="5" name="Slide Number Placeholder 4">
+            <a:extLst>
+              <a:ext uri="{FF2B5EF4-FFF2-40B4-BE49-F238E27FC236}">
+                <a16:creationId xmlns:a16="http://schemas.microsoft.com/office/drawing/2014/main" id="{F00FAD1C-F3AB-8976-44A7-ADAE40D98E57}"/>
+              </a:ext>
+            </a:extLst>
+          </p:cNvPr>
+          <p:cNvSpPr>
+            <a:spLocks noGrp="1"/>
+          </p:cNvSpPr>
+          <p:nvPr>
+            <p:ph type="sldNum" sz="quarter" idx="12"/>
+          </p:nvPr>
+        </p:nvSpPr>
+        <p:spPr/>
+        <p:txBody>
+          <a:bodyPr/>
+          <a:lstStyle/>
+          <a:p>
+            <a:fld id="{69E57DC2-970A-4B3E-BB1C-7A09969E49DF}" type="slidenum">
+              <a:rPr lang="en-US" smtClean="0"/>
+              <a:t>22</a:t>
+            </a:fld>
+            <a:endParaRPr lang="en-US" dirty="0"/>
+          </a:p>
+        </p:txBody>
+      </p:sp>
+      <p:sp>
+        <p:nvSpPr>
+          <p:cNvPr id="6" name="Title 1">
+            <a:extLst>
+              <a:ext uri="{FF2B5EF4-FFF2-40B4-BE49-F238E27FC236}">
+                <a16:creationId xmlns:a16="http://schemas.microsoft.com/office/drawing/2014/main" id="{B9347263-545C-D118-E3B2-E0F15872D676}"/>
+              </a:ext>
+            </a:extLst>
+          </p:cNvPr>
+          <p:cNvSpPr>
+            <a:spLocks noGrp="1"/>
+          </p:cNvSpPr>
+          <p:nvPr>
+            <p:ph type="title"/>
+          </p:nvPr>
+        </p:nvSpPr>
+        <p:spPr>
+          <a:xfrm>
+            <a:off x="1150882" y="181304"/>
+            <a:ext cx="10980683" cy="725214"/>
+          </a:xfrm>
+          <a:ln w="57150">
+            <a:solidFill>
+              <a:schemeClr val="tx1"/>
+            </a:solidFill>
+          </a:ln>
+        </p:spPr>
+        <p:txBody>
+          <a:bodyPr/>
+          <a:lstStyle/>
+          <a:p>
+            <a:r>
+              <a:rPr lang="en-US" dirty="0"/>
+              <a:t>Model/Dataset Conclusion</a:t>
+            </a:r>
+          </a:p>
+        </p:txBody>
+      </p:sp>
+      <p:sp>
+        <p:nvSpPr>
+          <p:cNvPr id="2" name="TextBox 1">
+            <a:extLst>
+              <a:ext uri="{FF2B5EF4-FFF2-40B4-BE49-F238E27FC236}">
+                <a16:creationId xmlns:a16="http://schemas.microsoft.com/office/drawing/2014/main" id="{86842D5E-8E6F-5F58-545B-59B227A89EBF}"/>
+              </a:ext>
+            </a:extLst>
+          </p:cNvPr>
+          <p:cNvSpPr txBox="1"/>
+          <p:nvPr/>
+        </p:nvSpPr>
+        <p:spPr>
+          <a:xfrm>
+            <a:off x="1746421" y="1051187"/>
+            <a:ext cx="8699157" cy="923330"/>
+          </a:xfrm>
+          <a:prstGeom prst="rect">
+            <a:avLst/>
+          </a:prstGeom>
+          <a:noFill/>
+        </p:spPr>
+        <p:txBody>
+          <a:bodyPr wrap="square" rtlCol="0">
+            <a:spAutoFit/>
+          </a:bodyPr>
+          <a:lstStyle/>
+          <a:p>
+            <a:r>
+              <a:rPr lang="en-US" b="1" dirty="0"/>
+              <a:t>Target Customer 2</a:t>
+            </a:r>
+            <a:r>
+              <a:rPr lang="en-US" dirty="0"/>
+              <a:t>: </a:t>
+            </a:r>
+            <a:r>
+              <a:rPr lang="en-IN" dirty="0"/>
+              <a:t>Which customers have recently purchased but are unlikely to buy? - Incentivize actions to increase probability - provide discounts, encourage referring a friend, nurture by letting them know what’s coming</a:t>
+            </a:r>
+            <a:endParaRPr lang="en-US" dirty="0"/>
+          </a:p>
+        </p:txBody>
+      </p:sp>
+      <p:pic>
+        <p:nvPicPr>
+          <p:cNvPr id="7" name="Picture 6">
+            <a:extLst>
+              <a:ext uri="{FF2B5EF4-FFF2-40B4-BE49-F238E27FC236}">
+                <a16:creationId xmlns:a16="http://schemas.microsoft.com/office/drawing/2014/main" id="{5E584567-ECA5-F327-23EE-0317EB3C329E}"/>
+              </a:ext>
+            </a:extLst>
+          </p:cNvPr>
+          <p:cNvPicPr>
+            <a:picLocks noChangeAspect="1"/>
+          </p:cNvPicPr>
+          <p:nvPr/>
+        </p:nvPicPr>
+        <p:blipFill>
+          <a:blip r:embed="rId3"/>
+          <a:stretch>
+            <a:fillRect/>
+          </a:stretch>
+        </p:blipFill>
+        <p:spPr>
+          <a:xfrm>
+            <a:off x="1532905" y="2119186"/>
+            <a:ext cx="10216635" cy="4017535"/>
+          </a:xfrm>
+          <a:prstGeom prst="rect">
+            <a:avLst/>
+          </a:prstGeom>
+        </p:spPr>
+      </p:pic>
+    </p:spTree>
+    <p:extLst>
+      <p:ext uri="{BB962C8B-B14F-4D97-AF65-F5344CB8AC3E}">
+        <p14:creationId xmlns:p14="http://schemas.microsoft.com/office/powerpoint/2010/main" val="3666592174"/>
+      </p:ext>
+    </p:extLst>
+  </p:cSld>
+  <p:clrMapOvr>
+    <a:masterClrMapping/>
+  </p:clrMapOvr>
+</p:sld>
+</file>
+
+<file path=ppt/slides/slide23.xml><?xml version="1.0" encoding="utf-8"?>
+<p:sld xmlns:a="http://schemas.openxmlformats.org/drawingml/2006/main" xmlns:r="http://schemas.openxmlformats.org/officeDocument/2006/relationships" xmlns:p="http://schemas.openxmlformats.org/presentationml/2006/main">
+  <p:cSld>
+    <p:spTree>
+      <p:nvGrpSpPr>
+        <p:cNvPr id="1" name=""/>
+        <p:cNvGrpSpPr/>
+        <p:nvPr/>
+      </p:nvGrpSpPr>
+      <p:grpSpPr>
+        <a:xfrm>
+          <a:off x="0" y="0"/>
+          <a:ext cx="0" cy="0"/>
+          <a:chOff x="0" y="0"/>
+          <a:chExt cx="0" cy="0"/>
+        </a:xfrm>
+      </p:grpSpPr>
+      <p:sp>
+        <p:nvSpPr>
+          <p:cNvPr id="4" name="Footer Placeholder 3">
+            <a:extLst>
+              <a:ext uri="{FF2B5EF4-FFF2-40B4-BE49-F238E27FC236}">
+                <a16:creationId xmlns:a16="http://schemas.microsoft.com/office/drawing/2014/main" id="{FE549F7F-4A84-B1BC-50A0-F8581615A53C}"/>
+              </a:ext>
+            </a:extLst>
+          </p:cNvPr>
+          <p:cNvSpPr>
+            <a:spLocks noGrp="1"/>
+          </p:cNvSpPr>
+          <p:nvPr>
+            <p:ph type="ftr" sz="quarter" idx="11"/>
+          </p:nvPr>
+        </p:nvSpPr>
+        <p:spPr/>
+        <p:txBody>
+          <a:bodyPr/>
+          <a:lstStyle/>
+          <a:p>
+            <a:r>
+              <a:rPr lang="en-US"/>
+              <a:t>Servesh Khandwe | Local Grocery</a:t>
+            </a:r>
+            <a:endParaRPr lang="en-US" dirty="0"/>
+          </a:p>
+        </p:txBody>
+      </p:sp>
+      <p:sp>
+        <p:nvSpPr>
+          <p:cNvPr id="5" name="Slide Number Placeholder 4">
+            <a:extLst>
+              <a:ext uri="{FF2B5EF4-FFF2-40B4-BE49-F238E27FC236}">
+                <a16:creationId xmlns:a16="http://schemas.microsoft.com/office/drawing/2014/main" id="{C818AFA4-2974-C8A6-B5E3-94407C9CFDD5}"/>
+              </a:ext>
+            </a:extLst>
+          </p:cNvPr>
+          <p:cNvSpPr>
+            <a:spLocks noGrp="1"/>
+          </p:cNvSpPr>
+          <p:nvPr>
+            <p:ph type="sldNum" sz="quarter" idx="12"/>
+          </p:nvPr>
+        </p:nvSpPr>
+        <p:spPr/>
+        <p:txBody>
+          <a:bodyPr/>
+          <a:lstStyle/>
+          <a:p>
+            <a:fld id="{69E57DC2-970A-4B3E-BB1C-7A09969E49DF}" type="slidenum">
+              <a:rPr lang="en-US" smtClean="0"/>
+              <a:t>23</a:t>
+            </a:fld>
+            <a:endParaRPr lang="en-US" dirty="0"/>
+          </a:p>
+        </p:txBody>
+      </p:sp>
+      <p:sp>
+        <p:nvSpPr>
+          <p:cNvPr id="6" name="Title 1">
+            <a:extLst>
+              <a:ext uri="{FF2B5EF4-FFF2-40B4-BE49-F238E27FC236}">
+                <a16:creationId xmlns:a16="http://schemas.microsoft.com/office/drawing/2014/main" id="{170452C6-2818-8198-1412-9BBBD0F78FFE}"/>
+              </a:ext>
+            </a:extLst>
+          </p:cNvPr>
+          <p:cNvSpPr>
+            <a:spLocks noGrp="1"/>
+          </p:cNvSpPr>
+          <p:nvPr>
+            <p:ph type="title"/>
+          </p:nvPr>
+        </p:nvSpPr>
+        <p:spPr>
+          <a:xfrm>
+            <a:off x="1150882" y="181304"/>
+            <a:ext cx="10980683" cy="725214"/>
+          </a:xfrm>
+          <a:ln w="57150">
+            <a:solidFill>
+              <a:schemeClr val="tx1"/>
+            </a:solidFill>
+          </a:ln>
+        </p:spPr>
+        <p:txBody>
+          <a:bodyPr/>
+          <a:lstStyle/>
+          <a:p>
+            <a:r>
+              <a:rPr lang="en-US" dirty="0"/>
+              <a:t>Content</a:t>
+            </a:r>
+          </a:p>
+        </p:txBody>
+      </p:sp>
+      <p:sp>
+        <p:nvSpPr>
+          <p:cNvPr id="7" name="TextBox 6">
+            <a:extLst>
+              <a:ext uri="{FF2B5EF4-FFF2-40B4-BE49-F238E27FC236}">
+                <a16:creationId xmlns:a16="http://schemas.microsoft.com/office/drawing/2014/main" id="{A2B0666F-F451-9D5B-5B37-8AA56EBE88A2}"/>
+              </a:ext>
+            </a:extLst>
+          </p:cNvPr>
+          <p:cNvSpPr txBox="1"/>
+          <p:nvPr/>
+        </p:nvSpPr>
+        <p:spPr>
+          <a:xfrm>
+            <a:off x="1631092" y="1787611"/>
+            <a:ext cx="7841644" cy="3970318"/>
+          </a:xfrm>
+          <a:prstGeom prst="rect">
+            <a:avLst/>
+          </a:prstGeom>
+          <a:noFill/>
+        </p:spPr>
+        <p:txBody>
+          <a:bodyPr wrap="square" rtlCol="0">
+            <a:spAutoFit/>
+          </a:bodyPr>
+          <a:lstStyle/>
+          <a:p>
+            <a:pPr marL="342900" indent="-342900">
+              <a:buAutoNum type="arabicPeriod"/>
+            </a:pPr>
+            <a:r>
+              <a:rPr lang="en-US" dirty="0"/>
+              <a:t>Creating a dataset</a:t>
+            </a:r>
+          </a:p>
+          <a:p>
+            <a:pPr marL="342900" indent="-342900">
+              <a:buAutoNum type="arabicPeriod"/>
+            </a:pPr>
+            <a:r>
+              <a:rPr lang="en-US" dirty="0"/>
+              <a:t>Machine Learning</a:t>
+            </a:r>
+          </a:p>
+          <a:p>
+            <a:r>
+              <a:rPr lang="en-US" dirty="0"/>
+              <a:t>	2.1 Training and testing dataset</a:t>
+            </a:r>
+          </a:p>
+          <a:p>
+            <a:r>
+              <a:rPr lang="en-US" dirty="0"/>
+              <a:t>	2.2 Feature Engineering</a:t>
+            </a:r>
+          </a:p>
+          <a:p>
+            <a:r>
+              <a:rPr lang="en-US" dirty="0"/>
+              <a:t>	2.3 Model1 (Regression)</a:t>
+            </a:r>
+          </a:p>
+          <a:p>
+            <a:r>
+              <a:rPr lang="en-US" dirty="0"/>
+              <a:t>	2.4 Model2 (Classification)</a:t>
+            </a:r>
+          </a:p>
+          <a:p>
+            <a:r>
+              <a:rPr lang="en-US" dirty="0"/>
+              <a:t>	2.5 Feature Importance</a:t>
+            </a:r>
+          </a:p>
+          <a:p>
+            <a:pPr marL="342900" indent="-342900">
+              <a:buAutoNum type="arabicPeriod" startAt="3"/>
+            </a:pPr>
+            <a:r>
+              <a:rPr lang="en-US" dirty="0"/>
+              <a:t>Model/dataset Conclusion </a:t>
+            </a:r>
+          </a:p>
+          <a:p>
+            <a:pPr lvl="1"/>
+            <a:r>
+              <a:rPr lang="en-US" dirty="0"/>
+              <a:t>3.1 Target customers 1</a:t>
+            </a:r>
+          </a:p>
+          <a:p>
+            <a:pPr lvl="1"/>
+            <a:r>
+              <a:rPr lang="en-US" dirty="0"/>
+              <a:t>3.2 Target customers 2</a:t>
+            </a:r>
+          </a:p>
+          <a:p>
+            <a:pPr lvl="1"/>
+            <a:r>
+              <a:rPr lang="en-US" dirty="0">
+                <a:solidFill>
+                  <a:schemeClr val="accent6">
+                    <a:lumMod val="50000"/>
+                  </a:schemeClr>
+                </a:solidFill>
+              </a:rPr>
+              <a:t>3.3 Target customers 3</a:t>
+            </a:r>
+          </a:p>
+          <a:p>
+            <a:pPr lvl="1"/>
+            <a:endParaRPr lang="en-US" dirty="0"/>
+          </a:p>
+          <a:p>
+            <a:endParaRPr lang="en-US" dirty="0"/>
+          </a:p>
+          <a:p>
+            <a:endParaRPr lang="en-US" dirty="0"/>
+          </a:p>
+        </p:txBody>
+      </p:sp>
+      <p:sp>
+        <p:nvSpPr>
+          <p:cNvPr id="2" name="Frame 1">
+            <a:extLst>
+              <a:ext uri="{FF2B5EF4-FFF2-40B4-BE49-F238E27FC236}">
+                <a16:creationId xmlns:a16="http://schemas.microsoft.com/office/drawing/2014/main" id="{8F4FF6CA-FABB-9E6B-A3DE-5AA56D9D9EAC}"/>
+              </a:ext>
+            </a:extLst>
+          </p:cNvPr>
+          <p:cNvSpPr/>
+          <p:nvPr/>
+        </p:nvSpPr>
+        <p:spPr>
+          <a:xfrm>
+            <a:off x="2084173" y="4596714"/>
+            <a:ext cx="2438400" cy="288324"/>
+          </a:xfrm>
+          <a:prstGeom prst="frame">
+            <a:avLst/>
+          </a:prstGeom>
+        </p:spPr>
+        <p:style>
+          <a:lnRef idx="2">
+            <a:schemeClr val="accent1">
+              <a:shade val="50000"/>
+            </a:schemeClr>
+          </a:lnRef>
+          <a:fillRef idx="1">
+            <a:schemeClr val="accent1"/>
+          </a:fillRef>
+          <a:effectRef idx="0">
+            <a:schemeClr val="accent1"/>
+          </a:effectRef>
+          <a:fontRef idx="minor">
+            <a:schemeClr val="lt1"/>
+          </a:fontRef>
+        </p:style>
+        <p:txBody>
+          <a:bodyPr rtlCol="0" anchor="ctr"/>
+          <a:lstStyle/>
+          <a:p>
+            <a:pPr algn="ctr"/>
+            <a:endParaRPr lang="en-US">
+              <a:solidFill>
+                <a:schemeClr val="tx1"/>
+              </a:solidFill>
+            </a:endParaRPr>
+          </a:p>
+        </p:txBody>
+      </p:sp>
+    </p:spTree>
+    <p:extLst>
+      <p:ext uri="{BB962C8B-B14F-4D97-AF65-F5344CB8AC3E}">
+        <p14:creationId xmlns:p14="http://schemas.microsoft.com/office/powerpoint/2010/main" val="3164497128"/>
+      </p:ext>
+    </p:extLst>
+  </p:cSld>
+  <p:clrMapOvr>
+    <a:masterClrMapping/>
+  </p:clrMapOvr>
+</p:sld>
+</file>
+
+<file path=ppt/slides/slide24.xml><?xml version="1.0" encoding="utf-8"?>
+<p:sld xmlns:a="http://schemas.openxmlformats.org/drawingml/2006/main" xmlns:r="http://schemas.openxmlformats.org/officeDocument/2006/relationships" xmlns:p="http://schemas.openxmlformats.org/presentationml/2006/main">
+  <p:cSld>
+    <p:spTree>
+      <p:nvGrpSpPr>
+        <p:cNvPr id="1" name=""/>
+        <p:cNvGrpSpPr/>
+        <p:nvPr/>
+      </p:nvGrpSpPr>
+      <p:grpSpPr>
+        <a:xfrm>
+          <a:off x="0" y="0"/>
+          <a:ext cx="0" cy="0"/>
+          <a:chOff x="0" y="0"/>
+          <a:chExt cx="0" cy="0"/>
+        </a:xfrm>
+      </p:grpSpPr>
+      <p:sp>
+        <p:nvSpPr>
+          <p:cNvPr id="4" name="Footer Placeholder 3">
+            <a:extLst>
+              <a:ext uri="{FF2B5EF4-FFF2-40B4-BE49-F238E27FC236}">
+                <a16:creationId xmlns:a16="http://schemas.microsoft.com/office/drawing/2014/main" id="{2D6CFB7F-25BC-24B6-1D3D-84624DB20CA0}"/>
+              </a:ext>
+            </a:extLst>
+          </p:cNvPr>
+          <p:cNvSpPr>
+            <a:spLocks noGrp="1"/>
+          </p:cNvSpPr>
+          <p:nvPr>
+            <p:ph type="ftr" sz="quarter" idx="11"/>
+          </p:nvPr>
+        </p:nvSpPr>
+        <p:spPr/>
+        <p:txBody>
+          <a:bodyPr/>
+          <a:lstStyle/>
+          <a:p>
+            <a:r>
+              <a:rPr lang="en-US"/>
+              <a:t>Servesh Khandwe | Local Grocery</a:t>
+            </a:r>
+            <a:endParaRPr lang="en-US" dirty="0"/>
+          </a:p>
+        </p:txBody>
+      </p:sp>
+      <p:sp>
+        <p:nvSpPr>
+          <p:cNvPr id="5" name="Slide Number Placeholder 4">
+            <a:extLst>
+              <a:ext uri="{FF2B5EF4-FFF2-40B4-BE49-F238E27FC236}">
+                <a16:creationId xmlns:a16="http://schemas.microsoft.com/office/drawing/2014/main" id="{F00FAD1C-F3AB-8976-44A7-ADAE40D98E57}"/>
+              </a:ext>
+            </a:extLst>
+          </p:cNvPr>
+          <p:cNvSpPr>
+            <a:spLocks noGrp="1"/>
+          </p:cNvSpPr>
+          <p:nvPr>
+            <p:ph type="sldNum" sz="quarter" idx="12"/>
+          </p:nvPr>
+        </p:nvSpPr>
+        <p:spPr/>
+        <p:txBody>
+          <a:bodyPr/>
+          <a:lstStyle/>
+          <a:p>
+            <a:fld id="{69E57DC2-970A-4B3E-BB1C-7A09969E49DF}" type="slidenum">
+              <a:rPr lang="en-US" smtClean="0"/>
+              <a:t>24</a:t>
+            </a:fld>
+            <a:endParaRPr lang="en-US" dirty="0"/>
+          </a:p>
+        </p:txBody>
+      </p:sp>
+      <p:sp>
+        <p:nvSpPr>
+          <p:cNvPr id="6" name="Title 1">
+            <a:extLst>
+              <a:ext uri="{FF2B5EF4-FFF2-40B4-BE49-F238E27FC236}">
+                <a16:creationId xmlns:a16="http://schemas.microsoft.com/office/drawing/2014/main" id="{B9347263-545C-D118-E3B2-E0F15872D676}"/>
+              </a:ext>
+            </a:extLst>
+          </p:cNvPr>
+          <p:cNvSpPr>
+            <a:spLocks noGrp="1"/>
+          </p:cNvSpPr>
+          <p:nvPr>
+            <p:ph type="title"/>
+          </p:nvPr>
+        </p:nvSpPr>
+        <p:spPr>
+          <a:xfrm>
+            <a:off x="1150882" y="181304"/>
+            <a:ext cx="10980683" cy="725214"/>
+          </a:xfrm>
+          <a:ln w="57150">
+            <a:solidFill>
+              <a:schemeClr val="tx1"/>
+            </a:solidFill>
+          </a:ln>
+        </p:spPr>
+        <p:txBody>
+          <a:bodyPr/>
+          <a:lstStyle/>
+          <a:p>
+            <a:r>
+              <a:rPr lang="en-US" dirty="0"/>
+              <a:t>Model/Dataset Conclusion</a:t>
+            </a:r>
+          </a:p>
+        </p:txBody>
+      </p:sp>
+      <p:sp>
+        <p:nvSpPr>
+          <p:cNvPr id="2" name="TextBox 1">
+            <a:extLst>
+              <a:ext uri="{FF2B5EF4-FFF2-40B4-BE49-F238E27FC236}">
+                <a16:creationId xmlns:a16="http://schemas.microsoft.com/office/drawing/2014/main" id="{86842D5E-8E6F-5F58-545B-59B227A89EBF}"/>
+              </a:ext>
+            </a:extLst>
+          </p:cNvPr>
+          <p:cNvSpPr txBox="1"/>
+          <p:nvPr/>
+        </p:nvSpPr>
+        <p:spPr>
+          <a:xfrm>
+            <a:off x="1684400" y="1010948"/>
+            <a:ext cx="8699157" cy="1200329"/>
+          </a:xfrm>
+          <a:prstGeom prst="rect">
+            <a:avLst/>
+          </a:prstGeom>
+          <a:noFill/>
+        </p:spPr>
+        <p:txBody>
+          <a:bodyPr wrap="square" rtlCol="0">
+            <a:spAutoFit/>
+          </a:bodyPr>
+          <a:lstStyle/>
+          <a:p>
+            <a:r>
+              <a:rPr lang="en-US" b="1" dirty="0"/>
+              <a:t>Target Customer 3</a:t>
+            </a:r>
+            <a:r>
+              <a:rPr lang="en-US" dirty="0"/>
+              <a:t>:</a:t>
+            </a:r>
+            <a:r>
+              <a:rPr lang="en-IN" dirty="0"/>
+              <a:t>"Missed Opportunities" -big spenders that could be unlocked ---------</a:t>
+            </a:r>
+          </a:p>
+          <a:p>
+            <a:r>
+              <a:rPr lang="en-IN" dirty="0"/>
+              <a:t>- Send bundle offers encouraging volume purchases</a:t>
+            </a:r>
+          </a:p>
+          <a:p>
+            <a:r>
+              <a:rPr lang="en-IN" dirty="0"/>
+              <a:t>- Focus on missed opportunities</a:t>
+            </a:r>
+          </a:p>
+          <a:p>
+            <a:endParaRPr lang="en-US" dirty="0"/>
+          </a:p>
+        </p:txBody>
+      </p:sp>
+      <p:pic>
+        <p:nvPicPr>
+          <p:cNvPr id="7" name="Picture 6">
+            <a:extLst>
+              <a:ext uri="{FF2B5EF4-FFF2-40B4-BE49-F238E27FC236}">
+                <a16:creationId xmlns:a16="http://schemas.microsoft.com/office/drawing/2014/main" id="{FAC6DA06-4C17-C0A9-281C-74A4C488366A}"/>
+              </a:ext>
+            </a:extLst>
+          </p:cNvPr>
+          <p:cNvPicPr>
+            <a:picLocks noChangeAspect="1"/>
+          </p:cNvPicPr>
+          <p:nvPr/>
+        </p:nvPicPr>
+        <p:blipFill>
+          <a:blip r:embed="rId2"/>
+          <a:stretch>
+            <a:fillRect/>
+          </a:stretch>
+        </p:blipFill>
+        <p:spPr>
+          <a:xfrm>
+            <a:off x="1491049" y="2103781"/>
+            <a:ext cx="10025964" cy="3974541"/>
+          </a:xfrm>
+          <a:prstGeom prst="rect">
+            <a:avLst/>
+          </a:prstGeom>
+        </p:spPr>
+      </p:pic>
+    </p:spTree>
+    <p:extLst>
+      <p:ext uri="{BB962C8B-B14F-4D97-AF65-F5344CB8AC3E}">
+        <p14:creationId xmlns:p14="http://schemas.microsoft.com/office/powerpoint/2010/main" val="3074067975"/>
+      </p:ext>
+    </p:extLst>
+  </p:cSld>
+  <p:clrMapOvr>
+    <a:masterClrMapping/>
+  </p:clrMapOvr>
+</p:sld>
+</file>
+
+<file path=ppt/slides/slide25.xml><?xml version="1.0" encoding="utf-8"?>
+<p:sld xmlns:a="http://schemas.openxmlformats.org/drawingml/2006/main" xmlns:r="http://schemas.openxmlformats.org/officeDocument/2006/relationships" xmlns:p="http://schemas.openxmlformats.org/presentationml/2006/main">
+  <p:cSld>
+    <p:spTree>
+      <p:nvGrpSpPr>
+        <p:cNvPr id="1" name=""/>
+        <p:cNvGrpSpPr/>
+        <p:nvPr/>
+      </p:nvGrpSpPr>
+      <p:grpSpPr>
+        <a:xfrm>
+          <a:off x="0" y="0"/>
+          <a:ext cx="0" cy="0"/>
+          <a:chOff x="0" y="0"/>
+          <a:chExt cx="0" cy="0"/>
+        </a:xfrm>
+      </p:grpSpPr>
+      <p:sp>
+        <p:nvSpPr>
+          <p:cNvPr id="4" name="Footer Placeholder 3">
+            <a:extLst>
+              <a:ext uri="{FF2B5EF4-FFF2-40B4-BE49-F238E27FC236}">
+                <a16:creationId xmlns:a16="http://schemas.microsoft.com/office/drawing/2014/main" id="{2D6CFB7F-25BC-24B6-1D3D-84624DB20CA0}"/>
+              </a:ext>
+            </a:extLst>
+          </p:cNvPr>
+          <p:cNvSpPr>
+            <a:spLocks noGrp="1"/>
+          </p:cNvSpPr>
+          <p:nvPr>
+            <p:ph type="ftr" sz="quarter" idx="11"/>
+          </p:nvPr>
+        </p:nvSpPr>
+        <p:spPr/>
+        <p:txBody>
+          <a:bodyPr/>
+          <a:lstStyle/>
+          <a:p>
+            <a:r>
+              <a:rPr lang="en-US"/>
+              <a:t>Servesh Khandwe | Local Grocery</a:t>
+            </a:r>
+            <a:endParaRPr lang="en-US" dirty="0"/>
+          </a:p>
+        </p:txBody>
+      </p:sp>
+      <p:sp>
+        <p:nvSpPr>
+          <p:cNvPr id="5" name="Slide Number Placeholder 4">
+            <a:extLst>
+              <a:ext uri="{FF2B5EF4-FFF2-40B4-BE49-F238E27FC236}">
+                <a16:creationId xmlns:a16="http://schemas.microsoft.com/office/drawing/2014/main" id="{F00FAD1C-F3AB-8976-44A7-ADAE40D98E57}"/>
+              </a:ext>
+            </a:extLst>
+          </p:cNvPr>
+          <p:cNvSpPr>
+            <a:spLocks noGrp="1"/>
+          </p:cNvSpPr>
+          <p:nvPr>
+            <p:ph type="sldNum" sz="quarter" idx="12"/>
+          </p:nvPr>
+        </p:nvSpPr>
+        <p:spPr/>
+        <p:txBody>
+          <a:bodyPr/>
+          <a:lstStyle/>
+          <a:p>
+            <a:fld id="{69E57DC2-970A-4B3E-BB1C-7A09969E49DF}" type="slidenum">
+              <a:rPr lang="en-US" smtClean="0"/>
+              <a:t>25</a:t>
+            </a:fld>
+            <a:endParaRPr lang="en-US" dirty="0"/>
+          </a:p>
+        </p:txBody>
+      </p:sp>
+      <p:sp>
+        <p:nvSpPr>
+          <p:cNvPr id="6" name="Title 1">
+            <a:extLst>
+              <a:ext uri="{FF2B5EF4-FFF2-40B4-BE49-F238E27FC236}">
+                <a16:creationId xmlns:a16="http://schemas.microsoft.com/office/drawing/2014/main" id="{B9347263-545C-D118-E3B2-E0F15872D676}"/>
+              </a:ext>
+            </a:extLst>
+          </p:cNvPr>
+          <p:cNvSpPr>
+            <a:spLocks noGrp="1"/>
+          </p:cNvSpPr>
+          <p:nvPr>
+            <p:ph type="title"/>
+          </p:nvPr>
+        </p:nvSpPr>
+        <p:spPr>
+          <a:xfrm>
+            <a:off x="1150882" y="181304"/>
+            <a:ext cx="10980683" cy="725214"/>
+          </a:xfrm>
+          <a:ln w="57150">
+            <a:solidFill>
+              <a:schemeClr val="tx1"/>
+            </a:solidFill>
+          </a:ln>
+        </p:spPr>
+        <p:txBody>
+          <a:bodyPr/>
+          <a:lstStyle/>
+          <a:p>
+            <a:r>
+              <a:rPr lang="en-US" dirty="0"/>
+              <a:t>Localite</a:t>
+            </a:r>
+          </a:p>
+        </p:txBody>
+      </p:sp>
+      <p:sp>
+        <p:nvSpPr>
+          <p:cNvPr id="8" name="TextBox 7">
+            <a:extLst>
+              <a:ext uri="{FF2B5EF4-FFF2-40B4-BE49-F238E27FC236}">
+                <a16:creationId xmlns:a16="http://schemas.microsoft.com/office/drawing/2014/main" id="{636B19D9-4263-68AD-3959-B8D85534B84C}"/>
+              </a:ext>
+            </a:extLst>
+          </p:cNvPr>
+          <p:cNvSpPr txBox="1"/>
+          <p:nvPr/>
+        </p:nvSpPr>
+        <p:spPr>
+          <a:xfrm>
+            <a:off x="1507524" y="1252151"/>
+            <a:ext cx="8236037" cy="3139321"/>
+          </a:xfrm>
+          <a:prstGeom prst="rect">
+            <a:avLst/>
+          </a:prstGeom>
+          <a:noFill/>
+        </p:spPr>
+        <p:txBody>
+          <a:bodyPr wrap="none" rtlCol="0">
+            <a:spAutoFit/>
+          </a:bodyPr>
+          <a:lstStyle/>
+          <a:p>
+            <a:r>
+              <a:rPr lang="en-US" dirty="0"/>
+              <a:t>There are 2 versions of Localite that will release a total of 1000 promotional offers</a:t>
+            </a:r>
+          </a:p>
+          <a:p>
+            <a:pPr marL="800100" lvl="1" indent="-342900">
+              <a:buFont typeface="+mj-lt"/>
+              <a:buAutoNum type="arabicPeriod"/>
+            </a:pPr>
+            <a:endParaRPr lang="en-US" dirty="0">
+              <a:solidFill>
+                <a:schemeClr val="accent6">
+                  <a:lumMod val="50000"/>
+                </a:schemeClr>
+              </a:solidFill>
+            </a:endParaRPr>
+          </a:p>
+          <a:p>
+            <a:pPr marL="800100" lvl="1" indent="-342900">
+              <a:buFont typeface="+mj-lt"/>
+              <a:buAutoNum type="arabicPeriod"/>
+            </a:pPr>
+            <a:r>
+              <a:rPr lang="en-US" dirty="0">
+                <a:solidFill>
+                  <a:schemeClr val="accent6">
+                    <a:lumMod val="50000"/>
+                  </a:schemeClr>
+                </a:solidFill>
+              </a:rPr>
+              <a:t>First 500 offers will go to the targeted customers – 1</a:t>
+            </a:r>
+          </a:p>
+          <a:p>
+            <a:pPr marL="1257300" lvl="2" indent="-342900">
+              <a:buFont typeface="+mj-lt"/>
+              <a:buAutoNum type="arabicPeriod"/>
+            </a:pPr>
+            <a:r>
+              <a:rPr lang="en-US" dirty="0"/>
+              <a:t>Regular customers - Good pred_spend and high frequency</a:t>
+            </a:r>
+          </a:p>
+          <a:p>
+            <a:pPr marL="1257300" lvl="2" indent="-342900">
+              <a:buFont typeface="+mj-lt"/>
+              <a:buAutoNum type="arabicPeriod"/>
+            </a:pPr>
+            <a:r>
+              <a:rPr lang="en-US" dirty="0"/>
+              <a:t>A discount offer on repeated items (after achieving desired frequency)</a:t>
+            </a:r>
+          </a:p>
+          <a:p>
+            <a:pPr marL="1257300" lvl="2" indent="-342900">
+              <a:buFont typeface="+mj-lt"/>
+              <a:buAutoNum type="arabicPeriod"/>
+            </a:pPr>
+            <a:r>
+              <a:rPr lang="en-US" dirty="0"/>
+              <a:t>The count feature!!  </a:t>
+            </a:r>
+          </a:p>
+          <a:p>
+            <a:pPr marL="1257300" lvl="2" indent="-342900">
+              <a:buFont typeface="+mj-lt"/>
+              <a:buAutoNum type="arabicPeriod"/>
+            </a:pPr>
+            <a:r>
+              <a:rPr lang="en-US" dirty="0"/>
+              <a:t>A big gift at the end of the year</a:t>
+            </a:r>
+          </a:p>
+          <a:p>
+            <a:pPr lvl="2"/>
+            <a:endParaRPr lang="en-US" dirty="0"/>
+          </a:p>
+          <a:p>
+            <a:pPr lvl="1"/>
+            <a:r>
+              <a:rPr lang="en-US" dirty="0">
+                <a:solidFill>
+                  <a:srgbClr val="7030A0"/>
+                </a:solidFill>
+              </a:rPr>
+              <a:t>2. Second 500 offers will go to the targeted customers – 2 	</a:t>
+            </a:r>
+          </a:p>
+          <a:p>
+            <a:pPr lvl="1"/>
+            <a:r>
+              <a:rPr lang="en-US" dirty="0">
+                <a:solidFill>
+                  <a:srgbClr val="7030A0"/>
+                </a:solidFill>
+              </a:rPr>
+              <a:t>	</a:t>
+            </a:r>
+            <a:r>
+              <a:rPr lang="en-US" dirty="0"/>
+              <a:t>1.   High spenders, have high spend probability and have high frequency  </a:t>
+            </a:r>
+          </a:p>
+          <a:p>
+            <a:pPr lvl="1"/>
+            <a:r>
+              <a:rPr lang="en-US" dirty="0">
+                <a:solidFill>
+                  <a:srgbClr val="7030A0"/>
+                </a:solidFill>
+              </a:rPr>
+              <a:t>	</a:t>
+            </a:r>
+            <a:r>
+              <a:rPr lang="en-US" dirty="0"/>
+              <a:t>2.   Emailing </a:t>
+            </a:r>
+          </a:p>
+        </p:txBody>
+      </p:sp>
+    </p:spTree>
+    <p:extLst>
+      <p:ext uri="{BB962C8B-B14F-4D97-AF65-F5344CB8AC3E}">
+        <p14:creationId xmlns:p14="http://schemas.microsoft.com/office/powerpoint/2010/main" val="4250243369"/>
+      </p:ext>
+    </p:extLst>
+  </p:cSld>
+  <p:clrMapOvr>
+    <a:masterClrMapping/>
+  </p:clrMapOvr>
+</p:sld>
+</file>
+
+<file path=ppt/slides/slide26.xml><?xml version="1.0" encoding="utf-8"?>
+<p:sld xmlns:a="http://schemas.openxmlformats.org/drawingml/2006/main" xmlns:r="http://schemas.openxmlformats.org/officeDocument/2006/relationships" xmlns:p="http://schemas.openxmlformats.org/presentationml/2006/main">
+  <p:cSld>
+    <p:spTree>
+      <p:nvGrpSpPr>
+        <p:cNvPr id="1" name=""/>
+        <p:cNvGrpSpPr/>
+        <p:nvPr/>
+      </p:nvGrpSpPr>
+      <p:grpSpPr>
+        <a:xfrm>
+          <a:off x="0" y="0"/>
+          <a:ext cx="0" cy="0"/>
+          <a:chOff x="0" y="0"/>
+          <a:chExt cx="0" cy="0"/>
+        </a:xfrm>
+      </p:grpSpPr>
+      <p:sp>
+        <p:nvSpPr>
+          <p:cNvPr id="4" name="Footer Placeholder 3">
+            <a:extLst>
+              <a:ext uri="{FF2B5EF4-FFF2-40B4-BE49-F238E27FC236}">
+                <a16:creationId xmlns:a16="http://schemas.microsoft.com/office/drawing/2014/main" id="{ED9FE2A2-F4A3-9FA9-C181-C2FB76B070B5}"/>
+              </a:ext>
+            </a:extLst>
+          </p:cNvPr>
+          <p:cNvSpPr>
+            <a:spLocks noGrp="1"/>
+          </p:cNvSpPr>
+          <p:nvPr>
+            <p:ph type="ftr" sz="quarter" idx="11"/>
+          </p:nvPr>
+        </p:nvSpPr>
+        <p:spPr/>
+        <p:txBody>
+          <a:bodyPr/>
+          <a:lstStyle/>
+          <a:p>
+            <a:r>
+              <a:rPr lang="en-US"/>
+              <a:t>Servesh Khandwe | Local Grocery</a:t>
+            </a:r>
+            <a:endParaRPr lang="en-US" dirty="0"/>
+          </a:p>
+        </p:txBody>
+      </p:sp>
+      <p:sp>
+        <p:nvSpPr>
+          <p:cNvPr id="5" name="Slide Number Placeholder 4">
+            <a:extLst>
+              <a:ext uri="{FF2B5EF4-FFF2-40B4-BE49-F238E27FC236}">
+                <a16:creationId xmlns:a16="http://schemas.microsoft.com/office/drawing/2014/main" id="{FA88F631-FCE8-0692-EC32-449492CE5BEF}"/>
+              </a:ext>
+            </a:extLst>
+          </p:cNvPr>
+          <p:cNvSpPr>
+            <a:spLocks noGrp="1"/>
+          </p:cNvSpPr>
+          <p:nvPr>
+            <p:ph type="sldNum" sz="quarter" idx="12"/>
+          </p:nvPr>
+        </p:nvSpPr>
+        <p:spPr/>
+        <p:txBody>
+          <a:bodyPr/>
+          <a:lstStyle/>
+          <a:p>
+            <a:fld id="{69E57DC2-970A-4B3E-BB1C-7A09969E49DF}" type="slidenum">
+              <a:rPr lang="en-US" smtClean="0"/>
+              <a:t>26</a:t>
+            </a:fld>
+            <a:endParaRPr lang="en-US" dirty="0"/>
+          </a:p>
+        </p:txBody>
+      </p:sp>
+      <p:pic>
+        <p:nvPicPr>
+          <p:cNvPr id="6" name="Picture 5">
+            <a:extLst>
+              <a:ext uri="{FF2B5EF4-FFF2-40B4-BE49-F238E27FC236}">
+                <a16:creationId xmlns:a16="http://schemas.microsoft.com/office/drawing/2014/main" id="{6A484487-3BBA-199F-3E27-55C8D1A8C24E}"/>
+              </a:ext>
+            </a:extLst>
+          </p:cNvPr>
+          <p:cNvPicPr>
+            <a:picLocks noChangeAspect="1"/>
+          </p:cNvPicPr>
+          <p:nvPr/>
+        </p:nvPicPr>
+        <p:blipFill>
+          <a:blip r:embed="rId2"/>
+          <a:stretch>
+            <a:fillRect/>
+          </a:stretch>
+        </p:blipFill>
+        <p:spPr>
+          <a:xfrm>
+            <a:off x="842740" y="609599"/>
+            <a:ext cx="11191798" cy="4695569"/>
+          </a:xfrm>
+          <a:prstGeom prst="rect">
+            <a:avLst/>
+          </a:prstGeom>
+        </p:spPr>
+      </p:pic>
+    </p:spTree>
+    <p:extLst>
+      <p:ext uri="{BB962C8B-B14F-4D97-AF65-F5344CB8AC3E}">
+        <p14:creationId xmlns:p14="http://schemas.microsoft.com/office/powerpoint/2010/main" val="1932291727"/>
+      </p:ext>
+    </p:extLst>
+  </p:cSld>
+  <p:clrMapOvr>
+    <a:masterClrMapping/>
+  </p:clrMapOvr>
+</p:sld>
+</file>
+
+<file path=ppt/slides/slide27.xml><?xml version="1.0" encoding="utf-8"?>
+<p:sld xmlns:a="http://schemas.openxmlformats.org/drawingml/2006/main" xmlns:r="http://schemas.openxmlformats.org/officeDocument/2006/relationships" xmlns:p="http://schemas.openxmlformats.org/presentationml/2006/main">
+  <p:cSld>
+    <p:spTree>
+      <p:nvGrpSpPr>
+        <p:cNvPr id="1" name=""/>
+        <p:cNvGrpSpPr/>
+        <p:nvPr/>
+      </p:nvGrpSpPr>
+      <p:grpSpPr>
+        <a:xfrm>
+          <a:off x="0" y="0"/>
+          <a:ext cx="0" cy="0"/>
+          <a:chOff x="0" y="0"/>
+          <a:chExt cx="0" cy="0"/>
+        </a:xfrm>
+      </p:grpSpPr>
+      <p:sp>
+        <p:nvSpPr>
+          <p:cNvPr id="4" name="Footer Placeholder 3">
+            <a:extLst>
+              <a:ext uri="{FF2B5EF4-FFF2-40B4-BE49-F238E27FC236}">
+                <a16:creationId xmlns:a16="http://schemas.microsoft.com/office/drawing/2014/main" id="{ED9FE2A2-F4A3-9FA9-C181-C2FB76B070B5}"/>
+              </a:ext>
+            </a:extLst>
+          </p:cNvPr>
+          <p:cNvSpPr>
+            <a:spLocks noGrp="1"/>
+          </p:cNvSpPr>
+          <p:nvPr>
+            <p:ph type="ftr" sz="quarter" idx="11"/>
+          </p:nvPr>
+        </p:nvSpPr>
+        <p:spPr/>
+        <p:txBody>
+          <a:bodyPr/>
+          <a:lstStyle/>
+          <a:p>
+            <a:r>
+              <a:rPr lang="en-US"/>
+              <a:t>Servesh Khandwe | Local Grocery</a:t>
+            </a:r>
+            <a:endParaRPr lang="en-US" dirty="0"/>
+          </a:p>
+        </p:txBody>
+      </p:sp>
+      <p:sp>
+        <p:nvSpPr>
+          <p:cNvPr id="5" name="Slide Number Placeholder 4">
+            <a:extLst>
+              <a:ext uri="{FF2B5EF4-FFF2-40B4-BE49-F238E27FC236}">
+                <a16:creationId xmlns:a16="http://schemas.microsoft.com/office/drawing/2014/main" id="{FA88F631-FCE8-0692-EC32-449492CE5BEF}"/>
+              </a:ext>
+            </a:extLst>
+          </p:cNvPr>
+          <p:cNvSpPr>
+            <a:spLocks noGrp="1"/>
+          </p:cNvSpPr>
+          <p:nvPr>
+            <p:ph type="sldNum" sz="quarter" idx="12"/>
+          </p:nvPr>
+        </p:nvSpPr>
+        <p:spPr/>
+        <p:txBody>
+          <a:bodyPr/>
+          <a:lstStyle/>
+          <a:p>
+            <a:fld id="{69E57DC2-970A-4B3E-BB1C-7A09969E49DF}" type="slidenum">
+              <a:rPr lang="en-US" smtClean="0"/>
+              <a:t>27</a:t>
+            </a:fld>
+            <a:endParaRPr lang="en-US" dirty="0"/>
+          </a:p>
+        </p:txBody>
+      </p:sp>
+      <p:pic>
+        <p:nvPicPr>
+          <p:cNvPr id="2" name="Picture 1">
+            <a:extLst>
+              <a:ext uri="{FF2B5EF4-FFF2-40B4-BE49-F238E27FC236}">
+                <a16:creationId xmlns:a16="http://schemas.microsoft.com/office/drawing/2014/main" id="{17A4CA75-59D6-6893-86CA-195340FD6DA2}"/>
+              </a:ext>
+            </a:extLst>
+          </p:cNvPr>
+          <p:cNvPicPr>
+            <a:picLocks noChangeAspect="1"/>
+          </p:cNvPicPr>
+          <p:nvPr/>
+        </p:nvPicPr>
+        <p:blipFill>
+          <a:blip r:embed="rId2"/>
+          <a:stretch>
+            <a:fillRect/>
+          </a:stretch>
+        </p:blipFill>
+        <p:spPr>
+          <a:xfrm>
+            <a:off x="799070" y="377383"/>
+            <a:ext cx="11294076" cy="5735439"/>
+          </a:xfrm>
+          <a:prstGeom prst="rect">
+            <a:avLst/>
+          </a:prstGeom>
+        </p:spPr>
+      </p:pic>
+    </p:spTree>
+    <p:extLst>
+      <p:ext uri="{BB962C8B-B14F-4D97-AF65-F5344CB8AC3E}">
+        <p14:creationId xmlns:p14="http://schemas.microsoft.com/office/powerpoint/2010/main" val="2395834501"/>
+      </p:ext>
+    </p:extLst>
+  </p:cSld>
+  <p:clrMapOvr>
+    <a:masterClrMapping/>
+  </p:clrMapOvr>
+</p:sld>
+</file>
+
+<file path=ppt/slides/slide28.xml><?xml version="1.0" encoding="utf-8"?>
+<p:sld xmlns:a="http://schemas.openxmlformats.org/drawingml/2006/main" xmlns:r="http://schemas.openxmlformats.org/officeDocument/2006/relationships" xmlns:p="http://schemas.openxmlformats.org/presentationml/2006/main">
+  <p:cSld>
+    <p:spTree>
+      <p:nvGrpSpPr>
+        <p:cNvPr id="1" name=""/>
+        <p:cNvGrpSpPr/>
+        <p:nvPr/>
+      </p:nvGrpSpPr>
+      <p:grpSpPr>
+        <a:xfrm>
+          <a:off x="0" y="0"/>
+          <a:ext cx="0" cy="0"/>
+          <a:chOff x="0" y="0"/>
+          <a:chExt cx="0" cy="0"/>
+        </a:xfrm>
+      </p:grpSpPr>
+      <p:sp>
+        <p:nvSpPr>
+          <p:cNvPr id="4" name="Footer Placeholder 3">
+            <a:extLst>
+              <a:ext uri="{FF2B5EF4-FFF2-40B4-BE49-F238E27FC236}">
+                <a16:creationId xmlns:a16="http://schemas.microsoft.com/office/drawing/2014/main" id="{9D121505-968F-6CA6-FB8A-71703661C677}"/>
+              </a:ext>
+            </a:extLst>
+          </p:cNvPr>
+          <p:cNvSpPr>
+            <a:spLocks noGrp="1"/>
+          </p:cNvSpPr>
+          <p:nvPr>
+            <p:ph type="ftr" sz="quarter" idx="11"/>
+          </p:nvPr>
+        </p:nvSpPr>
+        <p:spPr/>
+        <p:txBody>
+          <a:bodyPr/>
+          <a:lstStyle/>
+          <a:p>
+            <a:r>
+              <a:rPr lang="en-US"/>
+              <a:t>Servesh Khandwe | Local Grocery</a:t>
+            </a:r>
+            <a:endParaRPr lang="en-US" dirty="0"/>
+          </a:p>
+        </p:txBody>
+      </p:sp>
+      <p:sp>
+        <p:nvSpPr>
+          <p:cNvPr id="5" name="Slide Number Placeholder 4">
+            <a:extLst>
+              <a:ext uri="{FF2B5EF4-FFF2-40B4-BE49-F238E27FC236}">
+                <a16:creationId xmlns:a16="http://schemas.microsoft.com/office/drawing/2014/main" id="{6688D165-DE73-919E-9ADE-965ECB896DA4}"/>
+              </a:ext>
+            </a:extLst>
+          </p:cNvPr>
+          <p:cNvSpPr>
+            <a:spLocks noGrp="1"/>
+          </p:cNvSpPr>
+          <p:nvPr>
+            <p:ph type="sldNum" sz="quarter" idx="12"/>
+          </p:nvPr>
+        </p:nvSpPr>
+        <p:spPr/>
+        <p:txBody>
+          <a:bodyPr/>
+          <a:lstStyle/>
+          <a:p>
+            <a:fld id="{69E57DC2-970A-4B3E-BB1C-7A09969E49DF}" type="slidenum">
+              <a:rPr lang="en-US" smtClean="0"/>
+              <a:t>28</a:t>
+            </a:fld>
+            <a:endParaRPr lang="en-US" dirty="0"/>
+          </a:p>
+        </p:txBody>
+      </p:sp>
+      <p:sp>
+        <p:nvSpPr>
+          <p:cNvPr id="6" name="TextBox 5">
+            <a:extLst>
+              <a:ext uri="{FF2B5EF4-FFF2-40B4-BE49-F238E27FC236}">
+                <a16:creationId xmlns:a16="http://schemas.microsoft.com/office/drawing/2014/main" id="{B4C2657F-F2B6-BA72-A7F7-E3F94C49E023}"/>
+              </a:ext>
+            </a:extLst>
+          </p:cNvPr>
+          <p:cNvSpPr txBox="1"/>
+          <p:nvPr/>
+        </p:nvSpPr>
+        <p:spPr>
+          <a:xfrm>
+            <a:off x="5201917" y="1952368"/>
+            <a:ext cx="2291333" cy="923330"/>
+          </a:xfrm>
+          <a:prstGeom prst="rect">
+            <a:avLst/>
+          </a:prstGeom>
+          <a:noFill/>
+        </p:spPr>
+        <p:txBody>
+          <a:bodyPr wrap="none" rtlCol="0">
+            <a:spAutoFit/>
+          </a:bodyPr>
+          <a:lstStyle/>
+          <a:p>
+            <a:r>
+              <a:rPr lang="en-US" sz="3600" dirty="0"/>
+              <a:t>Thank you </a:t>
+            </a:r>
+          </a:p>
+          <a:p>
+            <a:endParaRPr lang="en-US" dirty="0"/>
+          </a:p>
+        </p:txBody>
+      </p:sp>
+      <p:sp>
+        <p:nvSpPr>
+          <p:cNvPr id="7" name="TextBox 6">
+            <a:extLst>
+              <a:ext uri="{FF2B5EF4-FFF2-40B4-BE49-F238E27FC236}">
+                <a16:creationId xmlns:a16="http://schemas.microsoft.com/office/drawing/2014/main" id="{5F1407E2-011D-18CC-4FE4-FC00C2A43615}"/>
+              </a:ext>
+            </a:extLst>
+          </p:cNvPr>
+          <p:cNvSpPr txBox="1"/>
+          <p:nvPr/>
+        </p:nvSpPr>
+        <p:spPr>
+          <a:xfrm>
+            <a:off x="5630443" y="2506366"/>
+            <a:ext cx="1276311" cy="369332"/>
+          </a:xfrm>
+          <a:prstGeom prst="rect">
+            <a:avLst/>
+          </a:prstGeom>
+          <a:noFill/>
+        </p:spPr>
+        <p:txBody>
+          <a:bodyPr wrap="none" rtlCol="0">
+            <a:spAutoFit/>
+          </a:bodyPr>
+          <a:lstStyle/>
+          <a:p>
+            <a:r>
+              <a:rPr lang="en-US" dirty="0"/>
+              <a:t>Questions?</a:t>
+            </a:r>
+          </a:p>
+        </p:txBody>
+      </p:sp>
+    </p:spTree>
+    <p:extLst>
+      <p:ext uri="{BB962C8B-B14F-4D97-AF65-F5344CB8AC3E}">
+        <p14:creationId xmlns:p14="http://schemas.microsoft.com/office/powerpoint/2010/main" val="945027622"/>
+      </p:ext>
+    </p:extLst>
+  </p:cSld>
+  <p:clrMapOvr>
+    <a:masterClrMapping/>
+  </p:clrMapOvr>
+</p:sld>
+</file>
+
 <file path=ppt/slides/slide3.xml><?xml version="1.0" encoding="utf-8"?>
 <p:sld xmlns:a="http://schemas.openxmlformats.org/drawingml/2006/main" xmlns:r="http://schemas.openxmlformats.org/officeDocument/2006/relationships" xmlns:p="http://schemas.openxmlformats.org/presentationml/2006/main">
   <p:cSld>
@@ -6139,7 +9404,7 @@
           <a:p>
             <a:r>
               <a:rPr lang="en-US" dirty="0"/>
-              <a:t>Creating a dataset</a:t>
+              <a:t>Content</a:t>
             </a:r>
           </a:p>
         </p:txBody>
@@ -6158,8 +9423,8 @@
         </p:nvSpPr>
         <p:spPr>
           <a:xfrm>
-            <a:off x="1408671" y="1433384"/>
-            <a:ext cx="3220994" cy="369332"/>
+            <a:off x="1631092" y="1787611"/>
+            <a:ext cx="7841644" cy="3970318"/>
           </a:xfrm>
           <a:prstGeom prst="rect">
             <a:avLst/>
@@ -6172,199 +9437,9 @@
           </a:bodyPr>
           <a:lstStyle/>
           <a:p>
-            <a:pPr algn="ctr"/>
-            <a:r>
-              <a:rPr lang="en-US" dirty="0"/>
-              <a:t>Merging the datasets into one</a:t>
-            </a:r>
-          </a:p>
-        </p:txBody>
-      </p:sp>
-      <p:cxnSp>
-        <p:nvCxnSpPr>
-          <p:cNvPr id="3" name="Straight Arrow Connector 2">
-            <a:extLst>
-              <a:ext uri="{FF2B5EF4-FFF2-40B4-BE49-F238E27FC236}">
-                <a16:creationId xmlns:a16="http://schemas.microsoft.com/office/drawing/2014/main" id="{5BFFAE72-96EC-59CB-13B2-132B141803D6}"/>
-              </a:ext>
-            </a:extLst>
-          </p:cNvPr>
-          <p:cNvCxnSpPr>
-            <a:stCxn id="7" idx="2"/>
-          </p:cNvCxnSpPr>
-          <p:nvPr/>
-        </p:nvCxnSpPr>
-        <p:spPr>
-          <a:xfrm>
-            <a:off x="3019168" y="1802716"/>
-            <a:ext cx="0" cy="462689"/>
-          </a:xfrm>
-          <a:prstGeom prst="straightConnector1">
-            <a:avLst/>
-          </a:prstGeom>
-          <a:ln>
-            <a:tailEnd type="triangle"/>
-          </a:ln>
-        </p:spPr>
-        <p:style>
-          <a:lnRef idx="1">
-            <a:schemeClr val="accent1"/>
-          </a:lnRef>
-          <a:fillRef idx="0">
-            <a:schemeClr val="accent1"/>
-          </a:fillRef>
-          <a:effectRef idx="0">
-            <a:schemeClr val="accent1"/>
-          </a:effectRef>
-          <a:fontRef idx="minor">
-            <a:schemeClr val="tx1"/>
-          </a:fontRef>
-        </p:style>
-      </p:cxnSp>
-      <p:sp>
-        <p:nvSpPr>
-          <p:cNvPr id="8" name="TextBox 7">
-            <a:extLst>
-              <a:ext uri="{FF2B5EF4-FFF2-40B4-BE49-F238E27FC236}">
-                <a16:creationId xmlns:a16="http://schemas.microsoft.com/office/drawing/2014/main" id="{D262D7B7-A982-1223-089A-E664D62846D4}"/>
-              </a:ext>
-            </a:extLst>
-          </p:cNvPr>
-          <p:cNvSpPr txBox="1"/>
-          <p:nvPr/>
-        </p:nvSpPr>
-        <p:spPr>
-          <a:xfrm>
-            <a:off x="1408671" y="2172048"/>
-            <a:ext cx="3220994" cy="369332"/>
-          </a:xfrm>
-          <a:prstGeom prst="rect">
-            <a:avLst/>
-          </a:prstGeom>
-          <a:noFill/>
-        </p:spPr>
-        <p:txBody>
-          <a:bodyPr wrap="square" rtlCol="0">
-            <a:spAutoFit/>
-          </a:bodyPr>
-          <a:lstStyle/>
-          <a:p>
-            <a:pPr algn="ctr"/>
-            <a:r>
-              <a:rPr lang="en-US" dirty="0"/>
-              <a:t>Setting date into right format</a:t>
-            </a:r>
-          </a:p>
-        </p:txBody>
-      </p:sp>
-      <p:cxnSp>
-        <p:nvCxnSpPr>
-          <p:cNvPr id="9" name="Straight Arrow Connector 8">
-            <a:extLst>
-              <a:ext uri="{FF2B5EF4-FFF2-40B4-BE49-F238E27FC236}">
-                <a16:creationId xmlns:a16="http://schemas.microsoft.com/office/drawing/2014/main" id="{81573162-DDE9-AFD7-B652-A58DB2F41343}"/>
-              </a:ext>
-            </a:extLst>
-          </p:cNvPr>
-          <p:cNvCxnSpPr/>
-          <p:nvPr/>
-        </p:nvCxnSpPr>
-        <p:spPr>
-          <a:xfrm>
-            <a:off x="3019168" y="2541380"/>
-            <a:ext cx="0" cy="462689"/>
-          </a:xfrm>
-          <a:prstGeom prst="straightConnector1">
-            <a:avLst/>
-          </a:prstGeom>
-          <a:ln>
-            <a:tailEnd type="triangle"/>
-          </a:ln>
-        </p:spPr>
-        <p:style>
-          <a:lnRef idx="1">
-            <a:schemeClr val="accent1"/>
-          </a:lnRef>
-          <a:fillRef idx="0">
-            <a:schemeClr val="accent1"/>
-          </a:fillRef>
-          <a:effectRef idx="0">
-            <a:schemeClr val="accent1"/>
-          </a:effectRef>
-          <a:fontRef idx="minor">
-            <a:schemeClr val="tx1"/>
-          </a:fontRef>
-        </p:style>
-      </p:cxnSp>
-      <p:sp>
-        <p:nvSpPr>
-          <p:cNvPr id="10" name="TextBox 9">
-            <a:extLst>
-              <a:ext uri="{FF2B5EF4-FFF2-40B4-BE49-F238E27FC236}">
-                <a16:creationId xmlns:a16="http://schemas.microsoft.com/office/drawing/2014/main" id="{D6CA707B-CAE4-D146-2AB8-105EA30CA72F}"/>
-              </a:ext>
-            </a:extLst>
-          </p:cNvPr>
-          <p:cNvSpPr txBox="1"/>
-          <p:nvPr/>
-        </p:nvSpPr>
-        <p:spPr>
-          <a:xfrm>
-            <a:off x="1408671" y="2973376"/>
-            <a:ext cx="3220994" cy="369332"/>
-          </a:xfrm>
-          <a:prstGeom prst="rect">
-            <a:avLst/>
-          </a:prstGeom>
-          <a:noFill/>
-        </p:spPr>
-        <p:txBody>
-          <a:bodyPr wrap="square" rtlCol="0">
-            <a:spAutoFit/>
-          </a:bodyPr>
-          <a:lstStyle/>
-          <a:p>
-            <a:pPr algn="ctr"/>
-            <a:r>
-              <a:rPr lang="en-US" dirty="0">
-                <a:solidFill>
-                  <a:srgbClr val="7030A0"/>
-                </a:solidFill>
-              </a:rPr>
-              <a:t>Customers Initial Purchases</a:t>
-            </a:r>
-          </a:p>
-        </p:txBody>
-      </p:sp>
-      <p:sp>
-        <p:nvSpPr>
-          <p:cNvPr id="11" name="TextBox 10">
-            <a:extLst>
-              <a:ext uri="{FF2B5EF4-FFF2-40B4-BE49-F238E27FC236}">
-                <a16:creationId xmlns:a16="http://schemas.microsoft.com/office/drawing/2014/main" id="{8749CBA2-B763-2CBC-E687-4702FC102153}"/>
-              </a:ext>
-            </a:extLst>
-          </p:cNvPr>
-          <p:cNvSpPr txBox="1"/>
-          <p:nvPr/>
-        </p:nvSpPr>
-        <p:spPr>
-          <a:xfrm>
-            <a:off x="1408671" y="3781216"/>
-            <a:ext cx="3220994" cy="369332"/>
-          </a:xfrm>
-          <a:prstGeom prst="rect">
-            <a:avLst/>
-          </a:prstGeom>
-          <a:noFill/>
-        </p:spPr>
-        <p:txBody>
-          <a:bodyPr wrap="square" rtlCol="0">
-            <a:spAutoFit/>
-          </a:bodyPr>
-          <a:lstStyle/>
-          <a:p>
-            <a:pPr algn="ctr"/>
+            <a:pPr marL="342900" indent="-342900">
+              <a:buAutoNum type="arabicPeriod"/>
+            </a:pPr>
             <a:r>
               <a:rPr lang="en-US" dirty="0">
                 <a:solidFill>
@@ -6373,126 +9448,144 @@
                   </a:schemeClr>
                 </a:solidFill>
               </a:rPr>
-              <a:t>Selecting 10 customers </a:t>
-            </a:r>
-          </a:p>
-        </p:txBody>
-      </p:sp>
-      <p:cxnSp>
-        <p:nvCxnSpPr>
-          <p:cNvPr id="12" name="Straight Arrow Connector 11">
-            <a:extLst>
-              <a:ext uri="{FF2B5EF4-FFF2-40B4-BE49-F238E27FC236}">
-                <a16:creationId xmlns:a16="http://schemas.microsoft.com/office/drawing/2014/main" id="{55145023-D297-B5A0-8213-AA3E15123C52}"/>
-              </a:ext>
-            </a:extLst>
-          </p:cNvPr>
-          <p:cNvCxnSpPr/>
+              <a:t>Creating a dataset</a:t>
+            </a:r>
+          </a:p>
+          <a:p>
+            <a:pPr marL="342900" indent="-342900">
+              <a:buAutoNum type="arabicPeriod"/>
+            </a:pPr>
+            <a:r>
+              <a:rPr lang="en-US" dirty="0"/>
+              <a:t>Machine Learning</a:t>
+            </a:r>
+          </a:p>
+          <a:p>
+            <a:r>
+              <a:rPr lang="en-US" dirty="0"/>
+              <a:t>	2.1 Training and testing dataset</a:t>
+            </a:r>
+          </a:p>
+          <a:p>
+            <a:r>
+              <a:rPr lang="en-US" dirty="0"/>
+              <a:t>	2.2 Feature Engineering</a:t>
+            </a:r>
+          </a:p>
+          <a:p>
+            <a:r>
+              <a:rPr lang="en-US" dirty="0"/>
+              <a:t>	2.3 Model1 (Regression)</a:t>
+            </a:r>
+          </a:p>
+          <a:p>
+            <a:r>
+              <a:rPr lang="en-US" dirty="0"/>
+              <a:t>	2.4 Model2 (Classification)</a:t>
+            </a:r>
+          </a:p>
+          <a:p>
+            <a:r>
+              <a:rPr lang="en-US" dirty="0"/>
+              <a:t>	2.5 Feature Importance</a:t>
+            </a:r>
+          </a:p>
+          <a:p>
+            <a:pPr marL="342900" indent="-342900">
+              <a:buAutoNum type="arabicPeriod" startAt="3"/>
+            </a:pPr>
+            <a:r>
+              <a:rPr lang="en-US" dirty="0"/>
+              <a:t>Model/dataset Conclusion </a:t>
+            </a:r>
+          </a:p>
+          <a:p>
+            <a:pPr lvl="1"/>
+            <a:r>
+              <a:rPr lang="en-US" dirty="0"/>
+              <a:t>3.1 Target customers 1</a:t>
+            </a:r>
+          </a:p>
+          <a:p>
+            <a:pPr lvl="1"/>
+            <a:r>
+              <a:rPr lang="en-US" dirty="0"/>
+              <a:t>3.2 Target customers 2</a:t>
+            </a:r>
+          </a:p>
+          <a:p>
+            <a:pPr lvl="1"/>
+            <a:r>
+              <a:rPr lang="en-US" dirty="0"/>
+              <a:t>3.3 Target customers 3</a:t>
+            </a:r>
+          </a:p>
+          <a:p>
+            <a:pPr lvl="1"/>
+            <a:endParaRPr lang="en-US" dirty="0"/>
+          </a:p>
+          <a:p>
+            <a:endParaRPr lang="en-US" dirty="0"/>
+          </a:p>
+          <a:p>
+            <a:endParaRPr lang="en-US" dirty="0"/>
+          </a:p>
+        </p:txBody>
+      </p:sp>
+      <p:sp>
+        <p:nvSpPr>
+          <p:cNvPr id="2" name="Frame 1">
+            <a:extLst>
+              <a:ext uri="{FF2B5EF4-FFF2-40B4-BE49-F238E27FC236}">
+                <a16:creationId xmlns:a16="http://schemas.microsoft.com/office/drawing/2014/main" id="{E7E4CB6B-3B1B-ADB0-AD50-7F4BBBE4BA69}"/>
+              </a:ext>
+            </a:extLst>
+          </p:cNvPr>
+          <p:cNvSpPr/>
           <p:nvPr/>
-        </p:nvCxnSpPr>
-        <p:spPr>
-          <a:xfrm>
-            <a:off x="3035644" y="3318527"/>
-            <a:ext cx="0" cy="462689"/>
-          </a:xfrm>
-          <a:prstGeom prst="straightConnector1">
+        </p:nvSpPr>
+        <p:spPr>
+          <a:xfrm>
+            <a:off x="1631092" y="1845276"/>
+            <a:ext cx="2314832" cy="304800"/>
+          </a:xfrm>
+          <a:prstGeom prst="frame">
             <a:avLst/>
           </a:prstGeom>
-          <a:ln>
-            <a:tailEnd type="triangle"/>
-          </a:ln>
         </p:spPr>
         <p:style>
-          <a:lnRef idx="1">
-            <a:schemeClr val="accent1"/>
+          <a:lnRef idx="2">
+            <a:schemeClr val="accent1">
+              <a:shade val="50000"/>
+            </a:schemeClr>
           </a:lnRef>
-          <a:fillRef idx="0">
+          <a:fillRef idx="1">
             <a:schemeClr val="accent1"/>
           </a:fillRef>
           <a:effectRef idx="0">
             <a:schemeClr val="accent1"/>
           </a:effectRef>
           <a:fontRef idx="minor">
-            <a:schemeClr val="tx1"/>
+            <a:schemeClr val="lt1"/>
           </a:fontRef>
         </p:style>
-      </p:cxnSp>
-      <p:pic>
-        <p:nvPicPr>
-          <p:cNvPr id="13" name="Picture 12">
-            <a:extLst>
-              <a:ext uri="{FF2B5EF4-FFF2-40B4-BE49-F238E27FC236}">
-                <a16:creationId xmlns:a16="http://schemas.microsoft.com/office/drawing/2014/main" id="{900F4CEC-78F6-FCB0-304C-09F68AEEBFD0}"/>
-              </a:ext>
-            </a:extLst>
-          </p:cNvPr>
-          <p:cNvPicPr>
-            <a:picLocks noChangeAspect="1"/>
-          </p:cNvPicPr>
-          <p:nvPr/>
-        </p:nvPicPr>
-        <p:blipFill>
-          <a:blip r:embed="rId2"/>
-          <a:stretch>
-            <a:fillRect/>
-          </a:stretch>
-        </p:blipFill>
-        <p:spPr>
-          <a:xfrm>
-            <a:off x="1509478" y="4219724"/>
-            <a:ext cx="3269358" cy="2302838"/>
-          </a:xfrm>
-          <a:prstGeom prst="rect">
-            <a:avLst/>
-          </a:prstGeom>
-          <a:ln w="57150">
-            <a:solidFill>
-              <a:srgbClr val="7030A0"/>
-            </a:solidFill>
-          </a:ln>
-        </p:spPr>
-      </p:pic>
-      <p:pic>
-        <p:nvPicPr>
-          <p:cNvPr id="14" name="Picture 13">
-            <a:extLst>
-              <a:ext uri="{FF2B5EF4-FFF2-40B4-BE49-F238E27FC236}">
-                <a16:creationId xmlns:a16="http://schemas.microsoft.com/office/drawing/2014/main" id="{2AD04EEF-7A20-B396-4CDE-24F8EDDB9B48}"/>
-              </a:ext>
-            </a:extLst>
-          </p:cNvPr>
-          <p:cNvPicPr>
-            <a:picLocks noChangeAspect="1"/>
-          </p:cNvPicPr>
-          <p:nvPr/>
-        </p:nvPicPr>
-        <p:blipFill>
-          <a:blip r:embed="rId3"/>
-          <a:stretch>
-            <a:fillRect/>
-          </a:stretch>
-        </p:blipFill>
-        <p:spPr>
-          <a:xfrm>
-            <a:off x="5502242" y="1156042"/>
-            <a:ext cx="6118990" cy="4926723"/>
-          </a:xfrm>
-          <a:prstGeom prst="rect">
-            <a:avLst/>
-          </a:prstGeom>
-          <a:ln w="57150">
-            <a:solidFill>
-              <a:schemeClr val="accent6">
-                <a:lumMod val="50000"/>
-              </a:schemeClr>
-            </a:solidFill>
-          </a:ln>
-        </p:spPr>
-      </p:pic>
+        <p:txBody>
+          <a:bodyPr rtlCol="0" anchor="ctr"/>
+          <a:lstStyle/>
+          <a:p>
+            <a:pPr algn="ctr"/>
+            <a:endParaRPr lang="en-US">
+              <a:solidFill>
+                <a:schemeClr val="tx1"/>
+              </a:solidFill>
+            </a:endParaRPr>
+          </a:p>
+        </p:txBody>
+      </p:sp>
     </p:spTree>
     <p:extLst>
       <p:ext uri="{BB962C8B-B14F-4D97-AF65-F5344CB8AC3E}">
-        <p14:creationId xmlns:p14="http://schemas.microsoft.com/office/powerpoint/2010/main" val="2896547974"/>
+        <p14:creationId xmlns:p14="http://schemas.microsoft.com/office/powerpoint/2010/main" val="105988181"/>
       </p:ext>
     </p:extLst>
   </p:cSld>
@@ -6524,7 +9617,7 @@
           <p:cNvPr id="4" name="Footer Placeholder 3">
             <a:extLst>
               <a:ext uri="{FF2B5EF4-FFF2-40B4-BE49-F238E27FC236}">
-                <a16:creationId xmlns:a16="http://schemas.microsoft.com/office/drawing/2014/main" id="{15BBC70B-0DE7-95B2-1797-E4CE20B70EFF}"/>
+                <a16:creationId xmlns:a16="http://schemas.microsoft.com/office/drawing/2014/main" id="{FE549F7F-4A84-B1BC-50A0-F8581615A53C}"/>
               </a:ext>
             </a:extLst>
           </p:cNvPr>
@@ -6553,7 +9646,7 @@
           <p:cNvPr id="5" name="Slide Number Placeholder 4">
             <a:extLst>
               <a:ext uri="{FF2B5EF4-FFF2-40B4-BE49-F238E27FC236}">
-                <a16:creationId xmlns:a16="http://schemas.microsoft.com/office/drawing/2014/main" id="{6325F97D-CD3F-62E1-D7E5-26B0BD2E459A}"/>
+                <a16:creationId xmlns:a16="http://schemas.microsoft.com/office/drawing/2014/main" id="{C818AFA4-2974-C8A6-B5E3-94407C9CFDD5}"/>
               </a:ext>
             </a:extLst>
           </p:cNvPr>
@@ -6577,12 +9670,323 @@
           </a:p>
         </p:txBody>
       </p:sp>
+      <p:sp>
+        <p:nvSpPr>
+          <p:cNvPr id="6" name="Title 1">
+            <a:extLst>
+              <a:ext uri="{FF2B5EF4-FFF2-40B4-BE49-F238E27FC236}">
+                <a16:creationId xmlns:a16="http://schemas.microsoft.com/office/drawing/2014/main" id="{170452C6-2818-8198-1412-9BBBD0F78FFE}"/>
+              </a:ext>
+            </a:extLst>
+          </p:cNvPr>
+          <p:cNvSpPr>
+            <a:spLocks noGrp="1"/>
+          </p:cNvSpPr>
+          <p:nvPr>
+            <p:ph type="title"/>
+          </p:nvPr>
+        </p:nvSpPr>
+        <p:spPr>
+          <a:xfrm>
+            <a:off x="1150882" y="181304"/>
+            <a:ext cx="10980683" cy="725214"/>
+          </a:xfrm>
+          <a:ln w="57150">
+            <a:solidFill>
+              <a:schemeClr val="tx1"/>
+            </a:solidFill>
+          </a:ln>
+        </p:spPr>
+        <p:txBody>
+          <a:bodyPr/>
+          <a:lstStyle/>
+          <a:p>
+            <a:r>
+              <a:rPr lang="en-US" dirty="0"/>
+              <a:t>Creating a dataset</a:t>
+            </a:r>
+          </a:p>
+        </p:txBody>
+      </p:sp>
+      <p:sp>
+        <p:nvSpPr>
+          <p:cNvPr id="7" name="TextBox 6">
+            <a:extLst>
+              <a:ext uri="{FF2B5EF4-FFF2-40B4-BE49-F238E27FC236}">
+                <a16:creationId xmlns:a16="http://schemas.microsoft.com/office/drawing/2014/main" id="{A2B0666F-F451-9D5B-5B37-8AA56EBE88A2}"/>
+              </a:ext>
+            </a:extLst>
+          </p:cNvPr>
+          <p:cNvSpPr txBox="1"/>
+          <p:nvPr/>
+        </p:nvSpPr>
+        <p:spPr>
+          <a:xfrm>
+            <a:off x="1408671" y="1433384"/>
+            <a:ext cx="3220994" cy="369332"/>
+          </a:xfrm>
+          <a:prstGeom prst="rect">
+            <a:avLst/>
+          </a:prstGeom>
+          <a:noFill/>
+        </p:spPr>
+        <p:txBody>
+          <a:bodyPr wrap="square" rtlCol="0">
+            <a:spAutoFit/>
+          </a:bodyPr>
+          <a:lstStyle/>
+          <a:p>
+            <a:pPr algn="ctr"/>
+            <a:r>
+              <a:rPr lang="en-US" dirty="0"/>
+              <a:t>Merging the datasets into one</a:t>
+            </a:r>
+          </a:p>
+        </p:txBody>
+      </p:sp>
+      <p:cxnSp>
+        <p:nvCxnSpPr>
+          <p:cNvPr id="3" name="Straight Arrow Connector 2">
+            <a:extLst>
+              <a:ext uri="{FF2B5EF4-FFF2-40B4-BE49-F238E27FC236}">
+                <a16:creationId xmlns:a16="http://schemas.microsoft.com/office/drawing/2014/main" id="{5BFFAE72-96EC-59CB-13B2-132B141803D6}"/>
+              </a:ext>
+            </a:extLst>
+          </p:cNvPr>
+          <p:cNvCxnSpPr>
+            <a:stCxn id="7" idx="2"/>
+          </p:cNvCxnSpPr>
+          <p:nvPr/>
+        </p:nvCxnSpPr>
+        <p:spPr>
+          <a:xfrm>
+            <a:off x="3019168" y="1802716"/>
+            <a:ext cx="0" cy="462689"/>
+          </a:xfrm>
+          <a:prstGeom prst="straightConnector1">
+            <a:avLst/>
+          </a:prstGeom>
+          <a:ln>
+            <a:tailEnd type="triangle"/>
+          </a:ln>
+        </p:spPr>
+        <p:style>
+          <a:lnRef idx="1">
+            <a:schemeClr val="accent1"/>
+          </a:lnRef>
+          <a:fillRef idx="0">
+            <a:schemeClr val="accent1"/>
+          </a:fillRef>
+          <a:effectRef idx="0">
+            <a:schemeClr val="accent1"/>
+          </a:effectRef>
+          <a:fontRef idx="minor">
+            <a:schemeClr val="tx1"/>
+          </a:fontRef>
+        </p:style>
+      </p:cxnSp>
+      <p:sp>
+        <p:nvSpPr>
+          <p:cNvPr id="8" name="TextBox 7">
+            <a:extLst>
+              <a:ext uri="{FF2B5EF4-FFF2-40B4-BE49-F238E27FC236}">
+                <a16:creationId xmlns:a16="http://schemas.microsoft.com/office/drawing/2014/main" id="{D262D7B7-A982-1223-089A-E664D62846D4}"/>
+              </a:ext>
+            </a:extLst>
+          </p:cNvPr>
+          <p:cNvSpPr txBox="1"/>
+          <p:nvPr/>
+        </p:nvSpPr>
+        <p:spPr>
+          <a:xfrm>
+            <a:off x="1408671" y="2172048"/>
+            <a:ext cx="3220994" cy="369332"/>
+          </a:xfrm>
+          <a:prstGeom prst="rect">
+            <a:avLst/>
+          </a:prstGeom>
+          <a:noFill/>
+        </p:spPr>
+        <p:txBody>
+          <a:bodyPr wrap="square" rtlCol="0">
+            <a:spAutoFit/>
+          </a:bodyPr>
+          <a:lstStyle/>
+          <a:p>
+            <a:pPr algn="ctr"/>
+            <a:r>
+              <a:rPr lang="en-US" dirty="0"/>
+              <a:t>Setting date into right format</a:t>
+            </a:r>
+          </a:p>
+        </p:txBody>
+      </p:sp>
+      <p:cxnSp>
+        <p:nvCxnSpPr>
+          <p:cNvPr id="9" name="Straight Arrow Connector 8">
+            <a:extLst>
+              <a:ext uri="{FF2B5EF4-FFF2-40B4-BE49-F238E27FC236}">
+                <a16:creationId xmlns:a16="http://schemas.microsoft.com/office/drawing/2014/main" id="{81573162-DDE9-AFD7-B652-A58DB2F41343}"/>
+              </a:ext>
+            </a:extLst>
+          </p:cNvPr>
+          <p:cNvCxnSpPr/>
+          <p:nvPr/>
+        </p:nvCxnSpPr>
+        <p:spPr>
+          <a:xfrm>
+            <a:off x="3019168" y="2541380"/>
+            <a:ext cx="0" cy="462689"/>
+          </a:xfrm>
+          <a:prstGeom prst="straightConnector1">
+            <a:avLst/>
+          </a:prstGeom>
+          <a:ln>
+            <a:tailEnd type="triangle"/>
+          </a:ln>
+        </p:spPr>
+        <p:style>
+          <a:lnRef idx="1">
+            <a:schemeClr val="accent1"/>
+          </a:lnRef>
+          <a:fillRef idx="0">
+            <a:schemeClr val="accent1"/>
+          </a:fillRef>
+          <a:effectRef idx="0">
+            <a:schemeClr val="accent1"/>
+          </a:effectRef>
+          <a:fontRef idx="minor">
+            <a:schemeClr val="tx1"/>
+          </a:fontRef>
+        </p:style>
+      </p:cxnSp>
+      <p:sp>
+        <p:nvSpPr>
+          <p:cNvPr id="10" name="TextBox 9">
+            <a:extLst>
+              <a:ext uri="{FF2B5EF4-FFF2-40B4-BE49-F238E27FC236}">
+                <a16:creationId xmlns:a16="http://schemas.microsoft.com/office/drawing/2014/main" id="{D6CA707B-CAE4-D146-2AB8-105EA30CA72F}"/>
+              </a:ext>
+            </a:extLst>
+          </p:cNvPr>
+          <p:cNvSpPr txBox="1"/>
+          <p:nvPr/>
+        </p:nvSpPr>
+        <p:spPr>
+          <a:xfrm>
+            <a:off x="1408671" y="2973376"/>
+            <a:ext cx="3220994" cy="369332"/>
+          </a:xfrm>
+          <a:prstGeom prst="rect">
+            <a:avLst/>
+          </a:prstGeom>
+          <a:noFill/>
+        </p:spPr>
+        <p:txBody>
+          <a:bodyPr wrap="square" rtlCol="0">
+            <a:spAutoFit/>
+          </a:bodyPr>
+          <a:lstStyle/>
+          <a:p>
+            <a:pPr algn="ctr"/>
+            <a:r>
+              <a:rPr lang="en-US" dirty="0">
+                <a:solidFill>
+                  <a:srgbClr val="7030A0"/>
+                </a:solidFill>
+              </a:rPr>
+              <a:t>Customers Initial Purchases</a:t>
+            </a:r>
+          </a:p>
+        </p:txBody>
+      </p:sp>
+      <p:sp>
+        <p:nvSpPr>
+          <p:cNvPr id="11" name="TextBox 10">
+            <a:extLst>
+              <a:ext uri="{FF2B5EF4-FFF2-40B4-BE49-F238E27FC236}">
+                <a16:creationId xmlns:a16="http://schemas.microsoft.com/office/drawing/2014/main" id="{8749CBA2-B763-2CBC-E687-4702FC102153}"/>
+              </a:ext>
+            </a:extLst>
+          </p:cNvPr>
+          <p:cNvSpPr txBox="1"/>
+          <p:nvPr/>
+        </p:nvSpPr>
+        <p:spPr>
+          <a:xfrm>
+            <a:off x="1408671" y="3781216"/>
+            <a:ext cx="3220994" cy="369332"/>
+          </a:xfrm>
+          <a:prstGeom prst="rect">
+            <a:avLst/>
+          </a:prstGeom>
+          <a:noFill/>
+        </p:spPr>
+        <p:txBody>
+          <a:bodyPr wrap="square" rtlCol="0">
+            <a:spAutoFit/>
+          </a:bodyPr>
+          <a:lstStyle/>
+          <a:p>
+            <a:pPr algn="ctr"/>
+            <a:r>
+              <a:rPr lang="en-US" dirty="0">
+                <a:solidFill>
+                  <a:schemeClr val="accent6">
+                    <a:lumMod val="50000"/>
+                  </a:schemeClr>
+                </a:solidFill>
+              </a:rPr>
+              <a:t>Selecting 10 customers </a:t>
+            </a:r>
+          </a:p>
+        </p:txBody>
+      </p:sp>
+      <p:cxnSp>
+        <p:nvCxnSpPr>
+          <p:cNvPr id="12" name="Straight Arrow Connector 11">
+            <a:extLst>
+              <a:ext uri="{FF2B5EF4-FFF2-40B4-BE49-F238E27FC236}">
+                <a16:creationId xmlns:a16="http://schemas.microsoft.com/office/drawing/2014/main" id="{55145023-D297-B5A0-8213-AA3E15123C52}"/>
+              </a:ext>
+            </a:extLst>
+          </p:cNvPr>
+          <p:cNvCxnSpPr/>
+          <p:nvPr/>
+        </p:nvCxnSpPr>
+        <p:spPr>
+          <a:xfrm>
+            <a:off x="3035644" y="3318527"/>
+            <a:ext cx="0" cy="462689"/>
+          </a:xfrm>
+          <a:prstGeom prst="straightConnector1">
+            <a:avLst/>
+          </a:prstGeom>
+          <a:ln>
+            <a:tailEnd type="triangle"/>
+          </a:ln>
+        </p:spPr>
+        <p:style>
+          <a:lnRef idx="1">
+            <a:schemeClr val="accent1"/>
+          </a:lnRef>
+          <a:fillRef idx="0">
+            <a:schemeClr val="accent1"/>
+          </a:fillRef>
+          <a:effectRef idx="0">
+            <a:schemeClr val="accent1"/>
+          </a:effectRef>
+          <a:fontRef idx="minor">
+            <a:schemeClr val="tx1"/>
+          </a:fontRef>
+        </p:style>
+      </p:cxnSp>
       <p:pic>
         <p:nvPicPr>
-          <p:cNvPr id="6" name="Picture 5">
-            <a:extLst>
-              <a:ext uri="{FF2B5EF4-FFF2-40B4-BE49-F238E27FC236}">
-                <a16:creationId xmlns:a16="http://schemas.microsoft.com/office/drawing/2014/main" id="{D77FA982-86A4-9541-3EF6-D2A3B71EBA43}"/>
+          <p:cNvPr id="13" name="Picture 12">
+            <a:extLst>
+              <a:ext uri="{FF2B5EF4-FFF2-40B4-BE49-F238E27FC236}">
+                <a16:creationId xmlns:a16="http://schemas.microsoft.com/office/drawing/2014/main" id="{900F4CEC-78F6-FCB0-304C-09F68AEEBFD0}"/>
               </a:ext>
             </a:extLst>
           </p:cNvPr>
@@ -6599,159 +10003,25 @@
         </p:blipFill>
         <p:spPr>
           <a:xfrm>
-            <a:off x="7057411" y="1186479"/>
-            <a:ext cx="4545225" cy="3535175"/>
+            <a:off x="1509478" y="4219724"/>
+            <a:ext cx="3269358" cy="2302838"/>
           </a:xfrm>
           <a:prstGeom prst="rect">
             <a:avLst/>
           </a:prstGeom>
           <a:ln w="57150">
             <a:solidFill>
-              <a:schemeClr val="tx1"/>
+              <a:srgbClr val="7030A0"/>
             </a:solidFill>
           </a:ln>
         </p:spPr>
       </p:pic>
-      <p:sp>
-        <p:nvSpPr>
-          <p:cNvPr id="7" name="Title 1">
-            <a:extLst>
-              <a:ext uri="{FF2B5EF4-FFF2-40B4-BE49-F238E27FC236}">
-                <a16:creationId xmlns:a16="http://schemas.microsoft.com/office/drawing/2014/main" id="{B51ACC4E-D7A8-2474-C367-7045FD77B671}"/>
-              </a:ext>
-            </a:extLst>
-          </p:cNvPr>
-          <p:cNvSpPr>
-            <a:spLocks noGrp="1"/>
-          </p:cNvSpPr>
-          <p:nvPr>
-            <p:ph type="title"/>
-          </p:nvPr>
-        </p:nvSpPr>
-        <p:spPr>
-          <a:xfrm>
-            <a:off x="1150882" y="181304"/>
-            <a:ext cx="10980683" cy="725214"/>
-          </a:xfrm>
-          <a:ln w="57150">
-            <a:solidFill>
-              <a:schemeClr val="tx1"/>
-            </a:solidFill>
-          </a:ln>
-        </p:spPr>
-        <p:txBody>
-          <a:bodyPr/>
-          <a:lstStyle/>
-          <a:p>
-            <a:r>
-              <a:rPr lang="en-US" dirty="0"/>
-              <a:t>Training and Testing dataset</a:t>
-            </a:r>
-          </a:p>
-        </p:txBody>
-      </p:sp>
-      <p:sp>
-        <p:nvSpPr>
-          <p:cNvPr id="8" name="TextBox 7">
-            <a:extLst>
-              <a:ext uri="{FF2B5EF4-FFF2-40B4-BE49-F238E27FC236}">
-                <a16:creationId xmlns:a16="http://schemas.microsoft.com/office/drawing/2014/main" id="{580653A5-F5F9-74B1-E553-8D0CA7A7C9CB}"/>
-              </a:ext>
-            </a:extLst>
-          </p:cNvPr>
-          <p:cNvSpPr txBox="1"/>
-          <p:nvPr/>
-        </p:nvSpPr>
-        <p:spPr>
-          <a:xfrm>
-            <a:off x="1481119" y="1747598"/>
-            <a:ext cx="5241371" cy="1754326"/>
-          </a:xfrm>
-          <a:prstGeom prst="rect">
-            <a:avLst/>
-          </a:prstGeom>
-          <a:noFill/>
-        </p:spPr>
-        <p:txBody>
-          <a:bodyPr wrap="none" rtlCol="0">
-            <a:spAutoFit/>
-          </a:bodyPr>
-          <a:lstStyle/>
-          <a:p>
-            <a:r>
-              <a:rPr lang="en-US" dirty="0">
-                <a:solidFill>
-                  <a:srgbClr val="00B050"/>
-                </a:solidFill>
-              </a:rPr>
-              <a:t>Testing</a:t>
-            </a:r>
-            <a:r>
-              <a:rPr lang="en-US" dirty="0"/>
-              <a:t>: max_date= 30</a:t>
-            </a:r>
-            <a:r>
-              <a:rPr lang="en-US" baseline="30000" dirty="0"/>
-              <a:t>th</a:t>
-            </a:r>
-            <a:r>
-              <a:rPr lang="en-US" dirty="0"/>
-              <a:t> November, 1998</a:t>
-            </a:r>
-          </a:p>
-          <a:p>
-            <a:r>
-              <a:rPr lang="en-US" dirty="0"/>
-              <a:t>	      cutoff_date=1</a:t>
-            </a:r>
-            <a:r>
-              <a:rPr lang="en-US" baseline="30000" dirty="0"/>
-              <a:t>st</a:t>
-            </a:r>
-            <a:r>
-              <a:rPr lang="en-US" dirty="0"/>
-              <a:t> September, 1998</a:t>
-            </a:r>
-          </a:p>
-          <a:p>
-            <a:r>
-              <a:rPr lang="en-US" dirty="0"/>
-              <a:t>	      Which is used to come with targets features</a:t>
-            </a:r>
-          </a:p>
-          <a:p>
-            <a:r>
-              <a:rPr lang="en-US" dirty="0"/>
-              <a:t>	      (spend_90_total) and (spend_90_flag)</a:t>
-            </a:r>
-          </a:p>
-          <a:p>
-            <a:endParaRPr lang="en-US" dirty="0"/>
-          </a:p>
-          <a:p>
-            <a:r>
-              <a:rPr lang="en-US" dirty="0">
-                <a:solidFill>
-                  <a:schemeClr val="accent6">
-                    <a:lumMod val="50000"/>
-                  </a:schemeClr>
-                </a:solidFill>
-              </a:rPr>
-              <a:t>Training</a:t>
-            </a:r>
-            <a:r>
-              <a:rPr lang="en-US" dirty="0"/>
-              <a:t>: It is used to come up with features (REF)</a:t>
-            </a:r>
-          </a:p>
-        </p:txBody>
-      </p:sp>
       <p:pic>
         <p:nvPicPr>
-          <p:cNvPr id="3" name="Picture 2">
-            <a:extLst>
-              <a:ext uri="{FF2B5EF4-FFF2-40B4-BE49-F238E27FC236}">
-                <a16:creationId xmlns:a16="http://schemas.microsoft.com/office/drawing/2014/main" id="{34B7CC10-E5EA-6F22-FAED-EBAC40384AC1}"/>
+          <p:cNvPr id="14" name="Picture 13">
+            <a:extLst>
+              <a:ext uri="{FF2B5EF4-FFF2-40B4-BE49-F238E27FC236}">
+                <a16:creationId xmlns:a16="http://schemas.microsoft.com/office/drawing/2014/main" id="{2AD04EEF-7A20-B396-4CDE-24F8EDDB9B48}"/>
               </a:ext>
             </a:extLst>
           </p:cNvPr>
@@ -6768,48 +10038,25 @@
         </p:blipFill>
         <p:spPr>
           <a:xfrm>
-            <a:off x="1579292" y="3857980"/>
-            <a:ext cx="3447071" cy="553994"/>
+            <a:off x="5502242" y="1156042"/>
+            <a:ext cx="6118990" cy="4926723"/>
           </a:xfrm>
           <a:prstGeom prst="rect">
             <a:avLst/>
           </a:prstGeom>
-        </p:spPr>
-      </p:pic>
-      <p:pic>
-        <p:nvPicPr>
-          <p:cNvPr id="11" name="Picture 10">
-            <a:extLst>
-              <a:ext uri="{FF2B5EF4-FFF2-40B4-BE49-F238E27FC236}">
-                <a16:creationId xmlns:a16="http://schemas.microsoft.com/office/drawing/2014/main" id="{83E02E36-EDBF-7BCB-B552-E76B0BD5C635}"/>
-              </a:ext>
-            </a:extLst>
-          </p:cNvPr>
-          <p:cNvPicPr>
-            <a:picLocks noChangeAspect="1"/>
-          </p:cNvPicPr>
-          <p:nvPr/>
-        </p:nvPicPr>
-        <p:blipFill>
-          <a:blip r:embed="rId4"/>
-          <a:stretch>
-            <a:fillRect/>
-          </a:stretch>
-        </p:blipFill>
-        <p:spPr>
-          <a:xfrm>
-            <a:off x="1579292" y="4411974"/>
-            <a:ext cx="3447596" cy="1131362"/>
-          </a:xfrm>
-          <a:prstGeom prst="rect">
-            <a:avLst/>
-          </a:prstGeom>
+          <a:ln w="57150">
+            <a:solidFill>
+              <a:schemeClr val="accent6">
+                <a:lumMod val="50000"/>
+              </a:schemeClr>
+            </a:solidFill>
+          </a:ln>
         </p:spPr>
       </p:pic>
     </p:spTree>
     <p:extLst>
       <p:ext uri="{BB962C8B-B14F-4D97-AF65-F5344CB8AC3E}">
-        <p14:creationId xmlns:p14="http://schemas.microsoft.com/office/powerpoint/2010/main" val="3923223571"/>
+        <p14:creationId xmlns:p14="http://schemas.microsoft.com/office/powerpoint/2010/main" val="2896547974"/>
       </p:ext>
     </p:extLst>
   </p:cSld>
@@ -6841,7 +10088,7 @@
           <p:cNvPr id="4" name="Footer Placeholder 3">
             <a:extLst>
               <a:ext uri="{FF2B5EF4-FFF2-40B4-BE49-F238E27FC236}">
-                <a16:creationId xmlns:a16="http://schemas.microsoft.com/office/drawing/2014/main" id="{2D6CFB7F-25BC-24B6-1D3D-84624DB20CA0}"/>
+                <a16:creationId xmlns:a16="http://schemas.microsoft.com/office/drawing/2014/main" id="{FE549F7F-4A84-B1BC-50A0-F8581615A53C}"/>
               </a:ext>
             </a:extLst>
           </p:cNvPr>
@@ -6870,7 +10117,7 @@
           <p:cNvPr id="5" name="Slide Number Placeholder 4">
             <a:extLst>
               <a:ext uri="{FF2B5EF4-FFF2-40B4-BE49-F238E27FC236}">
-                <a16:creationId xmlns:a16="http://schemas.microsoft.com/office/drawing/2014/main" id="{F00FAD1C-F3AB-8976-44A7-ADAE40D98E57}"/>
+                <a16:creationId xmlns:a16="http://schemas.microsoft.com/office/drawing/2014/main" id="{C818AFA4-2974-C8A6-B5E3-94407C9CFDD5}"/>
               </a:ext>
             </a:extLst>
           </p:cNvPr>
@@ -6899,7 +10146,7 @@
           <p:cNvPr id="6" name="Title 1">
             <a:extLst>
               <a:ext uri="{FF2B5EF4-FFF2-40B4-BE49-F238E27FC236}">
-                <a16:creationId xmlns:a16="http://schemas.microsoft.com/office/drawing/2014/main" id="{B9347263-545C-D118-E3B2-E0F15872D676}"/>
+                <a16:creationId xmlns:a16="http://schemas.microsoft.com/office/drawing/2014/main" id="{170452C6-2818-8198-1412-9BBBD0F78FFE}"/>
               </a:ext>
             </a:extLst>
           </p:cNvPr>
@@ -6927,7 +10174,7 @@
           <a:p>
             <a:r>
               <a:rPr lang="en-US" dirty="0"/>
-              <a:t>Feature Engineering</a:t>
+              <a:t>Content</a:t>
             </a:r>
           </a:p>
         </p:txBody>
@@ -6937,7 +10184,7 @@
           <p:cNvPr id="7" name="TextBox 6">
             <a:extLst>
               <a:ext uri="{FF2B5EF4-FFF2-40B4-BE49-F238E27FC236}">
-                <a16:creationId xmlns:a16="http://schemas.microsoft.com/office/drawing/2014/main" id="{88B778AC-5870-3B2F-739F-E51EE16767A2}"/>
+                <a16:creationId xmlns:a16="http://schemas.microsoft.com/office/drawing/2014/main" id="{A2B0666F-F451-9D5B-5B37-8AA56EBE88A2}"/>
               </a:ext>
             </a:extLst>
           </p:cNvPr>
@@ -6946,21 +10193,16 @@
         </p:nvSpPr>
         <p:spPr>
           <a:xfrm>
-            <a:off x="1342768" y="1219199"/>
-            <a:ext cx="3726854" cy="923330"/>
+            <a:off x="1631092" y="1787611"/>
+            <a:ext cx="7841644" cy="3970318"/>
           </a:xfrm>
           <a:prstGeom prst="rect">
             <a:avLst/>
           </a:prstGeom>
           <a:noFill/>
-          <a:ln>
-            <a:solidFill>
-              <a:schemeClr val="tx1"/>
-            </a:solidFill>
-          </a:ln>
-        </p:spPr>
-        <p:txBody>
-          <a:bodyPr wrap="none" rtlCol="0">
+        </p:spPr>
+        <p:txBody>
+          <a:bodyPr wrap="square" rtlCol="0">
             <a:spAutoFit/>
           </a:bodyPr>
           <a:lstStyle/>
@@ -6969,96 +10211,19 @@
               <a:buAutoNum type="arabicPeriod"/>
             </a:pPr>
             <a:r>
-              <a:rPr lang="en-US" dirty="0">
-                <a:solidFill>
-                  <a:srgbClr val="7030A0"/>
-                </a:solidFill>
-              </a:rPr>
-              <a:t>Making Targets from testing data</a:t>
-            </a:r>
-          </a:p>
-          <a:p>
-            <a:pPr marL="800100" lvl="1" indent="-342900">
+              <a:rPr lang="en-US" dirty="0"/>
+              <a:t>Creating a dataset</a:t>
+            </a:r>
+          </a:p>
+          <a:p>
+            <a:pPr marL="342900" indent="-342900">
               <a:buAutoNum type="arabicPeriod"/>
             </a:pPr>
             <a:r>
               <a:rPr lang="en-US" dirty="0"/>
-              <a:t>spend_90_total</a:t>
-            </a:r>
-          </a:p>
-          <a:p>
-            <a:pPr marL="800100" lvl="1" indent="-342900">
-              <a:buAutoNum type="arabicPeriod"/>
-            </a:pPr>
-            <a:r>
-              <a:rPr lang="en-US" dirty="0"/>
-              <a:t>spend_90_flag </a:t>
-            </a:r>
-          </a:p>
-        </p:txBody>
-      </p:sp>
-      <p:pic>
-        <p:nvPicPr>
-          <p:cNvPr id="9" name="Picture 8">
-            <a:extLst>
-              <a:ext uri="{FF2B5EF4-FFF2-40B4-BE49-F238E27FC236}">
-                <a16:creationId xmlns:a16="http://schemas.microsoft.com/office/drawing/2014/main" id="{820D0A5F-3BF1-4AAB-4636-34691948C280}"/>
-              </a:ext>
-            </a:extLst>
-          </p:cNvPr>
-          <p:cNvPicPr>
-            <a:picLocks noChangeAspect="1"/>
-          </p:cNvPicPr>
-          <p:nvPr/>
-        </p:nvPicPr>
-        <p:blipFill>
-          <a:blip r:embed="rId2"/>
-          <a:stretch>
-            <a:fillRect/>
-          </a:stretch>
-        </p:blipFill>
-        <p:spPr>
-          <a:xfrm>
-            <a:off x="1342768" y="2301194"/>
-            <a:ext cx="3583459" cy="4079783"/>
-          </a:xfrm>
-          <a:prstGeom prst="rect">
-            <a:avLst/>
-          </a:prstGeom>
-        </p:spPr>
-      </p:pic>
-      <p:sp>
-        <p:nvSpPr>
-          <p:cNvPr id="11" name="TextBox 10">
-            <a:extLst>
-              <a:ext uri="{FF2B5EF4-FFF2-40B4-BE49-F238E27FC236}">
-                <a16:creationId xmlns:a16="http://schemas.microsoft.com/office/drawing/2014/main" id="{B4B613C5-3F8B-A185-F89E-BC533309726A}"/>
-              </a:ext>
-            </a:extLst>
-          </p:cNvPr>
-          <p:cNvSpPr txBox="1"/>
-          <p:nvPr/>
-        </p:nvSpPr>
-        <p:spPr>
-          <a:xfrm>
-            <a:off x="7463481" y="1224004"/>
-            <a:ext cx="4252767" cy="1754326"/>
-          </a:xfrm>
-          <a:prstGeom prst="rect">
-            <a:avLst/>
-          </a:prstGeom>
-          <a:noFill/>
-          <a:ln>
-            <a:solidFill>
-              <a:schemeClr val="tx1"/>
-            </a:solidFill>
-          </a:ln>
-        </p:spPr>
-        <p:txBody>
-          <a:bodyPr wrap="none" rtlCol="0">
-            <a:spAutoFit/>
-          </a:bodyPr>
-          <a:lstStyle/>
+              <a:t>Machine Learning</a:t>
+            </a:r>
+          </a:p>
           <a:p>
             <a:r>
               <a:rPr lang="en-US" dirty="0">
@@ -7068,75 +10233,129 @@
                   </a:schemeClr>
                 </a:solidFill>
               </a:rPr>
-              <a:t>2. Making REF features from training data</a:t>
-            </a:r>
-          </a:p>
-          <a:p>
-            <a:r>
-              <a:rPr lang="en-US" dirty="0"/>
-              <a:t>	1. recency</a:t>
-            </a:r>
-          </a:p>
-          <a:p>
-            <a:r>
-              <a:rPr lang="en-US" dirty="0"/>
-              <a:t>	2. frequency</a:t>
-            </a:r>
-          </a:p>
-          <a:p>
-            <a:r>
-              <a:rPr lang="en-US" dirty="0"/>
-              <a:t>	3. Monetary</a:t>
-            </a:r>
-          </a:p>
-          <a:p>
-            <a:r>
-              <a:rPr lang="en-US" dirty="0"/>
-              <a:t>		a. sales_sum</a:t>
-            </a:r>
-          </a:p>
-          <a:p>
-            <a:r>
-              <a:rPr lang="en-US" dirty="0"/>
-              <a:t>		b. sales_mean</a:t>
-            </a:r>
-          </a:p>
-        </p:txBody>
-      </p:sp>
-      <p:pic>
-        <p:nvPicPr>
-          <p:cNvPr id="12" name="Picture 11">
-            <a:extLst>
-              <a:ext uri="{FF2B5EF4-FFF2-40B4-BE49-F238E27FC236}">
-                <a16:creationId xmlns:a16="http://schemas.microsoft.com/office/drawing/2014/main" id="{39D12427-2536-1D66-0DE7-7DDC53F4B78D}"/>
-              </a:ext>
-            </a:extLst>
-          </p:cNvPr>
-          <p:cNvPicPr>
-            <a:picLocks noChangeAspect="1"/>
-          </p:cNvPicPr>
+              <a:t>	2.1 Training and testing dataset</a:t>
+            </a:r>
+          </a:p>
+          <a:p>
+            <a:r>
+              <a:rPr lang="en-US" dirty="0"/>
+              <a:t>	2.2 Feature Engineering</a:t>
+            </a:r>
+          </a:p>
+          <a:p>
+            <a:r>
+              <a:rPr lang="en-US" dirty="0"/>
+              <a:t>	2.3 Model1 (Regression)</a:t>
+            </a:r>
+          </a:p>
+          <a:p>
+            <a:r>
+              <a:rPr lang="en-US" dirty="0"/>
+              <a:t>	2.4 Model2 (Classification)</a:t>
+            </a:r>
+          </a:p>
+          <a:p>
+            <a:r>
+              <a:rPr lang="en-US" dirty="0"/>
+              <a:t>	2.5 Feature Importance</a:t>
+            </a:r>
+          </a:p>
+          <a:p>
+            <a:pPr marL="342900" indent="-342900">
+              <a:buAutoNum type="arabicPeriod" startAt="3"/>
+            </a:pPr>
+            <a:r>
+              <a:rPr lang="en-US" dirty="0"/>
+              <a:t>Model/dataset Conclusion </a:t>
+            </a:r>
+          </a:p>
+          <a:p>
+            <a:pPr lvl="1"/>
+            <a:r>
+              <a:rPr lang="en-US" dirty="0"/>
+              <a:t>3.1 Target customers 1</a:t>
+            </a:r>
+          </a:p>
+          <a:p>
+            <a:pPr lvl="1"/>
+            <a:r>
+              <a:rPr lang="en-US" dirty="0"/>
+              <a:t>3.2 Target customers 2</a:t>
+            </a:r>
+          </a:p>
+          <a:p>
+            <a:pPr lvl="1"/>
+            <a:r>
+              <a:rPr lang="en-US" dirty="0"/>
+              <a:t>3.3 Target customers 3</a:t>
+            </a:r>
+          </a:p>
+          <a:p>
+            <a:pPr lvl="1"/>
+            <a:endParaRPr lang="en-US" dirty="0"/>
+          </a:p>
+          <a:p>
+            <a:endParaRPr lang="en-US" dirty="0"/>
+          </a:p>
+          <a:p>
+            <a:endParaRPr lang="en-US" dirty="0"/>
+          </a:p>
+        </p:txBody>
+      </p:sp>
+      <p:sp>
+        <p:nvSpPr>
+          <p:cNvPr id="2" name="Frame 1">
+            <a:extLst>
+              <a:ext uri="{FF2B5EF4-FFF2-40B4-BE49-F238E27FC236}">
+                <a16:creationId xmlns:a16="http://schemas.microsoft.com/office/drawing/2014/main" id="{28D09A18-9397-7EE1-8FB9-B879806B988D}"/>
+              </a:ext>
+            </a:extLst>
+          </p:cNvPr>
+          <p:cNvSpPr/>
           <p:nvPr/>
-        </p:nvPicPr>
-        <p:blipFill>
-          <a:blip r:embed="rId3"/>
-          <a:stretch>
-            <a:fillRect/>
-          </a:stretch>
-        </p:blipFill>
-        <p:spPr>
-          <a:xfrm>
-            <a:off x="7463481" y="3050739"/>
-            <a:ext cx="3648155" cy="3315801"/>
-          </a:xfrm>
-          <a:prstGeom prst="rect">
+        </p:nvSpPr>
+        <p:spPr>
+          <a:xfrm>
+            <a:off x="2125362" y="2380735"/>
+            <a:ext cx="3196281" cy="296562"/>
+          </a:xfrm>
+          <a:prstGeom prst="frame">
             <a:avLst/>
           </a:prstGeom>
         </p:spPr>
-      </p:pic>
+        <p:style>
+          <a:lnRef idx="2">
+            <a:schemeClr val="accent1">
+              <a:shade val="50000"/>
+            </a:schemeClr>
+          </a:lnRef>
+          <a:fillRef idx="1">
+            <a:schemeClr val="accent1"/>
+          </a:fillRef>
+          <a:effectRef idx="0">
+            <a:schemeClr val="accent1"/>
+          </a:effectRef>
+          <a:fontRef idx="minor">
+            <a:schemeClr val="lt1"/>
+          </a:fontRef>
+        </p:style>
+        <p:txBody>
+          <a:bodyPr rtlCol="0" anchor="ctr"/>
+          <a:lstStyle/>
+          <a:p>
+            <a:pPr algn="ctr"/>
+            <a:endParaRPr lang="en-US">
+              <a:solidFill>
+                <a:schemeClr val="tx1"/>
+              </a:solidFill>
+            </a:endParaRPr>
+          </a:p>
+        </p:txBody>
+      </p:sp>
     </p:spTree>
     <p:extLst>
       <p:ext uri="{BB962C8B-B14F-4D97-AF65-F5344CB8AC3E}">
-        <p14:creationId xmlns:p14="http://schemas.microsoft.com/office/powerpoint/2010/main" val="2530835503"/>
+        <p14:creationId xmlns:p14="http://schemas.microsoft.com/office/powerpoint/2010/main" val="3537077478"/>
       </p:ext>
     </p:extLst>
   </p:cSld>
@@ -7168,7 +10387,7 @@
           <p:cNvPr id="4" name="Footer Placeholder 3">
             <a:extLst>
               <a:ext uri="{FF2B5EF4-FFF2-40B4-BE49-F238E27FC236}">
-                <a16:creationId xmlns:a16="http://schemas.microsoft.com/office/drawing/2014/main" id="{2D6CFB7F-25BC-24B6-1D3D-84624DB20CA0}"/>
+                <a16:creationId xmlns:a16="http://schemas.microsoft.com/office/drawing/2014/main" id="{15BBC70B-0DE7-95B2-1797-E4CE20B70EFF}"/>
               </a:ext>
             </a:extLst>
           </p:cNvPr>
@@ -7197,7 +10416,7 @@
           <p:cNvPr id="5" name="Slide Number Placeholder 4">
             <a:extLst>
               <a:ext uri="{FF2B5EF4-FFF2-40B4-BE49-F238E27FC236}">
-                <a16:creationId xmlns:a16="http://schemas.microsoft.com/office/drawing/2014/main" id="{F00FAD1C-F3AB-8976-44A7-ADAE40D98E57}"/>
+                <a16:creationId xmlns:a16="http://schemas.microsoft.com/office/drawing/2014/main" id="{6325F97D-CD3F-62E1-D7E5-26B0BD2E459A}"/>
               </a:ext>
             </a:extLst>
           </p:cNvPr>
@@ -7221,115 +10440,12 @@
           </a:p>
         </p:txBody>
       </p:sp>
-      <p:sp>
-        <p:nvSpPr>
-          <p:cNvPr id="6" name="Title 1">
-            <a:extLst>
-              <a:ext uri="{FF2B5EF4-FFF2-40B4-BE49-F238E27FC236}">
-                <a16:creationId xmlns:a16="http://schemas.microsoft.com/office/drawing/2014/main" id="{B9347263-545C-D118-E3B2-E0F15872D676}"/>
-              </a:ext>
-            </a:extLst>
-          </p:cNvPr>
-          <p:cNvSpPr>
-            <a:spLocks noGrp="1"/>
-          </p:cNvSpPr>
-          <p:nvPr>
-            <p:ph type="title"/>
-          </p:nvPr>
-        </p:nvSpPr>
-        <p:spPr>
-          <a:xfrm>
-            <a:off x="1150882" y="181304"/>
-            <a:ext cx="10980683" cy="725214"/>
-          </a:xfrm>
-          <a:ln w="57150">
-            <a:solidFill>
-              <a:schemeClr val="tx1"/>
-            </a:solidFill>
-          </a:ln>
-        </p:spPr>
-        <p:txBody>
-          <a:bodyPr/>
-          <a:lstStyle/>
-          <a:p>
-            <a:r>
-              <a:rPr lang="en-US" dirty="0"/>
-              <a:t>Feature Engineering</a:t>
-            </a:r>
-          </a:p>
-        </p:txBody>
-      </p:sp>
-      <p:sp>
-        <p:nvSpPr>
-          <p:cNvPr id="7" name="TextBox 6">
-            <a:extLst>
-              <a:ext uri="{FF2B5EF4-FFF2-40B4-BE49-F238E27FC236}">
-                <a16:creationId xmlns:a16="http://schemas.microsoft.com/office/drawing/2014/main" id="{88B778AC-5870-3B2F-739F-E51EE16767A2}"/>
-              </a:ext>
-            </a:extLst>
-          </p:cNvPr>
-          <p:cNvSpPr txBox="1"/>
-          <p:nvPr/>
-        </p:nvSpPr>
-        <p:spPr>
-          <a:xfrm>
-            <a:off x="1342768" y="1219199"/>
-            <a:ext cx="3726854" cy="923330"/>
-          </a:xfrm>
-          <a:prstGeom prst="rect">
-            <a:avLst/>
-          </a:prstGeom>
-          <a:noFill/>
-          <a:ln>
-            <a:solidFill>
-              <a:schemeClr val="tx1"/>
-            </a:solidFill>
-          </a:ln>
-        </p:spPr>
-        <p:txBody>
-          <a:bodyPr wrap="none" rtlCol="0">
-            <a:spAutoFit/>
-          </a:bodyPr>
-          <a:lstStyle/>
-          <a:p>
-            <a:pPr marL="342900" indent="-342900">
-              <a:buAutoNum type="arabicPeriod"/>
-            </a:pPr>
-            <a:r>
-              <a:rPr lang="en-US" dirty="0">
-                <a:solidFill>
-                  <a:srgbClr val="7030A0"/>
-                </a:solidFill>
-              </a:rPr>
-              <a:t>Making Targets from testing data</a:t>
-            </a:r>
-          </a:p>
-          <a:p>
-            <a:pPr marL="800100" lvl="1" indent="-342900">
-              <a:buAutoNum type="arabicPeriod"/>
-            </a:pPr>
-            <a:r>
-              <a:rPr lang="en-US" dirty="0"/>
-              <a:t>spend_90_total</a:t>
-            </a:r>
-          </a:p>
-          <a:p>
-            <a:pPr marL="800100" lvl="1" indent="-342900">
-              <a:buAutoNum type="arabicPeriod"/>
-            </a:pPr>
-            <a:r>
-              <a:rPr lang="en-US" dirty="0"/>
-              <a:t>spend_90_flag </a:t>
-            </a:r>
-          </a:p>
-        </p:txBody>
-      </p:sp>
       <p:pic>
         <p:nvPicPr>
-          <p:cNvPr id="9" name="Picture 8">
-            <a:extLst>
-              <a:ext uri="{FF2B5EF4-FFF2-40B4-BE49-F238E27FC236}">
-                <a16:creationId xmlns:a16="http://schemas.microsoft.com/office/drawing/2014/main" id="{820D0A5F-3BF1-4AAB-4636-34691948C280}"/>
+          <p:cNvPr id="6" name="Picture 5">
+            <a:extLst>
+              <a:ext uri="{FF2B5EF4-FFF2-40B4-BE49-F238E27FC236}">
+                <a16:creationId xmlns:a16="http://schemas.microsoft.com/office/drawing/2014/main" id="{D77FA982-86A4-9541-3EF6-D2A3B71EBA43}"/>
               </a:ext>
             </a:extLst>
           </p:cNvPr>
@@ -7346,20 +10462,63 @@
         </p:blipFill>
         <p:spPr>
           <a:xfrm>
-            <a:off x="1342768" y="2301194"/>
-            <a:ext cx="3583459" cy="4079783"/>
+            <a:off x="7057411" y="1186479"/>
+            <a:ext cx="4545225" cy="3535175"/>
           </a:xfrm>
           <a:prstGeom prst="rect">
             <a:avLst/>
           </a:prstGeom>
+          <a:ln w="57150">
+            <a:solidFill>
+              <a:schemeClr val="tx1"/>
+            </a:solidFill>
+          </a:ln>
         </p:spPr>
       </p:pic>
       <p:sp>
         <p:nvSpPr>
-          <p:cNvPr id="11" name="TextBox 10">
-            <a:extLst>
-              <a:ext uri="{FF2B5EF4-FFF2-40B4-BE49-F238E27FC236}">
-                <a16:creationId xmlns:a16="http://schemas.microsoft.com/office/drawing/2014/main" id="{B4B613C5-3F8B-A185-F89E-BC533309726A}"/>
+          <p:cNvPr id="7" name="Title 1">
+            <a:extLst>
+              <a:ext uri="{FF2B5EF4-FFF2-40B4-BE49-F238E27FC236}">
+                <a16:creationId xmlns:a16="http://schemas.microsoft.com/office/drawing/2014/main" id="{B51ACC4E-D7A8-2474-C367-7045FD77B671}"/>
+              </a:ext>
+            </a:extLst>
+          </p:cNvPr>
+          <p:cNvSpPr>
+            <a:spLocks noGrp="1"/>
+          </p:cNvSpPr>
+          <p:nvPr>
+            <p:ph type="title"/>
+          </p:nvPr>
+        </p:nvSpPr>
+        <p:spPr>
+          <a:xfrm>
+            <a:off x="1150882" y="181304"/>
+            <a:ext cx="10980683" cy="725214"/>
+          </a:xfrm>
+          <a:ln w="57150">
+            <a:solidFill>
+              <a:schemeClr val="tx1"/>
+            </a:solidFill>
+          </a:ln>
+        </p:spPr>
+        <p:txBody>
+          <a:bodyPr/>
+          <a:lstStyle/>
+          <a:p>
+            <a:r>
+              <a:rPr lang="en-US" dirty="0"/>
+              <a:t>Training and Testing dataset</a:t>
+            </a:r>
+          </a:p>
+        </p:txBody>
+      </p:sp>
+      <p:sp>
+        <p:nvSpPr>
+          <p:cNvPr id="8" name="TextBox 7">
+            <a:extLst>
+              <a:ext uri="{FF2B5EF4-FFF2-40B4-BE49-F238E27FC236}">
+                <a16:creationId xmlns:a16="http://schemas.microsoft.com/office/drawing/2014/main" id="{580653A5-F5F9-74B1-E553-8D0CA7A7C9CB}"/>
               </a:ext>
             </a:extLst>
           </p:cNvPr>
@@ -7368,24 +10527,70 @@
         </p:nvSpPr>
         <p:spPr>
           <a:xfrm>
-            <a:off x="7463481" y="1224004"/>
-            <a:ext cx="4252767" cy="1754326"/>
+            <a:off x="1481119" y="1747598"/>
+            <a:ext cx="5241371" cy="1754326"/>
           </a:xfrm>
           <a:prstGeom prst="rect">
             <a:avLst/>
           </a:prstGeom>
           <a:noFill/>
-          <a:ln>
-            <a:solidFill>
-              <a:schemeClr val="tx1"/>
-            </a:solidFill>
-          </a:ln>
         </p:spPr>
         <p:txBody>
           <a:bodyPr wrap="none" rtlCol="0">
             <a:spAutoFit/>
           </a:bodyPr>
           <a:lstStyle/>
+          <a:p>
+            <a:r>
+              <a:rPr lang="en-US" dirty="0">
+                <a:solidFill>
+                  <a:srgbClr val="00B050"/>
+                </a:solidFill>
+              </a:rPr>
+              <a:t>Testing</a:t>
+            </a:r>
+            <a:r>
+              <a:rPr lang="en-US" dirty="0"/>
+              <a:t>: max_date= 30</a:t>
+            </a:r>
+            <a:r>
+              <a:rPr lang="en-US" baseline="30000" dirty="0"/>
+              <a:t>th</a:t>
+            </a:r>
+            <a:r>
+              <a:rPr lang="en-US" dirty="0"/>
+              <a:t> November, 1998</a:t>
+            </a:r>
+          </a:p>
+          <a:p>
+            <a:r>
+              <a:rPr lang="en-US" dirty="0"/>
+              <a:t>	      cutoff_date=1</a:t>
+            </a:r>
+            <a:r>
+              <a:rPr lang="en-US" baseline="30000" dirty="0"/>
+              <a:t>st</a:t>
+            </a:r>
+            <a:r>
+              <a:rPr lang="en-US" dirty="0"/>
+              <a:t> September, 1998</a:t>
+            </a:r>
+          </a:p>
+          <a:p>
+            <a:r>
+              <a:rPr lang="en-US" dirty="0"/>
+              <a:t>	      Which is used to come with targets features</a:t>
+            </a:r>
+          </a:p>
+          <a:p>
+            <a:r>
+              <a:rPr lang="en-US" dirty="0"/>
+              <a:t>	      (spend_90_total) and (spend_90_flag)</a:t>
+            </a:r>
+          </a:p>
+          <a:p>
+            <a:endParaRPr lang="en-US" dirty="0"/>
+          </a:p>
           <a:p>
             <a:r>
               <a:rPr lang="en-US" dirty="0">
@@ -7395,47 +10600,21 @@
                   </a:schemeClr>
                 </a:solidFill>
               </a:rPr>
-              <a:t>2. Making REF features from training data</a:t>
-            </a:r>
-          </a:p>
-          <a:p>
-            <a:r>
-              <a:rPr lang="en-US" dirty="0"/>
-              <a:t>	1. recency</a:t>
-            </a:r>
-          </a:p>
-          <a:p>
-            <a:r>
-              <a:rPr lang="en-US" dirty="0"/>
-              <a:t>	2. frequency</a:t>
-            </a:r>
-          </a:p>
-          <a:p>
-            <a:r>
-              <a:rPr lang="en-US" dirty="0"/>
-              <a:t>	3. Monetary</a:t>
-            </a:r>
-          </a:p>
-          <a:p>
-            <a:r>
-              <a:rPr lang="en-US" dirty="0"/>
-              <a:t>		a. sales_sum</a:t>
-            </a:r>
-          </a:p>
-          <a:p>
-            <a:r>
-              <a:rPr lang="en-US" dirty="0"/>
-              <a:t>		b. sales_mean</a:t>
+              <a:t>Training</a:t>
+            </a:r>
+            <a:r>
+              <a:rPr lang="en-US" dirty="0"/>
+              <a:t>: It is used to come up with features (REF)</a:t>
             </a:r>
           </a:p>
         </p:txBody>
       </p:sp>
       <p:pic>
         <p:nvPicPr>
-          <p:cNvPr id="12" name="Picture 11">
-            <a:extLst>
-              <a:ext uri="{FF2B5EF4-FFF2-40B4-BE49-F238E27FC236}">
-                <a16:creationId xmlns:a16="http://schemas.microsoft.com/office/drawing/2014/main" id="{39D12427-2536-1D66-0DE7-7DDC53F4B78D}"/>
+          <p:cNvPr id="3" name="Picture 2">
+            <a:extLst>
+              <a:ext uri="{FF2B5EF4-FFF2-40B4-BE49-F238E27FC236}">
+                <a16:creationId xmlns:a16="http://schemas.microsoft.com/office/drawing/2014/main" id="{34B7CC10-E5EA-6F22-FAED-EBAC40384AC1}"/>
               </a:ext>
             </a:extLst>
           </p:cNvPr>
@@ -7452,96 +10631,48 @@
         </p:blipFill>
         <p:spPr>
           <a:xfrm>
-            <a:off x="7463481" y="3050739"/>
-            <a:ext cx="3648155" cy="3315801"/>
+            <a:off x="1579292" y="3857980"/>
+            <a:ext cx="3447071" cy="553994"/>
           </a:xfrm>
           <a:prstGeom prst="rect">
             <a:avLst/>
           </a:prstGeom>
         </p:spPr>
       </p:pic>
-      <p:cxnSp>
-        <p:nvCxnSpPr>
-          <p:cNvPr id="3" name="Straight Arrow Connector 2">
-            <a:extLst>
-              <a:ext uri="{FF2B5EF4-FFF2-40B4-BE49-F238E27FC236}">
-                <a16:creationId xmlns:a16="http://schemas.microsoft.com/office/drawing/2014/main" id="{BBD67DD0-88F6-2D9B-1EC1-CEFFD736E953}"/>
-              </a:ext>
-            </a:extLst>
-          </p:cNvPr>
-          <p:cNvCxnSpPr/>
+      <p:pic>
+        <p:nvPicPr>
+          <p:cNvPr id="11" name="Picture 10">
+            <a:extLst>
+              <a:ext uri="{FF2B5EF4-FFF2-40B4-BE49-F238E27FC236}">
+                <a16:creationId xmlns:a16="http://schemas.microsoft.com/office/drawing/2014/main" id="{83E02E36-EDBF-7BCB-B552-E76B0BD5C635}"/>
+              </a:ext>
+            </a:extLst>
+          </p:cNvPr>
+          <p:cNvPicPr>
+            <a:picLocks noChangeAspect="1"/>
+          </p:cNvPicPr>
           <p:nvPr/>
-        </p:nvCxnSpPr>
-        <p:spPr>
-          <a:xfrm>
-            <a:off x="5338119" y="4349578"/>
-            <a:ext cx="1746422" cy="0"/>
-          </a:xfrm>
-          <a:prstGeom prst="straightConnector1">
-            <a:avLst/>
-          </a:prstGeom>
-          <a:ln w="57150">
-            <a:solidFill>
-              <a:schemeClr val="tx1"/>
-            </a:solidFill>
-            <a:headEnd type="triangle"/>
-            <a:tailEnd type="triangle"/>
-          </a:ln>
-        </p:spPr>
-        <p:style>
-          <a:lnRef idx="1">
-            <a:schemeClr val="accent1"/>
-          </a:lnRef>
-          <a:fillRef idx="0">
-            <a:schemeClr val="accent1"/>
-          </a:fillRef>
-          <a:effectRef idx="0">
-            <a:schemeClr val="accent1"/>
-          </a:effectRef>
-          <a:fontRef idx="minor">
-            <a:schemeClr val="tx1"/>
-          </a:fontRef>
-        </p:style>
-      </p:cxnSp>
-      <p:sp>
-        <p:nvSpPr>
-          <p:cNvPr id="8" name="TextBox 7">
-            <a:extLst>
-              <a:ext uri="{FF2B5EF4-FFF2-40B4-BE49-F238E27FC236}">
-                <a16:creationId xmlns:a16="http://schemas.microsoft.com/office/drawing/2014/main" id="{D6B47429-3615-7E1F-9FB5-1BAF38E1F661}"/>
-              </a:ext>
-            </a:extLst>
-          </p:cNvPr>
-          <p:cNvSpPr txBox="1"/>
-          <p:nvPr/>
-        </p:nvSpPr>
-        <p:spPr>
-          <a:xfrm>
-            <a:off x="5687789" y="3980246"/>
-            <a:ext cx="1047082" cy="369332"/>
+        </p:nvPicPr>
+        <p:blipFill>
+          <a:blip r:embed="rId4"/>
+          <a:stretch>
+            <a:fillRect/>
+          </a:stretch>
+        </p:blipFill>
+        <p:spPr>
+          <a:xfrm>
+            <a:off x="1579292" y="4411974"/>
+            <a:ext cx="3447596" cy="1131362"/>
           </a:xfrm>
           <a:prstGeom prst="rect">
             <a:avLst/>
           </a:prstGeom>
-          <a:noFill/>
-        </p:spPr>
-        <p:txBody>
-          <a:bodyPr wrap="none" rtlCol="0">
-            <a:spAutoFit/>
-          </a:bodyPr>
-          <a:lstStyle/>
-          <a:p>
-            <a:r>
-              <a:rPr lang="en-US" dirty="0"/>
-              <a:t>Combine</a:t>
-            </a:r>
-          </a:p>
-        </p:txBody>
-      </p:sp>
+        </p:spPr>
+      </p:pic>
     </p:spTree>
     <p:extLst>
       <p:ext uri="{BB962C8B-B14F-4D97-AF65-F5344CB8AC3E}">
-        <p14:creationId xmlns:p14="http://schemas.microsoft.com/office/powerpoint/2010/main" val="743635475"/>
+        <p14:creationId xmlns:p14="http://schemas.microsoft.com/office/powerpoint/2010/main" val="3923223571"/>
       </p:ext>
     </p:extLst>
   </p:cSld>
@@ -7573,7 +10704,7 @@
           <p:cNvPr id="4" name="Footer Placeholder 3">
             <a:extLst>
               <a:ext uri="{FF2B5EF4-FFF2-40B4-BE49-F238E27FC236}">
-                <a16:creationId xmlns:a16="http://schemas.microsoft.com/office/drawing/2014/main" id="{2D6CFB7F-25BC-24B6-1D3D-84624DB20CA0}"/>
+                <a16:creationId xmlns:a16="http://schemas.microsoft.com/office/drawing/2014/main" id="{FE549F7F-4A84-B1BC-50A0-F8581615A53C}"/>
               </a:ext>
             </a:extLst>
           </p:cNvPr>
@@ -7602,7 +10733,7 @@
           <p:cNvPr id="5" name="Slide Number Placeholder 4">
             <a:extLst>
               <a:ext uri="{FF2B5EF4-FFF2-40B4-BE49-F238E27FC236}">
-                <a16:creationId xmlns:a16="http://schemas.microsoft.com/office/drawing/2014/main" id="{F00FAD1C-F3AB-8976-44A7-ADAE40D98E57}"/>
+                <a16:creationId xmlns:a16="http://schemas.microsoft.com/office/drawing/2014/main" id="{C818AFA4-2974-C8A6-B5E3-94407C9CFDD5}"/>
               </a:ext>
             </a:extLst>
           </p:cNvPr>
@@ -7631,7 +10762,7 @@
           <p:cNvPr id="6" name="Title 1">
             <a:extLst>
               <a:ext uri="{FF2B5EF4-FFF2-40B4-BE49-F238E27FC236}">
-                <a16:creationId xmlns:a16="http://schemas.microsoft.com/office/drawing/2014/main" id="{B9347263-545C-D118-E3B2-E0F15872D676}"/>
+                <a16:creationId xmlns:a16="http://schemas.microsoft.com/office/drawing/2014/main" id="{170452C6-2818-8198-1412-9BBBD0F78FFE}"/>
               </a:ext>
             </a:extLst>
           </p:cNvPr>
@@ -7659,45 +10790,188 @@
           <a:p>
             <a:r>
               <a:rPr lang="en-US" dirty="0"/>
-              <a:t>Feature Engineering</a:t>
-            </a:r>
-          </a:p>
-        </p:txBody>
-      </p:sp>
-      <p:pic>
-        <p:nvPicPr>
-          <p:cNvPr id="2" name="Picture 1">
-            <a:extLst>
-              <a:ext uri="{FF2B5EF4-FFF2-40B4-BE49-F238E27FC236}">
-                <a16:creationId xmlns:a16="http://schemas.microsoft.com/office/drawing/2014/main" id="{466B1BEC-E7B5-9D6D-F2DA-96727B8CCBE5}"/>
-              </a:ext>
-            </a:extLst>
-          </p:cNvPr>
-          <p:cNvPicPr>
-            <a:picLocks noChangeAspect="1"/>
-          </p:cNvPicPr>
+              <a:t>Content</a:t>
+            </a:r>
+          </a:p>
+        </p:txBody>
+      </p:sp>
+      <p:sp>
+        <p:nvSpPr>
+          <p:cNvPr id="7" name="TextBox 6">
+            <a:extLst>
+              <a:ext uri="{FF2B5EF4-FFF2-40B4-BE49-F238E27FC236}">
+                <a16:creationId xmlns:a16="http://schemas.microsoft.com/office/drawing/2014/main" id="{A2B0666F-F451-9D5B-5B37-8AA56EBE88A2}"/>
+              </a:ext>
+            </a:extLst>
+          </p:cNvPr>
+          <p:cNvSpPr txBox="1"/>
           <p:nvPr/>
-        </p:nvPicPr>
-        <p:blipFill>
-          <a:blip r:embed="rId2"/>
-          <a:stretch>
-            <a:fillRect/>
-          </a:stretch>
-        </p:blipFill>
-        <p:spPr>
-          <a:xfrm>
-            <a:off x="1741445" y="1258056"/>
-            <a:ext cx="9055100" cy="5156200"/>
+        </p:nvSpPr>
+        <p:spPr>
+          <a:xfrm>
+            <a:off x="1631092" y="1787611"/>
+            <a:ext cx="7841644" cy="3970318"/>
           </a:xfrm>
           <a:prstGeom prst="rect">
             <a:avLst/>
           </a:prstGeom>
-        </p:spPr>
-      </p:pic>
+          <a:noFill/>
+        </p:spPr>
+        <p:txBody>
+          <a:bodyPr wrap="square" rtlCol="0">
+            <a:spAutoFit/>
+          </a:bodyPr>
+          <a:lstStyle/>
+          <a:p>
+            <a:pPr marL="342900" indent="-342900">
+              <a:buAutoNum type="arabicPeriod"/>
+            </a:pPr>
+            <a:r>
+              <a:rPr lang="en-US" dirty="0"/>
+              <a:t>Creating a dataset</a:t>
+            </a:r>
+          </a:p>
+          <a:p>
+            <a:pPr marL="342900" indent="-342900">
+              <a:buAutoNum type="arabicPeriod"/>
+            </a:pPr>
+            <a:r>
+              <a:rPr lang="en-US" dirty="0"/>
+              <a:t>Machine Learning</a:t>
+            </a:r>
+          </a:p>
+          <a:p>
+            <a:r>
+              <a:rPr lang="en-US" dirty="0"/>
+              <a:t>	2.1 Training and testing dataset</a:t>
+            </a:r>
+          </a:p>
+          <a:p>
+            <a:r>
+              <a:rPr lang="en-US" dirty="0">
+                <a:solidFill>
+                  <a:schemeClr val="accent6">
+                    <a:lumMod val="50000"/>
+                  </a:schemeClr>
+                </a:solidFill>
+              </a:rPr>
+              <a:t>	2.2 Feature Engineering</a:t>
+            </a:r>
+          </a:p>
+          <a:p>
+            <a:r>
+              <a:rPr lang="en-US" dirty="0"/>
+              <a:t>	2.3 Model1 (Regression)</a:t>
+            </a:r>
+          </a:p>
+          <a:p>
+            <a:r>
+              <a:rPr lang="en-US" dirty="0"/>
+              <a:t>	2.4 Model2 (Classification)</a:t>
+            </a:r>
+          </a:p>
+          <a:p>
+            <a:r>
+              <a:rPr lang="en-US" dirty="0"/>
+              <a:t>	2.5 Feature Importance</a:t>
+            </a:r>
+          </a:p>
+          <a:p>
+            <a:pPr marL="342900" indent="-342900">
+              <a:buAutoNum type="arabicPeriod" startAt="3"/>
+            </a:pPr>
+            <a:r>
+              <a:rPr lang="en-US" dirty="0"/>
+              <a:t>Model/dataset Conclusion </a:t>
+            </a:r>
+          </a:p>
+          <a:p>
+            <a:pPr lvl="1"/>
+            <a:r>
+              <a:rPr lang="en-US" dirty="0"/>
+              <a:t>3.1 Target customers 1</a:t>
+            </a:r>
+          </a:p>
+          <a:p>
+            <a:pPr lvl="1"/>
+            <a:r>
+              <a:rPr lang="en-US" dirty="0"/>
+              <a:t>3.2 Target customers 2</a:t>
+            </a:r>
+          </a:p>
+          <a:p>
+            <a:pPr lvl="1"/>
+            <a:r>
+              <a:rPr lang="en-US" dirty="0"/>
+              <a:t>3.3 Target customers 3</a:t>
+            </a:r>
+          </a:p>
+          <a:p>
+            <a:pPr lvl="1"/>
+            <a:endParaRPr lang="en-US" dirty="0"/>
+          </a:p>
+          <a:p>
+            <a:endParaRPr lang="en-US" dirty="0"/>
+          </a:p>
+          <a:p>
+            <a:endParaRPr lang="en-US" dirty="0"/>
+          </a:p>
+        </p:txBody>
+      </p:sp>
+      <p:sp>
+        <p:nvSpPr>
+          <p:cNvPr id="2" name="Frame 1">
+            <a:extLst>
+              <a:ext uri="{FF2B5EF4-FFF2-40B4-BE49-F238E27FC236}">
+                <a16:creationId xmlns:a16="http://schemas.microsoft.com/office/drawing/2014/main" id="{0AEA8DC0-3BB5-C053-08C0-CA7A5034FC6B}"/>
+              </a:ext>
+            </a:extLst>
+          </p:cNvPr>
+          <p:cNvSpPr/>
+          <p:nvPr/>
+        </p:nvSpPr>
+        <p:spPr>
+          <a:xfrm>
+            <a:off x="2141838" y="2693773"/>
+            <a:ext cx="2454876" cy="263611"/>
+          </a:xfrm>
+          <a:prstGeom prst="frame">
+            <a:avLst/>
+          </a:prstGeom>
+        </p:spPr>
+        <p:style>
+          <a:lnRef idx="2">
+            <a:schemeClr val="accent1">
+              <a:shade val="50000"/>
+            </a:schemeClr>
+          </a:lnRef>
+          <a:fillRef idx="1">
+            <a:schemeClr val="accent1"/>
+          </a:fillRef>
+          <a:effectRef idx="0">
+            <a:schemeClr val="accent1"/>
+          </a:effectRef>
+          <a:fontRef idx="minor">
+            <a:schemeClr val="lt1"/>
+          </a:fontRef>
+        </p:style>
+        <p:txBody>
+          <a:bodyPr rtlCol="0" anchor="ctr"/>
+          <a:lstStyle/>
+          <a:p>
+            <a:pPr algn="ctr"/>
+            <a:endParaRPr lang="en-US">
+              <a:solidFill>
+                <a:schemeClr val="tx1"/>
+              </a:solidFill>
+            </a:endParaRPr>
+          </a:p>
+        </p:txBody>
+      </p:sp>
     </p:spTree>
     <p:extLst>
       <p:ext uri="{BB962C8B-B14F-4D97-AF65-F5344CB8AC3E}">
-        <p14:creationId xmlns:p14="http://schemas.microsoft.com/office/powerpoint/2010/main" val="1312414158"/>
+        <p14:creationId xmlns:p14="http://schemas.microsoft.com/office/powerpoint/2010/main" val="1846692101"/>
       </p:ext>
     </p:extLst>
   </p:cSld>
@@ -7815,7 +11089,7 @@
           <a:p>
             <a:r>
               <a:rPr lang="en-US" dirty="0"/>
-              <a:t>Model 1</a:t>
+              <a:t>Feature Engineering</a:t>
             </a:r>
           </a:p>
         </p:txBody>
@@ -7825,7 +11099,7 @@
           <p:cNvPr id="7" name="TextBox 6">
             <a:extLst>
               <a:ext uri="{FF2B5EF4-FFF2-40B4-BE49-F238E27FC236}">
-                <a16:creationId xmlns:a16="http://schemas.microsoft.com/office/drawing/2014/main" id="{42113D9C-02AF-F699-34BF-75E5850D22B7}"/>
+                <a16:creationId xmlns:a16="http://schemas.microsoft.com/office/drawing/2014/main" id="{88B778AC-5870-3B2F-739F-E51EE16767A2}"/>
               </a:ext>
             </a:extLst>
           </p:cNvPr>
@@ -7834,13 +11108,18 @@
         </p:nvSpPr>
         <p:spPr>
           <a:xfrm>
-            <a:off x="1150882" y="1235675"/>
-            <a:ext cx="6141938" cy="369332"/>
+            <a:off x="1342768" y="1219199"/>
+            <a:ext cx="3726854" cy="923330"/>
           </a:xfrm>
           <a:prstGeom prst="rect">
             <a:avLst/>
           </a:prstGeom>
           <a:noFill/>
+          <a:ln>
+            <a:solidFill>
+              <a:schemeClr val="tx1"/>
+            </a:solidFill>
+          </a:ln>
         </p:spPr>
         <p:txBody>
           <a:bodyPr wrap="none" rtlCol="0">
@@ -7848,20 +11127,44 @@
           </a:bodyPr>
           <a:lstStyle/>
           <a:p>
-            <a:r>
-              <a:rPr lang="en-IN" dirty="0"/>
-              <a:t> Predict how much customer will spend in next N days (N=90)</a:t>
-            </a:r>
-            <a:endParaRPr lang="en-US" dirty="0"/>
+            <a:pPr marL="342900" indent="-342900">
+              <a:buAutoNum type="arabicPeriod"/>
+            </a:pPr>
+            <a:r>
+              <a:rPr lang="en-US" dirty="0">
+                <a:solidFill>
+                  <a:srgbClr val="7030A0"/>
+                </a:solidFill>
+              </a:rPr>
+              <a:t>Making Targets from testing data</a:t>
+            </a:r>
+          </a:p>
+          <a:p>
+            <a:pPr marL="800100" lvl="1" indent="-342900">
+              <a:buAutoNum type="arabicPeriod"/>
+            </a:pPr>
+            <a:r>
+              <a:rPr lang="en-US" dirty="0"/>
+              <a:t>spend_90_total</a:t>
+            </a:r>
+          </a:p>
+          <a:p>
+            <a:pPr marL="800100" lvl="1" indent="-342900">
+              <a:buAutoNum type="arabicPeriod"/>
+            </a:pPr>
+            <a:r>
+              <a:rPr lang="en-US" dirty="0"/>
+              <a:t>spend_90_flag </a:t>
+            </a:r>
           </a:p>
         </p:txBody>
       </p:sp>
       <p:pic>
         <p:nvPicPr>
-          <p:cNvPr id="8" name="Picture 7">
-            <a:extLst>
-              <a:ext uri="{FF2B5EF4-FFF2-40B4-BE49-F238E27FC236}">
-                <a16:creationId xmlns:a16="http://schemas.microsoft.com/office/drawing/2014/main" id="{587E2A1A-E603-4025-AF1F-518DE808DA38}"/>
+          <p:cNvPr id="9" name="Picture 8">
+            <a:extLst>
+              <a:ext uri="{FF2B5EF4-FFF2-40B4-BE49-F238E27FC236}">
+                <a16:creationId xmlns:a16="http://schemas.microsoft.com/office/drawing/2014/main" id="{820D0A5F-3BF1-4AAB-4636-34691948C280}"/>
               </a:ext>
             </a:extLst>
           </p:cNvPr>
@@ -7878,20 +11181,96 @@
         </p:blipFill>
         <p:spPr>
           <a:xfrm>
-            <a:off x="1299691" y="1605007"/>
-            <a:ext cx="5993129" cy="404614"/>
+            <a:off x="1342768" y="2301194"/>
+            <a:ext cx="3583459" cy="4079783"/>
           </a:xfrm>
           <a:prstGeom prst="rect">
             <a:avLst/>
           </a:prstGeom>
         </p:spPr>
       </p:pic>
+      <p:sp>
+        <p:nvSpPr>
+          <p:cNvPr id="11" name="TextBox 10">
+            <a:extLst>
+              <a:ext uri="{FF2B5EF4-FFF2-40B4-BE49-F238E27FC236}">
+                <a16:creationId xmlns:a16="http://schemas.microsoft.com/office/drawing/2014/main" id="{B4B613C5-3F8B-A185-F89E-BC533309726A}"/>
+              </a:ext>
+            </a:extLst>
+          </p:cNvPr>
+          <p:cNvSpPr txBox="1"/>
+          <p:nvPr/>
+        </p:nvSpPr>
+        <p:spPr>
+          <a:xfrm>
+            <a:off x="7463481" y="1224004"/>
+            <a:ext cx="4252767" cy="1754326"/>
+          </a:xfrm>
+          <a:prstGeom prst="rect">
+            <a:avLst/>
+          </a:prstGeom>
+          <a:noFill/>
+          <a:ln>
+            <a:solidFill>
+              <a:schemeClr val="tx1"/>
+            </a:solidFill>
+          </a:ln>
+        </p:spPr>
+        <p:txBody>
+          <a:bodyPr wrap="none" rtlCol="0">
+            <a:spAutoFit/>
+          </a:bodyPr>
+          <a:lstStyle/>
+          <a:p>
+            <a:r>
+              <a:rPr lang="en-US" dirty="0">
+                <a:solidFill>
+                  <a:schemeClr val="accent6">
+                    <a:lumMod val="50000"/>
+                  </a:schemeClr>
+                </a:solidFill>
+              </a:rPr>
+              <a:t>2. Making REF features from training data</a:t>
+            </a:r>
+          </a:p>
+          <a:p>
+            <a:r>
+              <a:rPr lang="en-US" dirty="0"/>
+              <a:t>	1. recency</a:t>
+            </a:r>
+          </a:p>
+          <a:p>
+            <a:r>
+              <a:rPr lang="en-US" dirty="0"/>
+              <a:t>	2. frequency</a:t>
+            </a:r>
+          </a:p>
+          <a:p>
+            <a:r>
+              <a:rPr lang="en-US" dirty="0"/>
+              <a:t>	3. Monetary</a:t>
+            </a:r>
+          </a:p>
+          <a:p>
+            <a:r>
+              <a:rPr lang="en-US" dirty="0"/>
+              <a:t>		a. sales_sum</a:t>
+            </a:r>
+          </a:p>
+          <a:p>
+            <a:r>
+              <a:rPr lang="en-US" dirty="0"/>
+              <a:t>		b. sales_mean</a:t>
+            </a:r>
+          </a:p>
+        </p:txBody>
+      </p:sp>
       <p:pic>
         <p:nvPicPr>
-          <p:cNvPr id="13" name="Picture 12">
-            <a:extLst>
-              <a:ext uri="{FF2B5EF4-FFF2-40B4-BE49-F238E27FC236}">
-                <a16:creationId xmlns:a16="http://schemas.microsoft.com/office/drawing/2014/main" id="{89716E9E-EA8C-891C-6E75-43AA7A573BAF}"/>
+          <p:cNvPr id="12" name="Picture 11">
+            <a:extLst>
+              <a:ext uri="{FF2B5EF4-FFF2-40B4-BE49-F238E27FC236}">
+                <a16:creationId xmlns:a16="http://schemas.microsoft.com/office/drawing/2014/main" id="{39D12427-2536-1D66-0DE7-7DDC53F4B78D}"/>
               </a:ext>
             </a:extLst>
           </p:cNvPr>
@@ -7908,68 +11287,8 @@
         </p:blipFill>
         <p:spPr>
           <a:xfrm>
-            <a:off x="1299690" y="1974339"/>
-            <a:ext cx="5993129" cy="884192"/>
-          </a:xfrm>
-          <a:prstGeom prst="rect">
-            <a:avLst/>
-          </a:prstGeom>
-        </p:spPr>
-      </p:pic>
-      <p:pic>
-        <p:nvPicPr>
-          <p:cNvPr id="14" name="Picture 13">
-            <a:extLst>
-              <a:ext uri="{FF2B5EF4-FFF2-40B4-BE49-F238E27FC236}">
-                <a16:creationId xmlns:a16="http://schemas.microsoft.com/office/drawing/2014/main" id="{EB632818-D5C4-7D89-51DA-82911255BC29}"/>
-              </a:ext>
-            </a:extLst>
-          </p:cNvPr>
-          <p:cNvPicPr>
-            <a:picLocks noChangeAspect="1"/>
-          </p:cNvPicPr>
-          <p:nvPr/>
-        </p:nvPicPr>
-        <p:blipFill>
-          <a:blip r:embed="rId4"/>
-          <a:stretch>
-            <a:fillRect/>
-          </a:stretch>
-        </p:blipFill>
-        <p:spPr>
-          <a:xfrm>
-            <a:off x="1299689" y="2835378"/>
-            <a:ext cx="5993128" cy="1092200"/>
-          </a:xfrm>
-          <a:prstGeom prst="rect">
-            <a:avLst/>
-          </a:prstGeom>
-        </p:spPr>
-      </p:pic>
-      <p:pic>
-        <p:nvPicPr>
-          <p:cNvPr id="15" name="Picture 14">
-            <a:extLst>
-              <a:ext uri="{FF2B5EF4-FFF2-40B4-BE49-F238E27FC236}">
-                <a16:creationId xmlns:a16="http://schemas.microsoft.com/office/drawing/2014/main" id="{925D8166-3163-A203-753A-F645D9194807}"/>
-              </a:ext>
-            </a:extLst>
-          </p:cNvPr>
-          <p:cNvPicPr>
-            <a:picLocks noChangeAspect="1"/>
-          </p:cNvPicPr>
-          <p:nvPr/>
-        </p:nvPicPr>
-        <p:blipFill>
-          <a:blip r:embed="rId5"/>
-          <a:stretch>
-            <a:fillRect/>
-          </a:stretch>
-        </p:blipFill>
-        <p:spPr>
-          <a:xfrm>
-            <a:off x="1289713" y="3926178"/>
-            <a:ext cx="6003104" cy="2387600"/>
+            <a:off x="7463481" y="3050739"/>
+            <a:ext cx="3648155" cy="3315801"/>
           </a:xfrm>
           <a:prstGeom prst="rect">
             <a:avLst/>
@@ -7979,7 +11298,7 @@
     </p:spTree>
     <p:extLst>
       <p:ext uri="{BB962C8B-B14F-4D97-AF65-F5344CB8AC3E}">
-        <p14:creationId xmlns:p14="http://schemas.microsoft.com/office/powerpoint/2010/main" val="3894712919"/>
+        <p14:creationId xmlns:p14="http://schemas.microsoft.com/office/powerpoint/2010/main" val="2530835503"/>
       </p:ext>
     </p:extLst>
   </p:cSld>
@@ -8097,7 +11416,7 @@
           <a:p>
             <a:r>
               <a:rPr lang="en-US" dirty="0"/>
-              <a:t>Model 1</a:t>
+              <a:t>Feature Engineering</a:t>
             </a:r>
           </a:p>
         </p:txBody>
@@ -8107,7 +11426,7 @@
           <p:cNvPr id="7" name="TextBox 6">
             <a:extLst>
               <a:ext uri="{FF2B5EF4-FFF2-40B4-BE49-F238E27FC236}">
-                <a16:creationId xmlns:a16="http://schemas.microsoft.com/office/drawing/2014/main" id="{42113D9C-02AF-F699-34BF-75E5850D22B7}"/>
+                <a16:creationId xmlns:a16="http://schemas.microsoft.com/office/drawing/2014/main" id="{88B778AC-5870-3B2F-739F-E51EE16767A2}"/>
               </a:ext>
             </a:extLst>
           </p:cNvPr>
@@ -8116,13 +11435,18 @@
         </p:nvSpPr>
         <p:spPr>
           <a:xfrm>
-            <a:off x="1150882" y="1235675"/>
-            <a:ext cx="6141938" cy="369332"/>
+            <a:off x="1342768" y="1219199"/>
+            <a:ext cx="3726854" cy="923330"/>
           </a:xfrm>
           <a:prstGeom prst="rect">
             <a:avLst/>
           </a:prstGeom>
           <a:noFill/>
+          <a:ln>
+            <a:solidFill>
+              <a:schemeClr val="tx1"/>
+            </a:solidFill>
+          </a:ln>
         </p:spPr>
         <p:txBody>
           <a:bodyPr wrap="none" rtlCol="0">
@@ -8130,20 +11454,44 @@
           </a:bodyPr>
           <a:lstStyle/>
           <a:p>
-            <a:r>
-              <a:rPr lang="en-IN" dirty="0"/>
-              <a:t> Predict how much customer will spend in next N days (N=90)</a:t>
-            </a:r>
-            <a:endParaRPr lang="en-US" dirty="0"/>
+            <a:pPr marL="342900" indent="-342900">
+              <a:buAutoNum type="arabicPeriod"/>
+            </a:pPr>
+            <a:r>
+              <a:rPr lang="en-US" dirty="0">
+                <a:solidFill>
+                  <a:srgbClr val="7030A0"/>
+                </a:solidFill>
+              </a:rPr>
+              <a:t>Making Targets from testing data</a:t>
+            </a:r>
+          </a:p>
+          <a:p>
+            <a:pPr marL="800100" lvl="1" indent="-342900">
+              <a:buAutoNum type="arabicPeriod"/>
+            </a:pPr>
+            <a:r>
+              <a:rPr lang="en-US" dirty="0"/>
+              <a:t>spend_90_total</a:t>
+            </a:r>
+          </a:p>
+          <a:p>
+            <a:pPr marL="800100" lvl="1" indent="-342900">
+              <a:buAutoNum type="arabicPeriod"/>
+            </a:pPr>
+            <a:r>
+              <a:rPr lang="en-US" dirty="0"/>
+              <a:t>spend_90_flag </a:t>
+            </a:r>
           </a:p>
         </p:txBody>
       </p:sp>
       <p:pic>
         <p:nvPicPr>
-          <p:cNvPr id="2" name="Picture 1">
-            <a:extLst>
-              <a:ext uri="{FF2B5EF4-FFF2-40B4-BE49-F238E27FC236}">
-                <a16:creationId xmlns:a16="http://schemas.microsoft.com/office/drawing/2014/main" id="{5142F2C6-D621-A513-D2B9-100DC2954281}"/>
+          <p:cNvPr id="9" name="Picture 8">
+            <a:extLst>
+              <a:ext uri="{FF2B5EF4-FFF2-40B4-BE49-F238E27FC236}">
+                <a16:creationId xmlns:a16="http://schemas.microsoft.com/office/drawing/2014/main" id="{820D0A5F-3BF1-4AAB-4636-34691948C280}"/>
               </a:ext>
             </a:extLst>
           </p:cNvPr>
@@ -8160,20 +11508,96 @@
         </p:blipFill>
         <p:spPr>
           <a:xfrm>
-            <a:off x="1321486" y="1669192"/>
-            <a:ext cx="5763055" cy="1431222"/>
+            <a:off x="1342768" y="2301194"/>
+            <a:ext cx="3583459" cy="4079783"/>
           </a:xfrm>
           <a:prstGeom prst="rect">
             <a:avLst/>
           </a:prstGeom>
         </p:spPr>
       </p:pic>
+      <p:sp>
+        <p:nvSpPr>
+          <p:cNvPr id="11" name="TextBox 10">
+            <a:extLst>
+              <a:ext uri="{FF2B5EF4-FFF2-40B4-BE49-F238E27FC236}">
+                <a16:creationId xmlns:a16="http://schemas.microsoft.com/office/drawing/2014/main" id="{B4B613C5-3F8B-A185-F89E-BC533309726A}"/>
+              </a:ext>
+            </a:extLst>
+          </p:cNvPr>
+          <p:cNvSpPr txBox="1"/>
+          <p:nvPr/>
+        </p:nvSpPr>
+        <p:spPr>
+          <a:xfrm>
+            <a:off x="7463481" y="1224004"/>
+            <a:ext cx="4252767" cy="1754326"/>
+          </a:xfrm>
+          <a:prstGeom prst="rect">
+            <a:avLst/>
+          </a:prstGeom>
+          <a:noFill/>
+          <a:ln>
+            <a:solidFill>
+              <a:schemeClr val="tx1"/>
+            </a:solidFill>
+          </a:ln>
+        </p:spPr>
+        <p:txBody>
+          <a:bodyPr wrap="none" rtlCol="0">
+            <a:spAutoFit/>
+          </a:bodyPr>
+          <a:lstStyle/>
+          <a:p>
+            <a:r>
+              <a:rPr lang="en-US" dirty="0">
+                <a:solidFill>
+                  <a:schemeClr val="accent6">
+                    <a:lumMod val="50000"/>
+                  </a:schemeClr>
+                </a:solidFill>
+              </a:rPr>
+              <a:t>2. Making REF features from training data</a:t>
+            </a:r>
+          </a:p>
+          <a:p>
+            <a:r>
+              <a:rPr lang="en-US" dirty="0"/>
+              <a:t>	1. recency</a:t>
+            </a:r>
+          </a:p>
+          <a:p>
+            <a:r>
+              <a:rPr lang="en-US" dirty="0"/>
+              <a:t>	2. frequency</a:t>
+            </a:r>
+          </a:p>
+          <a:p>
+            <a:r>
+              <a:rPr lang="en-US" dirty="0"/>
+              <a:t>	3. Monetary</a:t>
+            </a:r>
+          </a:p>
+          <a:p>
+            <a:r>
+              <a:rPr lang="en-US" dirty="0"/>
+              <a:t>		a. sales_sum</a:t>
+            </a:r>
+          </a:p>
+          <a:p>
+            <a:r>
+              <a:rPr lang="en-US" dirty="0"/>
+              <a:t>		b. sales_mean</a:t>
+            </a:r>
+          </a:p>
+        </p:txBody>
+      </p:sp>
       <p:pic>
         <p:nvPicPr>
-          <p:cNvPr id="3" name="Picture 2">
-            <a:extLst>
-              <a:ext uri="{FF2B5EF4-FFF2-40B4-BE49-F238E27FC236}">
-                <a16:creationId xmlns:a16="http://schemas.microsoft.com/office/drawing/2014/main" id="{DAA5B2FF-1D49-0EED-F915-7EA991241CCE}"/>
+          <p:cNvPr id="12" name="Picture 11">
+            <a:extLst>
+              <a:ext uri="{FF2B5EF4-FFF2-40B4-BE49-F238E27FC236}">
+                <a16:creationId xmlns:a16="http://schemas.microsoft.com/office/drawing/2014/main" id="{39D12427-2536-1D66-0DE7-7DDC53F4B78D}"/>
               </a:ext>
             </a:extLst>
           </p:cNvPr>
@@ -8190,48 +11614,96 @@
         </p:blipFill>
         <p:spPr>
           <a:xfrm>
-            <a:off x="1321485" y="3100414"/>
-            <a:ext cx="5763055" cy="838263"/>
+            <a:off x="7463481" y="3050739"/>
+            <a:ext cx="3648155" cy="3315801"/>
           </a:xfrm>
           <a:prstGeom prst="rect">
             <a:avLst/>
           </a:prstGeom>
         </p:spPr>
       </p:pic>
-      <p:pic>
-        <p:nvPicPr>
-          <p:cNvPr id="9" name="Picture 8">
-            <a:extLst>
-              <a:ext uri="{FF2B5EF4-FFF2-40B4-BE49-F238E27FC236}">
-                <a16:creationId xmlns:a16="http://schemas.microsoft.com/office/drawing/2014/main" id="{10A9108B-FEB3-1807-9E91-AF8AD6FC9185}"/>
-              </a:ext>
-            </a:extLst>
-          </p:cNvPr>
-          <p:cNvPicPr>
-            <a:picLocks noChangeAspect="1"/>
-          </p:cNvPicPr>
+      <p:cxnSp>
+        <p:nvCxnSpPr>
+          <p:cNvPr id="3" name="Straight Arrow Connector 2">
+            <a:extLst>
+              <a:ext uri="{FF2B5EF4-FFF2-40B4-BE49-F238E27FC236}">
+                <a16:creationId xmlns:a16="http://schemas.microsoft.com/office/drawing/2014/main" id="{BBD67DD0-88F6-2D9B-1EC1-CEFFD736E953}"/>
+              </a:ext>
+            </a:extLst>
+          </p:cNvPr>
+          <p:cNvCxnSpPr/>
           <p:nvPr/>
-        </p:nvPicPr>
-        <p:blipFill>
-          <a:blip r:embed="rId4"/>
-          <a:stretch>
-            <a:fillRect/>
-          </a:stretch>
-        </p:blipFill>
-        <p:spPr>
-          <a:xfrm>
-            <a:off x="1321484" y="3938677"/>
-            <a:ext cx="5763055" cy="973912"/>
+        </p:nvCxnSpPr>
+        <p:spPr>
+          <a:xfrm>
+            <a:off x="5338119" y="4349578"/>
+            <a:ext cx="1746422" cy="0"/>
+          </a:xfrm>
+          <a:prstGeom prst="straightConnector1">
+            <a:avLst/>
+          </a:prstGeom>
+          <a:ln w="57150">
+            <a:solidFill>
+              <a:schemeClr val="tx1"/>
+            </a:solidFill>
+            <a:headEnd type="triangle"/>
+            <a:tailEnd type="triangle"/>
+          </a:ln>
+        </p:spPr>
+        <p:style>
+          <a:lnRef idx="1">
+            <a:schemeClr val="accent1"/>
+          </a:lnRef>
+          <a:fillRef idx="0">
+            <a:schemeClr val="accent1"/>
+          </a:fillRef>
+          <a:effectRef idx="0">
+            <a:schemeClr val="accent1"/>
+          </a:effectRef>
+          <a:fontRef idx="minor">
+            <a:schemeClr val="tx1"/>
+          </a:fontRef>
+        </p:style>
+      </p:cxnSp>
+      <p:sp>
+        <p:nvSpPr>
+          <p:cNvPr id="8" name="TextBox 7">
+            <a:extLst>
+              <a:ext uri="{FF2B5EF4-FFF2-40B4-BE49-F238E27FC236}">
+                <a16:creationId xmlns:a16="http://schemas.microsoft.com/office/drawing/2014/main" id="{D6B47429-3615-7E1F-9FB5-1BAF38E1F661}"/>
+              </a:ext>
+            </a:extLst>
+          </p:cNvPr>
+          <p:cNvSpPr txBox="1"/>
+          <p:nvPr/>
+        </p:nvSpPr>
+        <p:spPr>
+          <a:xfrm>
+            <a:off x="5687789" y="3980246"/>
+            <a:ext cx="1047082" cy="369332"/>
           </a:xfrm>
           <a:prstGeom prst="rect">
             <a:avLst/>
           </a:prstGeom>
-        </p:spPr>
-      </p:pic>
+          <a:noFill/>
+        </p:spPr>
+        <p:txBody>
+          <a:bodyPr wrap="none" rtlCol="0">
+            <a:spAutoFit/>
+          </a:bodyPr>
+          <a:lstStyle/>
+          <a:p>
+            <a:r>
+              <a:rPr lang="en-US" dirty="0"/>
+              <a:t>Combine</a:t>
+            </a:r>
+          </a:p>
+        </p:txBody>
+      </p:sp>
     </p:spTree>
     <p:extLst>
       <p:ext uri="{BB962C8B-B14F-4D97-AF65-F5344CB8AC3E}">
-        <p14:creationId xmlns:p14="http://schemas.microsoft.com/office/powerpoint/2010/main" val="76803428"/>
+        <p14:creationId xmlns:p14="http://schemas.microsoft.com/office/powerpoint/2010/main" val="743635475"/>
       </p:ext>
     </p:extLst>
   </p:cSld>
